--- a/img/PANDA.pptx
+++ b/img/PANDA.pptx
@@ -4,6 +4,9 @@
   <p:sldMasterIdLst>
     <p:sldMasterId id="2147483648" r:id="rId1"/>
   </p:sldMasterIdLst>
+  <p:notesMasterIdLst>
+    <p:notesMasterId r:id="rId3"/>
+  </p:notesMasterIdLst>
   <p:sldIdLst>
     <p:sldId id="256" r:id="rId2"/>
   </p:sldIdLst>
@@ -110,6 +113,439 @@
     </p:ext>
   </p:extLst>
 </p:presentation>
+</file>
+
+<file path=ppt/notesMasters/notesMaster1.xml><?xml version="1.0" encoding="utf-8"?>
+<p:notesMaster xmlns:a="http://schemas.openxmlformats.org/drawingml/2006/main" xmlns:r="http://schemas.openxmlformats.org/officeDocument/2006/relationships" xmlns:p="http://schemas.openxmlformats.org/presentationml/2006/main">
+  <p:cSld>
+    <p:bg>
+      <p:bgRef idx="1001">
+        <a:schemeClr val="bg1"/>
+      </p:bgRef>
+    </p:bg>
+    <p:spTree>
+      <p:nvGrpSpPr>
+        <p:cNvPr id="1" name=""/>
+        <p:cNvGrpSpPr/>
+        <p:nvPr/>
+      </p:nvGrpSpPr>
+      <p:grpSpPr>
+        <a:xfrm>
+          <a:off x="0" y="0"/>
+          <a:ext cx="0" cy="0"/>
+          <a:chOff x="0" y="0"/>
+          <a:chExt cx="0" cy="0"/>
+        </a:xfrm>
+      </p:grpSpPr>
+      <p:sp>
+        <p:nvSpPr>
+          <p:cNvPr id="2" name="Header Placeholder 1"/>
+          <p:cNvSpPr>
+            <a:spLocks noGrp="1"/>
+          </p:cNvSpPr>
+          <p:nvPr>
+            <p:ph type="hdr" sz="quarter"/>
+          </p:nvPr>
+        </p:nvSpPr>
+        <p:spPr>
+          <a:xfrm>
+            <a:off x="0" y="0"/>
+            <a:ext cx="2971800" cy="458788"/>
+          </a:xfrm>
+          <a:prstGeom prst="rect">
+            <a:avLst/>
+          </a:prstGeom>
+        </p:spPr>
+        <p:txBody>
+          <a:bodyPr vert="horz" lIns="91440" tIns="45720" rIns="91440" bIns="45720" rtlCol="0"/>
+          <a:lstStyle>
+            <a:lvl1pPr algn="l">
+              <a:defRPr sz="1200"/>
+            </a:lvl1pPr>
+          </a:lstStyle>
+          <a:p>
+            <a:endParaRPr lang="en-US"/>
+          </a:p>
+        </p:txBody>
+      </p:sp>
+      <p:sp>
+        <p:nvSpPr>
+          <p:cNvPr id="3" name="Date Placeholder 2"/>
+          <p:cNvSpPr>
+            <a:spLocks noGrp="1"/>
+          </p:cNvSpPr>
+          <p:nvPr>
+            <p:ph type="dt" idx="1"/>
+          </p:nvPr>
+        </p:nvSpPr>
+        <p:spPr>
+          <a:xfrm>
+            <a:off x="3884613" y="0"/>
+            <a:ext cx="2971800" cy="458788"/>
+          </a:xfrm>
+          <a:prstGeom prst="rect">
+            <a:avLst/>
+          </a:prstGeom>
+        </p:spPr>
+        <p:txBody>
+          <a:bodyPr vert="horz" lIns="91440" tIns="45720" rIns="91440" bIns="45720" rtlCol="0"/>
+          <a:lstStyle>
+            <a:lvl1pPr algn="r">
+              <a:defRPr sz="1200"/>
+            </a:lvl1pPr>
+          </a:lstStyle>
+          <a:p>
+            <a:fld id="{B966D517-34DA-1541-9976-65CE1DA01ED5}" type="datetimeFigureOut">
+              <a:rPr lang="en-US" smtClean="0"/>
+              <a:t>4/1/19</a:t>
+            </a:fld>
+            <a:endParaRPr lang="en-US"/>
+          </a:p>
+        </p:txBody>
+      </p:sp>
+      <p:sp>
+        <p:nvSpPr>
+          <p:cNvPr id="4" name="Slide Image Placeholder 3"/>
+          <p:cNvSpPr>
+            <a:spLocks noGrp="1" noRot="1" noChangeAspect="1"/>
+          </p:cNvSpPr>
+          <p:nvPr>
+            <p:ph type="sldImg" idx="2"/>
+          </p:nvPr>
+        </p:nvSpPr>
+        <p:spPr>
+          <a:xfrm>
+            <a:off x="685800" y="1143000"/>
+            <a:ext cx="5486400" cy="3086100"/>
+          </a:xfrm>
+          <a:prstGeom prst="rect">
+            <a:avLst/>
+          </a:prstGeom>
+          <a:noFill/>
+          <a:ln w="12700">
+            <a:solidFill>
+              <a:prstClr val="black"/>
+            </a:solidFill>
+          </a:ln>
+        </p:spPr>
+        <p:txBody>
+          <a:bodyPr vert="horz" lIns="91440" tIns="45720" rIns="91440" bIns="45720" rtlCol="0" anchor="ctr"/>
+          <a:lstStyle/>
+          <a:p>
+            <a:endParaRPr lang="en-US"/>
+          </a:p>
+        </p:txBody>
+      </p:sp>
+      <p:sp>
+        <p:nvSpPr>
+          <p:cNvPr id="5" name="Notes Placeholder 4"/>
+          <p:cNvSpPr>
+            <a:spLocks noGrp="1"/>
+          </p:cNvSpPr>
+          <p:nvPr>
+            <p:ph type="body" sz="quarter" idx="3"/>
+          </p:nvPr>
+        </p:nvSpPr>
+        <p:spPr>
+          <a:xfrm>
+            <a:off x="685800" y="4400550"/>
+            <a:ext cx="5486400" cy="3600450"/>
+          </a:xfrm>
+          <a:prstGeom prst="rect">
+            <a:avLst/>
+          </a:prstGeom>
+        </p:spPr>
+        <p:txBody>
+          <a:bodyPr vert="horz" lIns="91440" tIns="45720" rIns="91440" bIns="45720" rtlCol="0"/>
+          <a:lstStyle/>
+          <a:p>
+            <a:pPr lvl="0"/>
+            <a:r>
+              <a:rPr lang="en-US"/>
+              <a:t>Click to edit Master text styles</a:t>
+            </a:r>
+          </a:p>
+          <a:p>
+            <a:pPr lvl="1"/>
+            <a:r>
+              <a:rPr lang="en-US"/>
+              <a:t>Second level</a:t>
+            </a:r>
+          </a:p>
+          <a:p>
+            <a:pPr lvl="2"/>
+            <a:r>
+              <a:rPr lang="en-US"/>
+              <a:t>Third level</a:t>
+            </a:r>
+          </a:p>
+          <a:p>
+            <a:pPr lvl="3"/>
+            <a:r>
+              <a:rPr lang="en-US"/>
+              <a:t>Fourth level</a:t>
+            </a:r>
+          </a:p>
+          <a:p>
+            <a:pPr lvl="4"/>
+            <a:r>
+              <a:rPr lang="en-US"/>
+              <a:t>Fifth level</a:t>
+            </a:r>
+          </a:p>
+        </p:txBody>
+      </p:sp>
+      <p:sp>
+        <p:nvSpPr>
+          <p:cNvPr id="6" name="Footer Placeholder 5"/>
+          <p:cNvSpPr>
+            <a:spLocks noGrp="1"/>
+          </p:cNvSpPr>
+          <p:nvPr>
+            <p:ph type="ftr" sz="quarter" idx="4"/>
+          </p:nvPr>
+        </p:nvSpPr>
+        <p:spPr>
+          <a:xfrm>
+            <a:off x="0" y="8685213"/>
+            <a:ext cx="2971800" cy="458787"/>
+          </a:xfrm>
+          <a:prstGeom prst="rect">
+            <a:avLst/>
+          </a:prstGeom>
+        </p:spPr>
+        <p:txBody>
+          <a:bodyPr vert="horz" lIns="91440" tIns="45720" rIns="91440" bIns="45720" rtlCol="0" anchor="b"/>
+          <a:lstStyle>
+            <a:lvl1pPr algn="l">
+              <a:defRPr sz="1200"/>
+            </a:lvl1pPr>
+          </a:lstStyle>
+          <a:p>
+            <a:endParaRPr lang="en-US"/>
+          </a:p>
+        </p:txBody>
+      </p:sp>
+      <p:sp>
+        <p:nvSpPr>
+          <p:cNvPr id="7" name="Slide Number Placeholder 6"/>
+          <p:cNvSpPr>
+            <a:spLocks noGrp="1"/>
+          </p:cNvSpPr>
+          <p:nvPr>
+            <p:ph type="sldNum" sz="quarter" idx="5"/>
+          </p:nvPr>
+        </p:nvSpPr>
+        <p:spPr>
+          <a:xfrm>
+            <a:off x="3884613" y="8685213"/>
+            <a:ext cx="2971800" cy="458787"/>
+          </a:xfrm>
+          <a:prstGeom prst="rect">
+            <a:avLst/>
+          </a:prstGeom>
+        </p:spPr>
+        <p:txBody>
+          <a:bodyPr vert="horz" lIns="91440" tIns="45720" rIns="91440" bIns="45720" rtlCol="0" anchor="b"/>
+          <a:lstStyle>
+            <a:lvl1pPr algn="r">
+              <a:defRPr sz="1200"/>
+            </a:lvl1pPr>
+          </a:lstStyle>
+          <a:p>
+            <a:fld id="{7E56CCFC-83C8-264A-87C4-1A363E74ED24}" type="slidenum">
+              <a:rPr lang="en-US" smtClean="0"/>
+              <a:t>‹#›</a:t>
+            </a:fld>
+            <a:endParaRPr lang="en-US"/>
+          </a:p>
+        </p:txBody>
+      </p:sp>
+    </p:spTree>
+    <p:extLst>
+      <p:ext uri="{BB962C8B-B14F-4D97-AF65-F5344CB8AC3E}">
+        <p14:creationId xmlns:p14="http://schemas.microsoft.com/office/powerpoint/2010/main" val="492325291"/>
+      </p:ext>
+    </p:extLst>
+  </p:cSld>
+  <p:clrMap bg1="lt1" tx1="dk1" bg2="lt2" tx2="dk2" accent1="accent1" accent2="accent2" accent3="accent3" accent4="accent4" accent5="accent5" accent6="accent6" hlink="hlink" folHlink="folHlink"/>
+  <p:notesStyle>
+    <a:lvl1pPr marL="0" algn="l" defTabSz="914400" rtl="0" eaLnBrk="1" latinLnBrk="0" hangingPunct="1">
+      <a:defRPr sz="1200" kern="1200">
+        <a:solidFill>
+          <a:schemeClr val="tx1"/>
+        </a:solidFill>
+        <a:latin typeface="+mn-lt"/>
+        <a:ea typeface="+mn-ea"/>
+        <a:cs typeface="+mn-cs"/>
+      </a:defRPr>
+    </a:lvl1pPr>
+    <a:lvl2pPr marL="457200" algn="l" defTabSz="914400" rtl="0" eaLnBrk="1" latinLnBrk="0" hangingPunct="1">
+      <a:defRPr sz="1200" kern="1200">
+        <a:solidFill>
+          <a:schemeClr val="tx1"/>
+        </a:solidFill>
+        <a:latin typeface="+mn-lt"/>
+        <a:ea typeface="+mn-ea"/>
+        <a:cs typeface="+mn-cs"/>
+      </a:defRPr>
+    </a:lvl2pPr>
+    <a:lvl3pPr marL="914400" algn="l" defTabSz="914400" rtl="0" eaLnBrk="1" latinLnBrk="0" hangingPunct="1">
+      <a:defRPr sz="1200" kern="1200">
+        <a:solidFill>
+          <a:schemeClr val="tx1"/>
+        </a:solidFill>
+        <a:latin typeface="+mn-lt"/>
+        <a:ea typeface="+mn-ea"/>
+        <a:cs typeface="+mn-cs"/>
+      </a:defRPr>
+    </a:lvl3pPr>
+    <a:lvl4pPr marL="1371600" algn="l" defTabSz="914400" rtl="0" eaLnBrk="1" latinLnBrk="0" hangingPunct="1">
+      <a:defRPr sz="1200" kern="1200">
+        <a:solidFill>
+          <a:schemeClr val="tx1"/>
+        </a:solidFill>
+        <a:latin typeface="+mn-lt"/>
+        <a:ea typeface="+mn-ea"/>
+        <a:cs typeface="+mn-cs"/>
+      </a:defRPr>
+    </a:lvl4pPr>
+    <a:lvl5pPr marL="1828800" algn="l" defTabSz="914400" rtl="0" eaLnBrk="1" latinLnBrk="0" hangingPunct="1">
+      <a:defRPr sz="1200" kern="1200">
+        <a:solidFill>
+          <a:schemeClr val="tx1"/>
+        </a:solidFill>
+        <a:latin typeface="+mn-lt"/>
+        <a:ea typeface="+mn-ea"/>
+        <a:cs typeface="+mn-cs"/>
+      </a:defRPr>
+    </a:lvl5pPr>
+    <a:lvl6pPr marL="2286000" algn="l" defTabSz="914400" rtl="0" eaLnBrk="1" latinLnBrk="0" hangingPunct="1">
+      <a:defRPr sz="1200" kern="1200">
+        <a:solidFill>
+          <a:schemeClr val="tx1"/>
+        </a:solidFill>
+        <a:latin typeface="+mn-lt"/>
+        <a:ea typeface="+mn-ea"/>
+        <a:cs typeface="+mn-cs"/>
+      </a:defRPr>
+    </a:lvl6pPr>
+    <a:lvl7pPr marL="2743200" algn="l" defTabSz="914400" rtl="0" eaLnBrk="1" latinLnBrk="0" hangingPunct="1">
+      <a:defRPr sz="1200" kern="1200">
+        <a:solidFill>
+          <a:schemeClr val="tx1"/>
+        </a:solidFill>
+        <a:latin typeface="+mn-lt"/>
+        <a:ea typeface="+mn-ea"/>
+        <a:cs typeface="+mn-cs"/>
+      </a:defRPr>
+    </a:lvl7pPr>
+    <a:lvl8pPr marL="3200400" algn="l" defTabSz="914400" rtl="0" eaLnBrk="1" latinLnBrk="0" hangingPunct="1">
+      <a:defRPr sz="1200" kern="1200">
+        <a:solidFill>
+          <a:schemeClr val="tx1"/>
+        </a:solidFill>
+        <a:latin typeface="+mn-lt"/>
+        <a:ea typeface="+mn-ea"/>
+        <a:cs typeface="+mn-cs"/>
+      </a:defRPr>
+    </a:lvl8pPr>
+    <a:lvl9pPr marL="3657600" algn="l" defTabSz="914400" rtl="0" eaLnBrk="1" latinLnBrk="0" hangingPunct="1">
+      <a:defRPr sz="1200" kern="1200">
+        <a:solidFill>
+          <a:schemeClr val="tx1"/>
+        </a:solidFill>
+        <a:latin typeface="+mn-lt"/>
+        <a:ea typeface="+mn-ea"/>
+        <a:cs typeface="+mn-cs"/>
+      </a:defRPr>
+    </a:lvl9pPr>
+  </p:notesStyle>
+</p:notesMaster>
+</file>
+
+<file path=ppt/notesSlides/notesSlide1.xml><?xml version="1.0" encoding="utf-8"?>
+<p:notes xmlns:a="http://schemas.openxmlformats.org/drawingml/2006/main" xmlns:r="http://schemas.openxmlformats.org/officeDocument/2006/relationships" xmlns:p="http://schemas.openxmlformats.org/presentationml/2006/main">
+  <p:cSld>
+    <p:spTree>
+      <p:nvGrpSpPr>
+        <p:cNvPr id="1" name=""/>
+        <p:cNvGrpSpPr/>
+        <p:nvPr/>
+      </p:nvGrpSpPr>
+      <p:grpSpPr>
+        <a:xfrm>
+          <a:off x="0" y="0"/>
+          <a:ext cx="0" cy="0"/>
+          <a:chOff x="0" y="0"/>
+          <a:chExt cx="0" cy="0"/>
+        </a:xfrm>
+      </p:grpSpPr>
+      <p:sp>
+        <p:nvSpPr>
+          <p:cNvPr id="2" name="Slide Image Placeholder 1"/>
+          <p:cNvSpPr>
+            <a:spLocks noGrp="1" noRot="1" noChangeAspect="1"/>
+          </p:cNvSpPr>
+          <p:nvPr>
+            <p:ph type="sldImg"/>
+          </p:nvPr>
+        </p:nvSpPr>
+        <p:spPr/>
+      </p:sp>
+      <p:sp>
+        <p:nvSpPr>
+          <p:cNvPr id="3" name="Notes Placeholder 2"/>
+          <p:cNvSpPr>
+            <a:spLocks noGrp="1"/>
+          </p:cNvSpPr>
+          <p:nvPr>
+            <p:ph type="body" idx="1"/>
+          </p:nvPr>
+        </p:nvSpPr>
+        <p:spPr/>
+        <p:txBody>
+          <a:bodyPr/>
+          <a:lstStyle/>
+          <a:p>
+            <a:endParaRPr lang="en-US" dirty="0"/>
+          </a:p>
+        </p:txBody>
+      </p:sp>
+      <p:sp>
+        <p:nvSpPr>
+          <p:cNvPr id="4" name="Slide Number Placeholder 3"/>
+          <p:cNvSpPr>
+            <a:spLocks noGrp="1"/>
+          </p:cNvSpPr>
+          <p:nvPr>
+            <p:ph type="sldNum" sz="quarter" idx="5"/>
+          </p:nvPr>
+        </p:nvSpPr>
+        <p:spPr/>
+        <p:txBody>
+          <a:bodyPr/>
+          <a:lstStyle/>
+          <a:p>
+            <a:fld id="{7E56CCFC-83C8-264A-87C4-1A363E74ED24}" type="slidenum">
+              <a:rPr lang="en-US" smtClean="0"/>
+              <a:t>1</a:t>
+            </a:fld>
+            <a:endParaRPr lang="en-US"/>
+          </a:p>
+        </p:txBody>
+      </p:sp>
+    </p:spTree>
+    <p:extLst>
+      <p:ext uri="{BB962C8B-B14F-4D97-AF65-F5344CB8AC3E}">
+        <p14:creationId xmlns:p14="http://schemas.microsoft.com/office/powerpoint/2010/main" val="222458408"/>
+      </p:ext>
+    </p:extLst>
+  </p:cSld>
+  <p:clrMapOvr>
+    <a:masterClrMapping/>
+  </p:clrMapOvr>
+</p:notes>
 </file>
 
 <file path=ppt/slideLayouts/slideLayout1.xml><?xml version="1.0" encoding="utf-8"?>
@@ -3328,6 +3764,58 @@
       </p:grpSpPr>
       <p:sp>
         <p:nvSpPr>
+          <p:cNvPr id="59" name="Arc 58">
+            <a:extLst>
+              <a:ext uri="{FF2B5EF4-FFF2-40B4-BE49-F238E27FC236}">
+                <a16:creationId xmlns:a16="http://schemas.microsoft.com/office/drawing/2014/main" id="{D83D55A6-4EDD-194F-AC0F-A05584EC3FD8}"/>
+              </a:ext>
+            </a:extLst>
+          </p:cNvPr>
+          <p:cNvSpPr/>
+          <p:nvPr/>
+        </p:nvSpPr>
+        <p:spPr>
+          <a:xfrm rot="18286414" flipH="1">
+            <a:off x="2785475" y="2899441"/>
+            <a:ext cx="1102831" cy="812584"/>
+          </a:xfrm>
+          <a:prstGeom prst="arc">
+            <a:avLst>
+              <a:gd name="adj1" fmla="val 16200000"/>
+              <a:gd name="adj2" fmla="val 19569631"/>
+            </a:avLst>
+          </a:prstGeom>
+          <a:ln w="12700">
+            <a:solidFill>
+              <a:schemeClr val="tx1"/>
+            </a:solidFill>
+          </a:ln>
+        </p:spPr>
+        <p:style>
+          <a:lnRef idx="1">
+            <a:schemeClr val="accent1"/>
+          </a:lnRef>
+          <a:fillRef idx="0">
+            <a:schemeClr val="accent1"/>
+          </a:fillRef>
+          <a:effectRef idx="0">
+            <a:schemeClr val="accent1"/>
+          </a:effectRef>
+          <a:fontRef idx="minor">
+            <a:schemeClr val="tx1"/>
+          </a:fontRef>
+        </p:style>
+        <p:txBody>
+          <a:bodyPr rtlCol="0" anchor="ctr"/>
+          <a:lstStyle/>
+          <a:p>
+            <a:pPr algn="ctr"/>
+            <a:endParaRPr lang="en-US"/>
+          </a:p>
+        </p:txBody>
+      </p:sp>
+      <p:sp>
+        <p:nvSpPr>
           <p:cNvPr id="105" name="Oval 104">
             <a:extLst>
               <a:ext uri="{FF2B5EF4-FFF2-40B4-BE49-F238E27FC236}">
@@ -3554,7 +4042,7 @@
         </p:nvSpPr>
         <p:spPr>
           <a:xfrm>
-            <a:off x="2397753" y="1316850"/>
+            <a:off x="2410011" y="1319211"/>
             <a:ext cx="566792" cy="505146"/>
           </a:xfrm>
           <a:prstGeom prst="ellipse">
@@ -4176,7 +4664,7 @@
         </p:nvSpPr>
         <p:spPr>
           <a:xfrm>
-            <a:off x="3705736" y="2731746"/>
+            <a:off x="3693048" y="2736766"/>
             <a:ext cx="566792" cy="505146"/>
           </a:xfrm>
           <a:prstGeom prst="ellipse">
@@ -5530,6 +6018,58 @@
           </p:style>
         </p:cxnSp>
       </p:grpSp>
+      <p:sp>
+        <p:nvSpPr>
+          <p:cNvPr id="12" name="Arc 11">
+            <a:extLst>
+              <a:ext uri="{FF2B5EF4-FFF2-40B4-BE49-F238E27FC236}">
+                <a16:creationId xmlns:a16="http://schemas.microsoft.com/office/drawing/2014/main" id="{AF4C523B-3C8C-9847-A034-EBF22C0E78B6}"/>
+              </a:ext>
+            </a:extLst>
+          </p:cNvPr>
+          <p:cNvSpPr/>
+          <p:nvPr/>
+        </p:nvSpPr>
+        <p:spPr>
+          <a:xfrm rot="3030456">
+            <a:off x="3149818" y="2897082"/>
+            <a:ext cx="1050504" cy="812584"/>
+          </a:xfrm>
+          <a:prstGeom prst="arc">
+            <a:avLst>
+              <a:gd name="adj1" fmla="val 16200000"/>
+              <a:gd name="adj2" fmla="val 19845384"/>
+            </a:avLst>
+          </a:prstGeom>
+          <a:ln w="12700">
+            <a:solidFill>
+              <a:schemeClr val="tx1"/>
+            </a:solidFill>
+          </a:ln>
+        </p:spPr>
+        <p:style>
+          <a:lnRef idx="1">
+            <a:schemeClr val="accent1"/>
+          </a:lnRef>
+          <a:fillRef idx="0">
+            <a:schemeClr val="accent1"/>
+          </a:fillRef>
+          <a:effectRef idx="0">
+            <a:schemeClr val="accent1"/>
+          </a:effectRef>
+          <a:fontRef idx="minor">
+            <a:schemeClr val="tx1"/>
+          </a:fontRef>
+        </p:style>
+        <p:txBody>
+          <a:bodyPr rtlCol="0" anchor="ctr"/>
+          <a:lstStyle/>
+          <a:p>
+            <a:pPr algn="ctr"/>
+            <a:endParaRPr lang="en-US"/>
+          </a:p>
+        </p:txBody>
+      </p:sp>
     </p:spTree>
     <p:extLst>
       <p:ext uri="{BB962C8B-B14F-4D97-AF65-F5344CB8AC3E}">
@@ -5836,4 +6376,299 @@
     </a:ext>
   </a:extLst>
 </a:theme>
+</file>
+
+<file path=ppt/theme/theme2.xml><?xml version="1.0" encoding="utf-8"?>
+<a:theme xmlns:a="http://schemas.openxmlformats.org/drawingml/2006/main" name="Office Theme">
+  <a:themeElements>
+    <a:clrScheme name="Office">
+      <a:dk1>
+        <a:sysClr val="windowText" lastClr="000000"/>
+      </a:dk1>
+      <a:lt1>
+        <a:sysClr val="window" lastClr="FFFFFF"/>
+      </a:lt1>
+      <a:dk2>
+        <a:srgbClr val="44546A"/>
+      </a:dk2>
+      <a:lt2>
+        <a:srgbClr val="E7E6E6"/>
+      </a:lt2>
+      <a:accent1>
+        <a:srgbClr val="4472C4"/>
+      </a:accent1>
+      <a:accent2>
+        <a:srgbClr val="ED7D31"/>
+      </a:accent2>
+      <a:accent3>
+        <a:srgbClr val="A5A5A5"/>
+      </a:accent3>
+      <a:accent4>
+        <a:srgbClr val="FFC000"/>
+      </a:accent4>
+      <a:accent5>
+        <a:srgbClr val="5B9BD5"/>
+      </a:accent5>
+      <a:accent6>
+        <a:srgbClr val="70AD47"/>
+      </a:accent6>
+      <a:hlink>
+        <a:srgbClr val="0563C1"/>
+      </a:hlink>
+      <a:folHlink>
+        <a:srgbClr val="954F72"/>
+      </a:folHlink>
+    </a:clrScheme>
+    <a:fontScheme name="Office">
+      <a:majorFont>
+        <a:latin typeface="Calibri Light" panose="020F0302020204030204"/>
+        <a:ea typeface=""/>
+        <a:cs typeface=""/>
+        <a:font script="Jpan" typeface="游ゴシック Light"/>
+        <a:font script="Hang" typeface="맑은 고딕"/>
+        <a:font script="Hans" typeface="等线 Light"/>
+        <a:font script="Hant" typeface="新細明體"/>
+        <a:font script="Arab" typeface="Times New Roman"/>
+        <a:font script="Hebr" typeface="Times New Roman"/>
+        <a:font script="Thai" typeface="Angsana New"/>
+        <a:font script="Ethi" typeface="Nyala"/>
+        <a:font script="Beng" typeface="Vrinda"/>
+        <a:font script="Gujr" typeface="Shruti"/>
+        <a:font script="Khmr" typeface="MoolBoran"/>
+        <a:font script="Knda" typeface="Tunga"/>
+        <a:font script="Guru" typeface="Raavi"/>
+        <a:font script="Cans" typeface="Euphemia"/>
+        <a:font script="Cher" typeface="Plantagenet Cherokee"/>
+        <a:font script="Yiii" typeface="Microsoft Yi Baiti"/>
+        <a:font script="Tibt" typeface="Microsoft Himalaya"/>
+        <a:font script="Thaa" typeface="MV Boli"/>
+        <a:font script="Deva" typeface="Mangal"/>
+        <a:font script="Telu" typeface="Gautami"/>
+        <a:font script="Taml" typeface="Latha"/>
+        <a:font script="Syrc" typeface="Estrangelo Edessa"/>
+        <a:font script="Orya" typeface="Kalinga"/>
+        <a:font script="Mlym" typeface="Kartika"/>
+        <a:font script="Laoo" typeface="DokChampa"/>
+        <a:font script="Sinh" typeface="Iskoola Pota"/>
+        <a:font script="Mong" typeface="Mongolian Baiti"/>
+        <a:font script="Viet" typeface="Times New Roman"/>
+        <a:font script="Uigh" typeface="Microsoft Uighur"/>
+        <a:font script="Geor" typeface="Sylfaen"/>
+        <a:font script="Armn" typeface="Arial"/>
+        <a:font script="Bugi" typeface="Leelawadee UI"/>
+        <a:font script="Bopo" typeface="Microsoft JhengHei"/>
+        <a:font script="Java" typeface="Javanese Text"/>
+        <a:font script="Lisu" typeface="Segoe UI"/>
+        <a:font script="Mymr" typeface="Myanmar Text"/>
+        <a:font script="Nkoo" typeface="Ebrima"/>
+        <a:font script="Olck" typeface="Nirmala UI"/>
+        <a:font script="Osma" typeface="Ebrima"/>
+        <a:font script="Phag" typeface="Phagspa"/>
+        <a:font script="Syrn" typeface="Estrangelo Edessa"/>
+        <a:font script="Syrj" typeface="Estrangelo Edessa"/>
+        <a:font script="Syre" typeface="Estrangelo Edessa"/>
+        <a:font script="Sora" typeface="Nirmala UI"/>
+        <a:font script="Tale" typeface="Microsoft Tai Le"/>
+        <a:font script="Talu" typeface="Microsoft New Tai Lue"/>
+        <a:font script="Tfng" typeface="Ebrima"/>
+      </a:majorFont>
+      <a:minorFont>
+        <a:latin typeface="Calibri" panose="020F0502020204030204"/>
+        <a:ea typeface=""/>
+        <a:cs typeface=""/>
+        <a:font script="Jpan" typeface="游ゴシック"/>
+        <a:font script="Hang" typeface="맑은 고딕"/>
+        <a:font script="Hans" typeface="等线"/>
+        <a:font script="Hant" typeface="新細明體"/>
+        <a:font script="Arab" typeface="Arial"/>
+        <a:font script="Hebr" typeface="Arial"/>
+        <a:font script="Thai" typeface="Cordia New"/>
+        <a:font script="Ethi" typeface="Nyala"/>
+        <a:font script="Beng" typeface="Vrinda"/>
+        <a:font script="Gujr" typeface="Shruti"/>
+        <a:font script="Khmr" typeface="DaunPenh"/>
+        <a:font script="Knda" typeface="Tunga"/>
+        <a:font script="Guru" typeface="Raavi"/>
+        <a:font script="Cans" typeface="Euphemia"/>
+        <a:font script="Cher" typeface="Plantagenet Cherokee"/>
+        <a:font script="Yiii" typeface="Microsoft Yi Baiti"/>
+        <a:font script="Tibt" typeface="Microsoft Himalaya"/>
+        <a:font script="Thaa" typeface="MV Boli"/>
+        <a:font script="Deva" typeface="Mangal"/>
+        <a:font script="Telu" typeface="Gautami"/>
+        <a:font script="Taml" typeface="Latha"/>
+        <a:font script="Syrc" typeface="Estrangelo Edessa"/>
+        <a:font script="Orya" typeface="Kalinga"/>
+        <a:font script="Mlym" typeface="Kartika"/>
+        <a:font script="Laoo" typeface="DokChampa"/>
+        <a:font script="Sinh" typeface="Iskoola Pota"/>
+        <a:font script="Mong" typeface="Mongolian Baiti"/>
+        <a:font script="Viet" typeface="Arial"/>
+        <a:font script="Uigh" typeface="Microsoft Uighur"/>
+        <a:font script="Geor" typeface="Sylfaen"/>
+        <a:font script="Armn" typeface="Arial"/>
+        <a:font script="Bugi" typeface="Leelawadee UI"/>
+        <a:font script="Bopo" typeface="Microsoft JhengHei"/>
+        <a:font script="Java" typeface="Javanese Text"/>
+        <a:font script="Lisu" typeface="Segoe UI"/>
+        <a:font script="Mymr" typeface="Myanmar Text"/>
+        <a:font script="Nkoo" typeface="Ebrima"/>
+        <a:font script="Olck" typeface="Nirmala UI"/>
+        <a:font script="Osma" typeface="Ebrima"/>
+        <a:font script="Phag" typeface="Phagspa"/>
+        <a:font script="Syrn" typeface="Estrangelo Edessa"/>
+        <a:font script="Syrj" typeface="Estrangelo Edessa"/>
+        <a:font script="Syre" typeface="Estrangelo Edessa"/>
+        <a:font script="Sora" typeface="Nirmala UI"/>
+        <a:font script="Tale" typeface="Microsoft Tai Le"/>
+        <a:font script="Talu" typeface="Microsoft New Tai Lue"/>
+        <a:font script="Tfng" typeface="Ebrima"/>
+      </a:minorFont>
+    </a:fontScheme>
+    <a:fmtScheme name="Office">
+      <a:fillStyleLst>
+        <a:solidFill>
+          <a:schemeClr val="phClr"/>
+        </a:solidFill>
+        <a:gradFill rotWithShape="1">
+          <a:gsLst>
+            <a:gs pos="0">
+              <a:schemeClr val="phClr">
+                <a:lumMod val="110000"/>
+                <a:satMod val="105000"/>
+                <a:tint val="67000"/>
+              </a:schemeClr>
+            </a:gs>
+            <a:gs pos="50000">
+              <a:schemeClr val="phClr">
+                <a:lumMod val="105000"/>
+                <a:satMod val="103000"/>
+                <a:tint val="73000"/>
+              </a:schemeClr>
+            </a:gs>
+            <a:gs pos="100000">
+              <a:schemeClr val="phClr">
+                <a:lumMod val="105000"/>
+                <a:satMod val="109000"/>
+                <a:tint val="81000"/>
+              </a:schemeClr>
+            </a:gs>
+          </a:gsLst>
+          <a:lin ang="5400000" scaled="0"/>
+        </a:gradFill>
+        <a:gradFill rotWithShape="1">
+          <a:gsLst>
+            <a:gs pos="0">
+              <a:schemeClr val="phClr">
+                <a:satMod val="103000"/>
+                <a:lumMod val="102000"/>
+                <a:tint val="94000"/>
+              </a:schemeClr>
+            </a:gs>
+            <a:gs pos="50000">
+              <a:schemeClr val="phClr">
+                <a:satMod val="110000"/>
+                <a:lumMod val="100000"/>
+                <a:shade val="100000"/>
+              </a:schemeClr>
+            </a:gs>
+            <a:gs pos="100000">
+              <a:schemeClr val="phClr">
+                <a:lumMod val="99000"/>
+                <a:satMod val="120000"/>
+                <a:shade val="78000"/>
+              </a:schemeClr>
+            </a:gs>
+          </a:gsLst>
+          <a:lin ang="5400000" scaled="0"/>
+        </a:gradFill>
+      </a:fillStyleLst>
+      <a:lnStyleLst>
+        <a:ln w="6350" cap="flat" cmpd="sng" algn="ctr">
+          <a:solidFill>
+            <a:schemeClr val="phClr"/>
+          </a:solidFill>
+          <a:prstDash val="solid"/>
+          <a:miter lim="800000"/>
+        </a:ln>
+        <a:ln w="12700" cap="flat" cmpd="sng" algn="ctr">
+          <a:solidFill>
+            <a:schemeClr val="phClr"/>
+          </a:solidFill>
+          <a:prstDash val="solid"/>
+          <a:miter lim="800000"/>
+        </a:ln>
+        <a:ln w="19050" cap="flat" cmpd="sng" algn="ctr">
+          <a:solidFill>
+            <a:schemeClr val="phClr"/>
+          </a:solidFill>
+          <a:prstDash val="solid"/>
+          <a:miter lim="800000"/>
+        </a:ln>
+      </a:lnStyleLst>
+      <a:effectStyleLst>
+        <a:effectStyle>
+          <a:effectLst/>
+        </a:effectStyle>
+        <a:effectStyle>
+          <a:effectLst/>
+        </a:effectStyle>
+        <a:effectStyle>
+          <a:effectLst>
+            <a:outerShdw blurRad="57150" dist="19050" dir="5400000" algn="ctr" rotWithShape="0">
+              <a:srgbClr val="000000">
+                <a:alpha val="63000"/>
+              </a:srgbClr>
+            </a:outerShdw>
+          </a:effectLst>
+        </a:effectStyle>
+      </a:effectStyleLst>
+      <a:bgFillStyleLst>
+        <a:solidFill>
+          <a:schemeClr val="phClr"/>
+        </a:solidFill>
+        <a:solidFill>
+          <a:schemeClr val="phClr">
+            <a:tint val="95000"/>
+            <a:satMod val="170000"/>
+          </a:schemeClr>
+        </a:solidFill>
+        <a:gradFill rotWithShape="1">
+          <a:gsLst>
+            <a:gs pos="0">
+              <a:schemeClr val="phClr">
+                <a:tint val="93000"/>
+                <a:satMod val="150000"/>
+                <a:shade val="98000"/>
+                <a:lumMod val="102000"/>
+              </a:schemeClr>
+            </a:gs>
+            <a:gs pos="50000">
+              <a:schemeClr val="phClr">
+                <a:tint val="98000"/>
+                <a:satMod val="130000"/>
+                <a:shade val="90000"/>
+                <a:lumMod val="103000"/>
+              </a:schemeClr>
+            </a:gs>
+            <a:gs pos="100000">
+              <a:schemeClr val="phClr">
+                <a:shade val="63000"/>
+                <a:satMod val="120000"/>
+              </a:schemeClr>
+            </a:gs>
+          </a:gsLst>
+          <a:lin ang="5400000" scaled="0"/>
+        </a:gradFill>
+      </a:bgFillStyleLst>
+    </a:fmtScheme>
+  </a:themeElements>
+  <a:objectDefaults/>
+  <a:extraClrSchemeLst/>
+  <a:extLst>
+    <a:ext uri="{05A4C25C-085E-4340-85A3-A5531E510DB2}">
+      <thm15:themeFamily xmlns:thm15="http://schemas.microsoft.com/office/thememl/2012/main" name="Office Theme" id="{62F939B6-93AF-4DB8-9C6B-D6C7DFDC589F}" vid="{4A3C46E8-61CC-4603-A589-7422A47A8E4A}"/>
+    </a:ext>
+  </a:extLst>
+</a:theme>
 </file>
--- a/img/PANDA.pptx
+++ b/img/PANDA.pptx
@@ -6070,6 +6070,2178 @@
           </a:p>
         </p:txBody>
       </p:sp>
+      <p:sp>
+        <p:nvSpPr>
+          <p:cNvPr id="56" name="Arc 55">
+            <a:extLst>
+              <a:ext uri="{FF2B5EF4-FFF2-40B4-BE49-F238E27FC236}">
+                <a16:creationId xmlns:a16="http://schemas.microsoft.com/office/drawing/2014/main" id="{0C7F67F9-AAE6-D84C-A97D-1410D1E50448}"/>
+              </a:ext>
+            </a:extLst>
+          </p:cNvPr>
+          <p:cNvSpPr/>
+          <p:nvPr/>
+        </p:nvSpPr>
+        <p:spPr>
+          <a:xfrm rot="18286414" flipH="1">
+            <a:off x="6627223" y="2899440"/>
+            <a:ext cx="1102831" cy="812584"/>
+          </a:xfrm>
+          <a:prstGeom prst="arc">
+            <a:avLst>
+              <a:gd name="adj1" fmla="val 16200000"/>
+              <a:gd name="adj2" fmla="val 19569631"/>
+            </a:avLst>
+          </a:prstGeom>
+          <a:ln w="12700">
+            <a:solidFill>
+              <a:schemeClr val="tx1"/>
+            </a:solidFill>
+          </a:ln>
+        </p:spPr>
+        <p:style>
+          <a:lnRef idx="1">
+            <a:schemeClr val="accent1"/>
+          </a:lnRef>
+          <a:fillRef idx="0">
+            <a:schemeClr val="accent1"/>
+          </a:fillRef>
+          <a:effectRef idx="0">
+            <a:schemeClr val="accent1"/>
+          </a:effectRef>
+          <a:fontRef idx="minor">
+            <a:schemeClr val="tx1"/>
+          </a:fontRef>
+        </p:style>
+        <p:txBody>
+          <a:bodyPr rtlCol="0" anchor="ctr"/>
+          <a:lstStyle/>
+          <a:p>
+            <a:pPr algn="ctr"/>
+            <a:endParaRPr lang="en-US"/>
+          </a:p>
+        </p:txBody>
+      </p:sp>
+      <p:sp>
+        <p:nvSpPr>
+          <p:cNvPr id="57" name="Oval 56">
+            <a:extLst>
+              <a:ext uri="{FF2B5EF4-FFF2-40B4-BE49-F238E27FC236}">
+                <a16:creationId xmlns:a16="http://schemas.microsoft.com/office/drawing/2014/main" id="{2979AC5A-ED32-6846-9FD6-47665420ED88}"/>
+              </a:ext>
+            </a:extLst>
+          </p:cNvPr>
+          <p:cNvSpPr/>
+          <p:nvPr/>
+        </p:nvSpPr>
+        <p:spPr>
+          <a:xfrm>
+            <a:off x="6688616" y="2376642"/>
+            <a:ext cx="566792" cy="505146"/>
+          </a:xfrm>
+          <a:prstGeom prst="ellipse">
+            <a:avLst/>
+          </a:prstGeom>
+          <a:solidFill>
+            <a:srgbClr val="FF0000"/>
+          </a:solidFill>
+          <a:ln>
+            <a:solidFill>
+              <a:schemeClr val="tx1"/>
+            </a:solidFill>
+          </a:ln>
+        </p:spPr>
+        <p:style>
+          <a:lnRef idx="2">
+            <a:schemeClr val="accent1">
+              <a:shade val="50000"/>
+            </a:schemeClr>
+          </a:lnRef>
+          <a:fillRef idx="1">
+            <a:schemeClr val="accent1"/>
+          </a:fillRef>
+          <a:effectRef idx="0">
+            <a:schemeClr val="accent1"/>
+          </a:effectRef>
+          <a:fontRef idx="minor">
+            <a:schemeClr val="lt1"/>
+          </a:fontRef>
+        </p:style>
+        <p:txBody>
+          <a:bodyPr rtlCol="0" anchor="ctr"/>
+          <a:lstStyle/>
+          <a:p>
+            <a:pPr algn="ctr"/>
+            <a:endParaRPr lang="en-US"/>
+          </a:p>
+        </p:txBody>
+      </p:sp>
+      <p:sp>
+        <p:nvSpPr>
+          <p:cNvPr id="58" name="Oval 57">
+            <a:extLst>
+              <a:ext uri="{FF2B5EF4-FFF2-40B4-BE49-F238E27FC236}">
+                <a16:creationId xmlns:a16="http://schemas.microsoft.com/office/drawing/2014/main" id="{9FEEFB2B-9044-7A41-B874-7986C38C0229}"/>
+              </a:ext>
+            </a:extLst>
+          </p:cNvPr>
+          <p:cNvSpPr/>
+          <p:nvPr/>
+        </p:nvSpPr>
+        <p:spPr>
+          <a:xfrm>
+            <a:off x="7475324" y="2343447"/>
+            <a:ext cx="566792" cy="505146"/>
+          </a:xfrm>
+          <a:prstGeom prst="ellipse">
+            <a:avLst/>
+          </a:prstGeom>
+          <a:solidFill>
+            <a:srgbClr val="FF0000"/>
+          </a:solidFill>
+          <a:ln>
+            <a:solidFill>
+              <a:schemeClr val="tx1"/>
+            </a:solidFill>
+          </a:ln>
+        </p:spPr>
+        <p:style>
+          <a:lnRef idx="2">
+            <a:schemeClr val="accent1">
+              <a:shade val="50000"/>
+            </a:schemeClr>
+          </a:lnRef>
+          <a:fillRef idx="1">
+            <a:schemeClr val="accent1"/>
+          </a:fillRef>
+          <a:effectRef idx="0">
+            <a:schemeClr val="accent1"/>
+          </a:effectRef>
+          <a:fontRef idx="minor">
+            <a:schemeClr val="lt1"/>
+          </a:fontRef>
+        </p:style>
+        <p:txBody>
+          <a:bodyPr rtlCol="0" anchor="ctr"/>
+          <a:lstStyle/>
+          <a:p>
+            <a:pPr algn="ctr"/>
+            <a:endParaRPr lang="en-US"/>
+          </a:p>
+        </p:txBody>
+      </p:sp>
+      <p:sp>
+        <p:nvSpPr>
+          <p:cNvPr id="60" name="Oval 59">
+            <a:extLst>
+              <a:ext uri="{FF2B5EF4-FFF2-40B4-BE49-F238E27FC236}">
+                <a16:creationId xmlns:a16="http://schemas.microsoft.com/office/drawing/2014/main" id="{08C228FA-60FA-9745-A4B4-B07337162CDE}"/>
+              </a:ext>
+            </a:extLst>
+          </p:cNvPr>
+          <p:cNvSpPr/>
+          <p:nvPr/>
+        </p:nvSpPr>
+        <p:spPr>
+          <a:xfrm>
+            <a:off x="7071464" y="2610060"/>
+            <a:ext cx="566792" cy="505146"/>
+          </a:xfrm>
+          <a:prstGeom prst="ellipse">
+            <a:avLst/>
+          </a:prstGeom>
+          <a:solidFill>
+            <a:srgbClr val="FF0000"/>
+          </a:solidFill>
+          <a:ln>
+            <a:noFill/>
+          </a:ln>
+        </p:spPr>
+        <p:style>
+          <a:lnRef idx="2">
+            <a:schemeClr val="accent1">
+              <a:shade val="50000"/>
+            </a:schemeClr>
+          </a:lnRef>
+          <a:fillRef idx="1">
+            <a:schemeClr val="accent1"/>
+          </a:fillRef>
+          <a:effectRef idx="0">
+            <a:schemeClr val="accent1"/>
+          </a:effectRef>
+          <a:fontRef idx="minor">
+            <a:schemeClr val="lt1"/>
+          </a:fontRef>
+        </p:style>
+        <p:txBody>
+          <a:bodyPr rtlCol="0" anchor="ctr"/>
+          <a:lstStyle/>
+          <a:p>
+            <a:pPr algn="ctr"/>
+            <a:endParaRPr lang="en-US"/>
+          </a:p>
+        </p:txBody>
+      </p:sp>
+      <p:sp>
+        <p:nvSpPr>
+          <p:cNvPr id="61" name="Oval 60">
+            <a:extLst>
+              <a:ext uri="{FF2B5EF4-FFF2-40B4-BE49-F238E27FC236}">
+                <a16:creationId xmlns:a16="http://schemas.microsoft.com/office/drawing/2014/main" id="{899F4145-B305-E047-8697-9B4F80B8ED4E}"/>
+              </a:ext>
+            </a:extLst>
+          </p:cNvPr>
+          <p:cNvSpPr/>
+          <p:nvPr/>
+        </p:nvSpPr>
+        <p:spPr>
+          <a:xfrm>
+            <a:off x="7870952" y="1316849"/>
+            <a:ext cx="566792" cy="505146"/>
+          </a:xfrm>
+          <a:prstGeom prst="ellipse">
+            <a:avLst/>
+          </a:prstGeom>
+          <a:solidFill>
+            <a:schemeClr val="tx1"/>
+          </a:solidFill>
+          <a:ln>
+            <a:solidFill>
+              <a:schemeClr val="tx1"/>
+            </a:solidFill>
+          </a:ln>
+        </p:spPr>
+        <p:style>
+          <a:lnRef idx="2">
+            <a:schemeClr val="accent1">
+              <a:shade val="50000"/>
+            </a:schemeClr>
+          </a:lnRef>
+          <a:fillRef idx="1">
+            <a:schemeClr val="accent1"/>
+          </a:fillRef>
+          <a:effectRef idx="0">
+            <a:schemeClr val="accent1"/>
+          </a:effectRef>
+          <a:fontRef idx="minor">
+            <a:schemeClr val="lt1"/>
+          </a:fontRef>
+        </p:style>
+        <p:txBody>
+          <a:bodyPr rtlCol="0" anchor="ctr"/>
+          <a:lstStyle/>
+          <a:p>
+            <a:pPr algn="ctr"/>
+            <a:endParaRPr lang="en-US"/>
+          </a:p>
+        </p:txBody>
+      </p:sp>
+      <p:sp>
+        <p:nvSpPr>
+          <p:cNvPr id="62" name="Oval 61">
+            <a:extLst>
+              <a:ext uri="{FF2B5EF4-FFF2-40B4-BE49-F238E27FC236}">
+                <a16:creationId xmlns:a16="http://schemas.microsoft.com/office/drawing/2014/main" id="{5D054B71-8FCE-204D-8B6F-061D4795ACD4}"/>
+              </a:ext>
+            </a:extLst>
+          </p:cNvPr>
+          <p:cNvSpPr/>
+          <p:nvPr/>
+        </p:nvSpPr>
+        <p:spPr>
+          <a:xfrm>
+            <a:off x="6251759" y="1319210"/>
+            <a:ext cx="566792" cy="505146"/>
+          </a:xfrm>
+          <a:prstGeom prst="ellipse">
+            <a:avLst/>
+          </a:prstGeom>
+          <a:solidFill>
+            <a:schemeClr val="tx1"/>
+          </a:solidFill>
+          <a:ln>
+            <a:solidFill>
+              <a:schemeClr val="tx1"/>
+            </a:solidFill>
+          </a:ln>
+        </p:spPr>
+        <p:style>
+          <a:lnRef idx="2">
+            <a:schemeClr val="accent1">
+              <a:shade val="50000"/>
+            </a:schemeClr>
+          </a:lnRef>
+          <a:fillRef idx="1">
+            <a:schemeClr val="accent1"/>
+          </a:fillRef>
+          <a:effectRef idx="0">
+            <a:schemeClr val="accent1"/>
+          </a:effectRef>
+          <a:fontRef idx="minor">
+            <a:schemeClr val="lt1"/>
+          </a:fontRef>
+        </p:style>
+        <p:txBody>
+          <a:bodyPr rtlCol="0" anchor="ctr"/>
+          <a:lstStyle/>
+          <a:p>
+            <a:pPr algn="ctr"/>
+            <a:endParaRPr lang="en-US"/>
+          </a:p>
+        </p:txBody>
+      </p:sp>
+      <p:sp>
+        <p:nvSpPr>
+          <p:cNvPr id="63" name="Oval 62">
+            <a:extLst>
+              <a:ext uri="{FF2B5EF4-FFF2-40B4-BE49-F238E27FC236}">
+                <a16:creationId xmlns:a16="http://schemas.microsoft.com/office/drawing/2014/main" id="{06100460-44E5-D146-B22E-C2C640E3728F}"/>
+              </a:ext>
+            </a:extLst>
+          </p:cNvPr>
+          <p:cNvSpPr/>
+          <p:nvPr/>
+        </p:nvSpPr>
+        <p:spPr>
+          <a:xfrm>
+            <a:off x="6421012" y="1316849"/>
+            <a:ext cx="1859623" cy="1623317"/>
+          </a:xfrm>
+          <a:prstGeom prst="ellipse">
+            <a:avLst/>
+          </a:prstGeom>
+          <a:solidFill>
+            <a:schemeClr val="bg1"/>
+          </a:solidFill>
+          <a:ln>
+            <a:solidFill>
+              <a:schemeClr val="tx1"/>
+            </a:solidFill>
+          </a:ln>
+        </p:spPr>
+        <p:style>
+          <a:lnRef idx="2">
+            <a:schemeClr val="accent1">
+              <a:shade val="50000"/>
+            </a:schemeClr>
+          </a:lnRef>
+          <a:fillRef idx="1">
+            <a:schemeClr val="accent1"/>
+          </a:fillRef>
+          <a:effectRef idx="0">
+            <a:schemeClr val="accent1"/>
+          </a:effectRef>
+          <a:fontRef idx="minor">
+            <a:schemeClr val="lt1"/>
+          </a:fontRef>
+        </p:style>
+        <p:txBody>
+          <a:bodyPr rtlCol="0" anchor="ctr"/>
+          <a:lstStyle/>
+          <a:p>
+            <a:pPr algn="ctr"/>
+            <a:endParaRPr lang="en-US" dirty="0"/>
+          </a:p>
+        </p:txBody>
+      </p:sp>
+      <p:sp>
+        <p:nvSpPr>
+          <p:cNvPr id="64" name="Oval 63">
+            <a:extLst>
+              <a:ext uri="{FF2B5EF4-FFF2-40B4-BE49-F238E27FC236}">
+                <a16:creationId xmlns:a16="http://schemas.microsoft.com/office/drawing/2014/main" id="{A932CF58-9BD1-9C40-B3A8-32C790C148EB}"/>
+              </a:ext>
+            </a:extLst>
+          </p:cNvPr>
+          <p:cNvSpPr/>
+          <p:nvPr/>
+        </p:nvSpPr>
+        <p:spPr>
+          <a:xfrm>
+            <a:off x="7215545" y="2277668"/>
+            <a:ext cx="237163" cy="160962"/>
+          </a:xfrm>
+          <a:prstGeom prst="ellipse">
+            <a:avLst/>
+          </a:prstGeom>
+          <a:solidFill>
+            <a:schemeClr val="tx1"/>
+          </a:solidFill>
+          <a:ln>
+            <a:solidFill>
+              <a:schemeClr val="tx1"/>
+            </a:solidFill>
+          </a:ln>
+        </p:spPr>
+        <p:style>
+          <a:lnRef idx="2">
+            <a:schemeClr val="accent1">
+              <a:shade val="50000"/>
+            </a:schemeClr>
+          </a:lnRef>
+          <a:fillRef idx="1">
+            <a:schemeClr val="accent1"/>
+          </a:fillRef>
+          <a:effectRef idx="0">
+            <a:schemeClr val="accent1"/>
+          </a:effectRef>
+          <a:fontRef idx="minor">
+            <a:schemeClr val="lt1"/>
+          </a:fontRef>
+        </p:style>
+        <p:txBody>
+          <a:bodyPr rtlCol="0" anchor="ctr"/>
+          <a:lstStyle/>
+          <a:p>
+            <a:pPr algn="ctr"/>
+            <a:endParaRPr lang="en-US"/>
+          </a:p>
+        </p:txBody>
+      </p:sp>
+      <p:sp>
+        <p:nvSpPr>
+          <p:cNvPr id="69" name="Oval 68">
+            <a:extLst>
+              <a:ext uri="{FF2B5EF4-FFF2-40B4-BE49-F238E27FC236}">
+                <a16:creationId xmlns:a16="http://schemas.microsoft.com/office/drawing/2014/main" id="{53E2F9BB-19D0-6748-B243-52058A5CC914}"/>
+              </a:ext>
+            </a:extLst>
+          </p:cNvPr>
+          <p:cNvSpPr/>
+          <p:nvPr/>
+        </p:nvSpPr>
+        <p:spPr>
+          <a:xfrm rot="2164208">
+            <a:off x="7437827" y="1712526"/>
+            <a:ext cx="615083" cy="505146"/>
+          </a:xfrm>
+          <a:prstGeom prst="ellipse">
+            <a:avLst/>
+          </a:prstGeom>
+          <a:solidFill>
+            <a:schemeClr val="tx1"/>
+          </a:solidFill>
+          <a:ln>
+            <a:solidFill>
+              <a:schemeClr val="tx1"/>
+            </a:solidFill>
+          </a:ln>
+        </p:spPr>
+        <p:style>
+          <a:lnRef idx="2">
+            <a:schemeClr val="accent1">
+              <a:shade val="50000"/>
+            </a:schemeClr>
+          </a:lnRef>
+          <a:fillRef idx="1">
+            <a:schemeClr val="accent1"/>
+          </a:fillRef>
+          <a:effectRef idx="0">
+            <a:schemeClr val="accent1"/>
+          </a:effectRef>
+          <a:fontRef idx="minor">
+            <a:schemeClr val="lt1"/>
+          </a:fontRef>
+        </p:style>
+        <p:txBody>
+          <a:bodyPr rtlCol="0" anchor="ctr"/>
+          <a:lstStyle/>
+          <a:p>
+            <a:pPr algn="ctr"/>
+            <a:endParaRPr lang="en-US"/>
+          </a:p>
+        </p:txBody>
+      </p:sp>
+      <p:sp>
+        <p:nvSpPr>
+          <p:cNvPr id="70" name="Oval 69">
+            <a:extLst>
+              <a:ext uri="{FF2B5EF4-FFF2-40B4-BE49-F238E27FC236}">
+                <a16:creationId xmlns:a16="http://schemas.microsoft.com/office/drawing/2014/main" id="{E210CF56-F642-B34C-B1F2-50DCF641BA76}"/>
+              </a:ext>
+            </a:extLst>
+          </p:cNvPr>
+          <p:cNvSpPr/>
+          <p:nvPr/>
+        </p:nvSpPr>
+        <p:spPr>
+          <a:xfrm rot="18844437">
+            <a:off x="6645206" y="1713422"/>
+            <a:ext cx="615083" cy="505146"/>
+          </a:xfrm>
+          <a:prstGeom prst="ellipse">
+            <a:avLst/>
+          </a:prstGeom>
+          <a:solidFill>
+            <a:schemeClr val="tx1"/>
+          </a:solidFill>
+          <a:ln>
+            <a:solidFill>
+              <a:schemeClr val="tx1"/>
+            </a:solidFill>
+          </a:ln>
+        </p:spPr>
+        <p:style>
+          <a:lnRef idx="2">
+            <a:schemeClr val="accent1">
+              <a:shade val="50000"/>
+            </a:schemeClr>
+          </a:lnRef>
+          <a:fillRef idx="1">
+            <a:schemeClr val="accent1"/>
+          </a:fillRef>
+          <a:effectRef idx="0">
+            <a:schemeClr val="accent1"/>
+          </a:effectRef>
+          <a:fontRef idx="minor">
+            <a:schemeClr val="lt1"/>
+          </a:fontRef>
+        </p:style>
+        <p:txBody>
+          <a:bodyPr rtlCol="0" anchor="ctr"/>
+          <a:lstStyle/>
+          <a:p>
+            <a:pPr algn="ctr"/>
+            <a:endParaRPr lang="en-US"/>
+          </a:p>
+        </p:txBody>
+      </p:sp>
+      <p:sp>
+        <p:nvSpPr>
+          <p:cNvPr id="71" name="Oval 70">
+            <a:extLst>
+              <a:ext uri="{FF2B5EF4-FFF2-40B4-BE49-F238E27FC236}">
+                <a16:creationId xmlns:a16="http://schemas.microsoft.com/office/drawing/2014/main" id="{7AB21E01-244F-9640-9387-6171238774E2}"/>
+              </a:ext>
+            </a:extLst>
+          </p:cNvPr>
+          <p:cNvSpPr/>
+          <p:nvPr/>
+        </p:nvSpPr>
+        <p:spPr>
+          <a:xfrm>
+            <a:off x="6931521" y="1821995"/>
+            <a:ext cx="155142" cy="151183"/>
+          </a:xfrm>
+          <a:prstGeom prst="ellipse">
+            <a:avLst/>
+          </a:prstGeom>
+          <a:solidFill>
+            <a:schemeClr val="bg1"/>
+          </a:solidFill>
+          <a:ln>
+            <a:solidFill>
+              <a:schemeClr val="bg1"/>
+            </a:solidFill>
+          </a:ln>
+        </p:spPr>
+        <p:style>
+          <a:lnRef idx="2">
+            <a:schemeClr val="accent1">
+              <a:shade val="50000"/>
+            </a:schemeClr>
+          </a:lnRef>
+          <a:fillRef idx="1">
+            <a:schemeClr val="accent1"/>
+          </a:fillRef>
+          <a:effectRef idx="0">
+            <a:schemeClr val="accent1"/>
+          </a:effectRef>
+          <a:fontRef idx="minor">
+            <a:schemeClr val="lt1"/>
+          </a:fontRef>
+        </p:style>
+        <p:txBody>
+          <a:bodyPr rtlCol="0" anchor="ctr"/>
+          <a:lstStyle/>
+          <a:p>
+            <a:pPr algn="ctr"/>
+            <a:endParaRPr lang="en-US"/>
+          </a:p>
+        </p:txBody>
+      </p:sp>
+      <p:sp>
+        <p:nvSpPr>
+          <p:cNvPr id="72" name="Oval 71">
+            <a:extLst>
+              <a:ext uri="{FF2B5EF4-FFF2-40B4-BE49-F238E27FC236}">
+                <a16:creationId xmlns:a16="http://schemas.microsoft.com/office/drawing/2014/main" id="{FC7517B1-8D4D-CA4C-A99C-61DAE22D7B49}"/>
+              </a:ext>
+            </a:extLst>
+          </p:cNvPr>
+          <p:cNvSpPr/>
+          <p:nvPr/>
+        </p:nvSpPr>
+        <p:spPr>
+          <a:xfrm>
+            <a:off x="7576980" y="1821995"/>
+            <a:ext cx="155142" cy="151183"/>
+          </a:xfrm>
+          <a:prstGeom prst="ellipse">
+            <a:avLst/>
+          </a:prstGeom>
+          <a:solidFill>
+            <a:schemeClr val="bg1"/>
+          </a:solidFill>
+          <a:ln>
+            <a:solidFill>
+              <a:schemeClr val="bg1"/>
+            </a:solidFill>
+          </a:ln>
+        </p:spPr>
+        <p:style>
+          <a:lnRef idx="2">
+            <a:schemeClr val="accent1">
+              <a:shade val="50000"/>
+            </a:schemeClr>
+          </a:lnRef>
+          <a:fillRef idx="1">
+            <a:schemeClr val="accent1"/>
+          </a:fillRef>
+          <a:effectRef idx="0">
+            <a:schemeClr val="accent1"/>
+          </a:effectRef>
+          <a:fontRef idx="minor">
+            <a:schemeClr val="lt1"/>
+          </a:fontRef>
+        </p:style>
+        <p:txBody>
+          <a:bodyPr rtlCol="0" anchor="ctr"/>
+          <a:lstStyle/>
+          <a:p>
+            <a:pPr algn="ctr"/>
+            <a:endParaRPr lang="en-US"/>
+          </a:p>
+        </p:txBody>
+      </p:sp>
+      <p:sp>
+        <p:nvSpPr>
+          <p:cNvPr id="73" name="Oval 72">
+            <a:extLst>
+              <a:ext uri="{FF2B5EF4-FFF2-40B4-BE49-F238E27FC236}">
+                <a16:creationId xmlns:a16="http://schemas.microsoft.com/office/drawing/2014/main" id="{7F2B81E8-76DC-784D-97FE-80597CD56B22}"/>
+              </a:ext>
+            </a:extLst>
+          </p:cNvPr>
+          <p:cNvSpPr/>
+          <p:nvPr/>
+        </p:nvSpPr>
+        <p:spPr>
+          <a:xfrm>
+            <a:off x="6601098" y="2736765"/>
+            <a:ext cx="566792" cy="505146"/>
+          </a:xfrm>
+          <a:prstGeom prst="ellipse">
+            <a:avLst/>
+          </a:prstGeom>
+          <a:solidFill>
+            <a:schemeClr val="tx1"/>
+          </a:solidFill>
+          <a:ln>
+            <a:solidFill>
+              <a:schemeClr val="tx1"/>
+            </a:solidFill>
+          </a:ln>
+        </p:spPr>
+        <p:style>
+          <a:lnRef idx="2">
+            <a:schemeClr val="accent1">
+              <a:shade val="50000"/>
+            </a:schemeClr>
+          </a:lnRef>
+          <a:fillRef idx="1">
+            <a:schemeClr val="accent1"/>
+          </a:fillRef>
+          <a:effectRef idx="0">
+            <a:schemeClr val="accent1"/>
+          </a:effectRef>
+          <a:fontRef idx="minor">
+            <a:schemeClr val="lt1"/>
+          </a:fontRef>
+        </p:style>
+        <p:txBody>
+          <a:bodyPr rtlCol="0" anchor="ctr"/>
+          <a:lstStyle/>
+          <a:p>
+            <a:pPr algn="ctr"/>
+            <a:endParaRPr lang="en-US"/>
+          </a:p>
+        </p:txBody>
+      </p:sp>
+      <p:sp>
+        <p:nvSpPr>
+          <p:cNvPr id="74" name="Oval 73">
+            <a:extLst>
+              <a:ext uri="{FF2B5EF4-FFF2-40B4-BE49-F238E27FC236}">
+                <a16:creationId xmlns:a16="http://schemas.microsoft.com/office/drawing/2014/main" id="{B5C3A95E-FB7B-4F44-B480-D31BA92BA969}"/>
+              </a:ext>
+            </a:extLst>
+          </p:cNvPr>
+          <p:cNvSpPr/>
+          <p:nvPr/>
+        </p:nvSpPr>
+        <p:spPr>
+          <a:xfrm>
+            <a:off x="7534796" y="2736765"/>
+            <a:ext cx="566792" cy="505146"/>
+          </a:xfrm>
+          <a:prstGeom prst="ellipse">
+            <a:avLst/>
+          </a:prstGeom>
+          <a:solidFill>
+            <a:schemeClr val="tx1"/>
+          </a:solidFill>
+          <a:ln>
+            <a:solidFill>
+              <a:schemeClr val="tx1"/>
+            </a:solidFill>
+          </a:ln>
+        </p:spPr>
+        <p:style>
+          <a:lnRef idx="2">
+            <a:schemeClr val="accent1">
+              <a:shade val="50000"/>
+            </a:schemeClr>
+          </a:lnRef>
+          <a:fillRef idx="1">
+            <a:schemeClr val="accent1"/>
+          </a:fillRef>
+          <a:effectRef idx="0">
+            <a:schemeClr val="accent1"/>
+          </a:effectRef>
+          <a:fontRef idx="minor">
+            <a:schemeClr val="lt1"/>
+          </a:fontRef>
+        </p:style>
+        <p:txBody>
+          <a:bodyPr rtlCol="0" anchor="ctr"/>
+          <a:lstStyle/>
+          <a:p>
+            <a:pPr algn="ctr"/>
+            <a:endParaRPr lang="en-US"/>
+          </a:p>
+        </p:txBody>
+      </p:sp>
+      <p:sp>
+        <p:nvSpPr>
+          <p:cNvPr id="76" name="Oval 75">
+            <a:extLst>
+              <a:ext uri="{FF2B5EF4-FFF2-40B4-BE49-F238E27FC236}">
+                <a16:creationId xmlns:a16="http://schemas.microsoft.com/office/drawing/2014/main" id="{B9A5208A-A9F0-EA47-818C-E2251B6FF7FF}"/>
+              </a:ext>
+            </a:extLst>
+          </p:cNvPr>
+          <p:cNvSpPr/>
+          <p:nvPr/>
+        </p:nvSpPr>
+        <p:spPr>
+          <a:xfrm>
+            <a:off x="7270207" y="3040655"/>
+            <a:ext cx="90469" cy="170963"/>
+          </a:xfrm>
+          <a:prstGeom prst="ellipse">
+            <a:avLst/>
+          </a:prstGeom>
+          <a:solidFill>
+            <a:srgbClr val="FF0000"/>
+          </a:solidFill>
+          <a:ln>
+            <a:noFill/>
+          </a:ln>
+        </p:spPr>
+        <p:style>
+          <a:lnRef idx="2">
+            <a:schemeClr val="accent1">
+              <a:shade val="50000"/>
+            </a:schemeClr>
+          </a:lnRef>
+          <a:fillRef idx="1">
+            <a:schemeClr val="accent1"/>
+          </a:fillRef>
+          <a:effectRef idx="0">
+            <a:schemeClr val="accent1"/>
+          </a:effectRef>
+          <a:fontRef idx="minor">
+            <a:schemeClr val="lt1"/>
+          </a:fontRef>
+        </p:style>
+        <p:txBody>
+          <a:bodyPr rtlCol="0" anchor="ctr"/>
+          <a:lstStyle/>
+          <a:p>
+            <a:pPr algn="ctr"/>
+            <a:endParaRPr lang="en-US"/>
+          </a:p>
+        </p:txBody>
+      </p:sp>
+      <p:sp>
+        <p:nvSpPr>
+          <p:cNvPr id="77" name="Oval 76">
+            <a:extLst>
+              <a:ext uri="{FF2B5EF4-FFF2-40B4-BE49-F238E27FC236}">
+                <a16:creationId xmlns:a16="http://schemas.microsoft.com/office/drawing/2014/main" id="{840ED874-38A9-DC48-AB4C-9EF51EA62D9D}"/>
+              </a:ext>
+            </a:extLst>
+          </p:cNvPr>
+          <p:cNvSpPr/>
+          <p:nvPr/>
+        </p:nvSpPr>
+        <p:spPr>
+          <a:xfrm>
+            <a:off x="7335557" y="3025906"/>
+            <a:ext cx="97279" cy="185625"/>
+          </a:xfrm>
+          <a:prstGeom prst="ellipse">
+            <a:avLst/>
+          </a:prstGeom>
+          <a:solidFill>
+            <a:srgbClr val="FF0000"/>
+          </a:solidFill>
+          <a:ln>
+            <a:noFill/>
+          </a:ln>
+        </p:spPr>
+        <p:style>
+          <a:lnRef idx="2">
+            <a:schemeClr val="accent1">
+              <a:shade val="50000"/>
+            </a:schemeClr>
+          </a:lnRef>
+          <a:fillRef idx="1">
+            <a:schemeClr val="accent1"/>
+          </a:fillRef>
+          <a:effectRef idx="0">
+            <a:schemeClr val="accent1"/>
+          </a:effectRef>
+          <a:fontRef idx="minor">
+            <a:schemeClr val="lt1"/>
+          </a:fontRef>
+        </p:style>
+        <p:txBody>
+          <a:bodyPr rtlCol="0" anchor="ctr"/>
+          <a:lstStyle/>
+          <a:p>
+            <a:pPr algn="ctr"/>
+            <a:endParaRPr lang="en-US"/>
+          </a:p>
+        </p:txBody>
+      </p:sp>
+      <p:sp>
+        <p:nvSpPr>
+          <p:cNvPr id="78" name="Triangle 77">
+            <a:extLst>
+              <a:ext uri="{FF2B5EF4-FFF2-40B4-BE49-F238E27FC236}">
+                <a16:creationId xmlns:a16="http://schemas.microsoft.com/office/drawing/2014/main" id="{956188F8-65E3-8340-87E2-0207712296E0}"/>
+              </a:ext>
+            </a:extLst>
+          </p:cNvPr>
+          <p:cNvSpPr/>
+          <p:nvPr/>
+        </p:nvSpPr>
+        <p:spPr>
+          <a:xfrm rot="10800000">
+            <a:off x="7311926" y="3149126"/>
+            <a:ext cx="122944" cy="419304"/>
+          </a:xfrm>
+          <a:prstGeom prst="triangle">
+            <a:avLst/>
+          </a:prstGeom>
+          <a:solidFill>
+            <a:srgbClr val="FF0000"/>
+          </a:solidFill>
+          <a:ln>
+            <a:noFill/>
+          </a:ln>
+        </p:spPr>
+        <p:style>
+          <a:lnRef idx="2">
+            <a:schemeClr val="accent1">
+              <a:shade val="50000"/>
+            </a:schemeClr>
+          </a:lnRef>
+          <a:fillRef idx="1">
+            <a:schemeClr val="accent1"/>
+          </a:fillRef>
+          <a:effectRef idx="0">
+            <a:schemeClr val="accent1"/>
+          </a:effectRef>
+          <a:fontRef idx="minor">
+            <a:schemeClr val="lt1"/>
+          </a:fontRef>
+        </p:style>
+        <p:txBody>
+          <a:bodyPr rtlCol="0" anchor="ctr"/>
+          <a:lstStyle/>
+          <a:p>
+            <a:pPr algn="ctr"/>
+            <a:endParaRPr lang="en-US"/>
+          </a:p>
+        </p:txBody>
+      </p:sp>
+      <p:sp>
+        <p:nvSpPr>
+          <p:cNvPr id="79" name="Triangle 78">
+            <a:extLst>
+              <a:ext uri="{FF2B5EF4-FFF2-40B4-BE49-F238E27FC236}">
+                <a16:creationId xmlns:a16="http://schemas.microsoft.com/office/drawing/2014/main" id="{4D7BC243-554F-8F4E-879C-DBBC3BB67C1B}"/>
+              </a:ext>
+            </a:extLst>
+          </p:cNvPr>
+          <p:cNvSpPr/>
+          <p:nvPr/>
+        </p:nvSpPr>
+        <p:spPr>
+          <a:xfrm rot="10800000">
+            <a:off x="7277856" y="3149126"/>
+            <a:ext cx="150992" cy="514211"/>
+          </a:xfrm>
+          <a:prstGeom prst="triangle">
+            <a:avLst>
+              <a:gd name="adj" fmla="val 67963"/>
+            </a:avLst>
+          </a:prstGeom>
+          <a:solidFill>
+            <a:srgbClr val="FF0000"/>
+          </a:solidFill>
+          <a:ln>
+            <a:noFill/>
+          </a:ln>
+        </p:spPr>
+        <p:style>
+          <a:lnRef idx="2">
+            <a:schemeClr val="accent1">
+              <a:shade val="50000"/>
+            </a:schemeClr>
+          </a:lnRef>
+          <a:fillRef idx="1">
+            <a:schemeClr val="accent1"/>
+          </a:fillRef>
+          <a:effectRef idx="0">
+            <a:schemeClr val="accent1"/>
+          </a:effectRef>
+          <a:fontRef idx="minor">
+            <a:schemeClr val="lt1"/>
+          </a:fontRef>
+        </p:style>
+        <p:txBody>
+          <a:bodyPr rtlCol="0" anchor="ctr"/>
+          <a:lstStyle/>
+          <a:p>
+            <a:pPr algn="ctr"/>
+            <a:endParaRPr lang="en-US"/>
+          </a:p>
+        </p:txBody>
+      </p:sp>
+      <p:sp>
+        <p:nvSpPr>
+          <p:cNvPr id="80" name="Trapezoid 79">
+            <a:extLst>
+              <a:ext uri="{FF2B5EF4-FFF2-40B4-BE49-F238E27FC236}">
+                <a16:creationId xmlns:a16="http://schemas.microsoft.com/office/drawing/2014/main" id="{7264DA06-8906-E145-87E3-F1494B7FE6C7}"/>
+              </a:ext>
+            </a:extLst>
+          </p:cNvPr>
+          <p:cNvSpPr/>
+          <p:nvPr/>
+        </p:nvSpPr>
+        <p:spPr>
+          <a:xfrm rot="10800000">
+            <a:off x="7262395" y="3083643"/>
+            <a:ext cx="190065" cy="75997"/>
+          </a:xfrm>
+          <a:prstGeom prst="trapezoid">
+            <a:avLst/>
+          </a:prstGeom>
+          <a:solidFill>
+            <a:srgbClr val="FF0000"/>
+          </a:solidFill>
+          <a:ln w="12700">
+            <a:solidFill>
+              <a:schemeClr val="tx1"/>
+            </a:solidFill>
+          </a:ln>
+        </p:spPr>
+        <p:style>
+          <a:lnRef idx="2">
+            <a:schemeClr val="accent1">
+              <a:shade val="50000"/>
+            </a:schemeClr>
+          </a:lnRef>
+          <a:fillRef idx="1">
+            <a:schemeClr val="accent1"/>
+          </a:fillRef>
+          <a:effectRef idx="0">
+            <a:schemeClr val="accent1"/>
+          </a:effectRef>
+          <a:fontRef idx="minor">
+            <a:schemeClr val="lt1"/>
+          </a:fontRef>
+        </p:style>
+        <p:txBody>
+          <a:bodyPr rtlCol="0" anchor="ctr"/>
+          <a:lstStyle/>
+          <a:p>
+            <a:pPr algn="ctr"/>
+            <a:endParaRPr lang="en-US"/>
+          </a:p>
+        </p:txBody>
+      </p:sp>
+      <p:sp>
+        <p:nvSpPr>
+          <p:cNvPr id="81" name="Arc 80">
+            <a:extLst>
+              <a:ext uri="{FF2B5EF4-FFF2-40B4-BE49-F238E27FC236}">
+                <a16:creationId xmlns:a16="http://schemas.microsoft.com/office/drawing/2014/main" id="{1F241656-2592-784F-AB25-63F312742790}"/>
+              </a:ext>
+            </a:extLst>
+          </p:cNvPr>
+          <p:cNvSpPr/>
+          <p:nvPr/>
+        </p:nvSpPr>
+        <p:spPr>
+          <a:xfrm rot="7537723">
+            <a:off x="7174002" y="2691819"/>
+            <a:ext cx="443364" cy="408350"/>
+          </a:xfrm>
+          <a:prstGeom prst="arc">
+            <a:avLst>
+              <a:gd name="adj1" fmla="val 16200000"/>
+              <a:gd name="adj2" fmla="val 18726675"/>
+            </a:avLst>
+          </a:prstGeom>
+          <a:ln w="12700">
+            <a:solidFill>
+              <a:schemeClr val="tx1"/>
+            </a:solidFill>
+          </a:ln>
+        </p:spPr>
+        <p:style>
+          <a:lnRef idx="1">
+            <a:schemeClr val="accent1"/>
+          </a:lnRef>
+          <a:fillRef idx="0">
+            <a:schemeClr val="accent1"/>
+          </a:fillRef>
+          <a:effectRef idx="0">
+            <a:schemeClr val="accent1"/>
+          </a:effectRef>
+          <a:fontRef idx="minor">
+            <a:schemeClr val="tx1"/>
+          </a:fontRef>
+        </p:style>
+        <p:txBody>
+          <a:bodyPr rtlCol="0" anchor="ctr"/>
+          <a:lstStyle/>
+          <a:p>
+            <a:pPr algn="ctr"/>
+            <a:endParaRPr lang="en-US" dirty="0"/>
+          </a:p>
+        </p:txBody>
+      </p:sp>
+      <p:sp>
+        <p:nvSpPr>
+          <p:cNvPr id="82" name="Arc 81">
+            <a:extLst>
+              <a:ext uri="{FF2B5EF4-FFF2-40B4-BE49-F238E27FC236}">
+                <a16:creationId xmlns:a16="http://schemas.microsoft.com/office/drawing/2014/main" id="{9DB2AED0-3704-4B49-94C5-739CAFBA76B9}"/>
+              </a:ext>
+            </a:extLst>
+          </p:cNvPr>
+          <p:cNvSpPr/>
+          <p:nvPr/>
+        </p:nvSpPr>
+        <p:spPr>
+          <a:xfrm rot="11430463">
+            <a:off x="7074896" y="2692294"/>
+            <a:ext cx="443364" cy="408350"/>
+          </a:xfrm>
+          <a:prstGeom prst="arc">
+            <a:avLst>
+              <a:gd name="adj1" fmla="val 15987613"/>
+              <a:gd name="adj2" fmla="val 18924225"/>
+            </a:avLst>
+          </a:prstGeom>
+          <a:ln w="12700">
+            <a:solidFill>
+              <a:schemeClr val="tx1"/>
+            </a:solidFill>
+          </a:ln>
+        </p:spPr>
+        <p:style>
+          <a:lnRef idx="1">
+            <a:schemeClr val="accent1"/>
+          </a:lnRef>
+          <a:fillRef idx="0">
+            <a:schemeClr val="accent1"/>
+          </a:fillRef>
+          <a:effectRef idx="0">
+            <a:schemeClr val="accent1"/>
+          </a:effectRef>
+          <a:fontRef idx="minor">
+            <a:schemeClr val="tx1"/>
+          </a:fontRef>
+        </p:style>
+        <p:txBody>
+          <a:bodyPr rtlCol="0" anchor="ctr"/>
+          <a:lstStyle/>
+          <a:p>
+            <a:pPr algn="ctr"/>
+            <a:endParaRPr lang="en-US"/>
+          </a:p>
+        </p:txBody>
+      </p:sp>
+      <p:cxnSp>
+        <p:nvCxnSpPr>
+          <p:cNvPr id="83" name="Straight Connector 82">
+            <a:extLst>
+              <a:ext uri="{FF2B5EF4-FFF2-40B4-BE49-F238E27FC236}">
+                <a16:creationId xmlns:a16="http://schemas.microsoft.com/office/drawing/2014/main" id="{047B7231-A92F-1346-89D4-56A6608897F0}"/>
+              </a:ext>
+            </a:extLst>
+          </p:cNvPr>
+          <p:cNvCxnSpPr>
+            <a:cxnSpLocks/>
+            <a:stCxn id="79" idx="4"/>
+            <a:endCxn id="78" idx="0"/>
+          </p:cNvCxnSpPr>
+          <p:nvPr/>
+        </p:nvCxnSpPr>
+        <p:spPr>
+          <a:xfrm>
+            <a:off x="7277856" y="3149126"/>
+            <a:ext cx="95542" cy="419304"/>
+          </a:xfrm>
+          <a:prstGeom prst="line">
+            <a:avLst/>
+          </a:prstGeom>
+          <a:ln w="12700">
+            <a:solidFill>
+              <a:schemeClr val="tx1"/>
+            </a:solidFill>
+          </a:ln>
+        </p:spPr>
+        <p:style>
+          <a:lnRef idx="1">
+            <a:schemeClr val="accent1"/>
+          </a:lnRef>
+          <a:fillRef idx="0">
+            <a:schemeClr val="accent1"/>
+          </a:fillRef>
+          <a:effectRef idx="0">
+            <a:schemeClr val="accent1"/>
+          </a:effectRef>
+          <a:fontRef idx="minor">
+            <a:schemeClr val="tx1"/>
+          </a:fontRef>
+        </p:style>
+      </p:cxnSp>
+      <p:cxnSp>
+        <p:nvCxnSpPr>
+          <p:cNvPr id="84" name="Straight Connector 83">
+            <a:extLst>
+              <a:ext uri="{FF2B5EF4-FFF2-40B4-BE49-F238E27FC236}">
+                <a16:creationId xmlns:a16="http://schemas.microsoft.com/office/drawing/2014/main" id="{C76C5E73-D611-3A45-853C-8BF161F310B4}"/>
+              </a:ext>
+            </a:extLst>
+          </p:cNvPr>
+          <p:cNvCxnSpPr>
+            <a:cxnSpLocks/>
+          </p:cNvCxnSpPr>
+          <p:nvPr/>
+        </p:nvCxnSpPr>
+        <p:spPr>
+          <a:xfrm flipH="1">
+            <a:off x="7375383" y="3152779"/>
+            <a:ext cx="57007" cy="419304"/>
+          </a:xfrm>
+          <a:prstGeom prst="line">
+            <a:avLst/>
+          </a:prstGeom>
+          <a:ln w="12700">
+            <a:solidFill>
+              <a:schemeClr val="tx1"/>
+            </a:solidFill>
+          </a:ln>
+        </p:spPr>
+        <p:style>
+          <a:lnRef idx="1">
+            <a:schemeClr val="accent1"/>
+          </a:lnRef>
+          <a:fillRef idx="0">
+            <a:schemeClr val="accent1"/>
+          </a:fillRef>
+          <a:effectRef idx="0">
+            <a:schemeClr val="accent1"/>
+          </a:effectRef>
+          <a:fontRef idx="minor">
+            <a:schemeClr val="tx1"/>
+          </a:fontRef>
+        </p:style>
+      </p:cxnSp>
+      <p:cxnSp>
+        <p:nvCxnSpPr>
+          <p:cNvPr id="85" name="Straight Connector 84">
+            <a:extLst>
+              <a:ext uri="{FF2B5EF4-FFF2-40B4-BE49-F238E27FC236}">
+                <a16:creationId xmlns:a16="http://schemas.microsoft.com/office/drawing/2014/main" id="{C4AE3087-C2F0-9145-B426-8936BDF7E7E0}"/>
+              </a:ext>
+            </a:extLst>
+          </p:cNvPr>
+          <p:cNvCxnSpPr>
+            <a:cxnSpLocks/>
+          </p:cNvCxnSpPr>
+          <p:nvPr/>
+        </p:nvCxnSpPr>
+        <p:spPr>
+          <a:xfrm>
+            <a:off x="7277454" y="3156760"/>
+            <a:ext cx="50710" cy="510946"/>
+          </a:xfrm>
+          <a:prstGeom prst="line">
+            <a:avLst/>
+          </a:prstGeom>
+          <a:ln w="12700">
+            <a:solidFill>
+              <a:schemeClr val="tx1"/>
+            </a:solidFill>
+          </a:ln>
+        </p:spPr>
+        <p:style>
+          <a:lnRef idx="1">
+            <a:schemeClr val="accent1"/>
+          </a:lnRef>
+          <a:fillRef idx="0">
+            <a:schemeClr val="accent1"/>
+          </a:fillRef>
+          <a:effectRef idx="0">
+            <a:schemeClr val="accent1"/>
+          </a:effectRef>
+          <a:fontRef idx="minor">
+            <a:schemeClr val="tx1"/>
+          </a:fontRef>
+        </p:style>
+      </p:cxnSp>
+      <p:cxnSp>
+        <p:nvCxnSpPr>
+          <p:cNvPr id="86" name="Straight Connector 85">
+            <a:extLst>
+              <a:ext uri="{FF2B5EF4-FFF2-40B4-BE49-F238E27FC236}">
+                <a16:creationId xmlns:a16="http://schemas.microsoft.com/office/drawing/2014/main" id="{0C346ED4-5D45-3242-BED2-B94B43E76258}"/>
+              </a:ext>
+            </a:extLst>
+          </p:cNvPr>
+          <p:cNvCxnSpPr>
+            <a:cxnSpLocks/>
+          </p:cNvCxnSpPr>
+          <p:nvPr/>
+        </p:nvCxnSpPr>
+        <p:spPr>
+          <a:xfrm flipH="1">
+            <a:off x="7325158" y="3516159"/>
+            <a:ext cx="31303" cy="145018"/>
+          </a:xfrm>
+          <a:prstGeom prst="line">
+            <a:avLst/>
+          </a:prstGeom>
+          <a:ln w="12700">
+            <a:solidFill>
+              <a:schemeClr val="tx1"/>
+            </a:solidFill>
+          </a:ln>
+        </p:spPr>
+        <p:style>
+          <a:lnRef idx="1">
+            <a:schemeClr val="accent1"/>
+          </a:lnRef>
+          <a:fillRef idx="0">
+            <a:schemeClr val="accent1"/>
+          </a:fillRef>
+          <a:effectRef idx="0">
+            <a:schemeClr val="accent1"/>
+          </a:effectRef>
+          <a:fontRef idx="minor">
+            <a:schemeClr val="tx1"/>
+          </a:fontRef>
+        </p:style>
+      </p:cxnSp>
+      <p:grpSp>
+        <p:nvGrpSpPr>
+          <p:cNvPr id="87" name="Group 86">
+            <a:extLst>
+              <a:ext uri="{FF2B5EF4-FFF2-40B4-BE49-F238E27FC236}">
+                <a16:creationId xmlns:a16="http://schemas.microsoft.com/office/drawing/2014/main" id="{CF579510-CD99-1C4D-82EC-6C62918ABC36}"/>
+              </a:ext>
+            </a:extLst>
+          </p:cNvPr>
+          <p:cNvGrpSpPr/>
+          <p:nvPr/>
+        </p:nvGrpSpPr>
+        <p:grpSpPr>
+          <a:xfrm rot="19181437">
+            <a:off x="6027698" y="2057452"/>
+            <a:ext cx="1112170" cy="1398785"/>
+            <a:chOff x="4594458" y="2746336"/>
+            <a:chExt cx="1112170" cy="1398785"/>
+          </a:xfrm>
+        </p:grpSpPr>
+        <p:sp>
+          <p:nvSpPr>
+            <p:cNvPr id="88" name="Rectangle 87">
+              <a:extLst>
+                <a:ext uri="{FF2B5EF4-FFF2-40B4-BE49-F238E27FC236}">
+                  <a16:creationId xmlns:a16="http://schemas.microsoft.com/office/drawing/2014/main" id="{1358E3D2-650B-524E-B324-BCCD29B0E2B6}"/>
+                </a:ext>
+              </a:extLst>
+            </p:cNvPr>
+            <p:cNvSpPr/>
+            <p:nvPr/>
+          </p:nvSpPr>
+          <p:spPr>
+            <a:xfrm>
+              <a:off x="5099901" y="3428999"/>
+              <a:ext cx="100684" cy="238707"/>
+            </a:xfrm>
+            <a:prstGeom prst="rect">
+              <a:avLst/>
+            </a:prstGeom>
+            <a:solidFill>
+              <a:schemeClr val="accent6"/>
+            </a:solidFill>
+            <a:ln w="12700">
+              <a:solidFill>
+                <a:schemeClr val="tx1"/>
+              </a:solidFill>
+            </a:ln>
+          </p:spPr>
+          <p:style>
+            <a:lnRef idx="2">
+              <a:schemeClr val="accent1">
+                <a:shade val="50000"/>
+              </a:schemeClr>
+            </a:lnRef>
+            <a:fillRef idx="1">
+              <a:schemeClr val="accent1"/>
+            </a:fillRef>
+            <a:effectRef idx="0">
+              <a:schemeClr val="accent1"/>
+            </a:effectRef>
+            <a:fontRef idx="minor">
+              <a:schemeClr val="lt1"/>
+            </a:fontRef>
+          </p:style>
+          <p:txBody>
+            <a:bodyPr rtlCol="0" anchor="ctr"/>
+            <a:lstStyle/>
+            <a:p>
+              <a:pPr algn="ctr"/>
+              <a:endParaRPr lang="en-US"/>
+            </a:p>
+          </p:txBody>
+        </p:sp>
+        <p:sp>
+          <p:nvSpPr>
+            <p:cNvPr id="89" name="Rectangle 88">
+              <a:extLst>
+                <a:ext uri="{FF2B5EF4-FFF2-40B4-BE49-F238E27FC236}">
+                  <a16:creationId xmlns:a16="http://schemas.microsoft.com/office/drawing/2014/main" id="{87BF0027-9F6D-B942-B7F6-5007281CE54D}"/>
+                </a:ext>
+              </a:extLst>
+            </p:cNvPr>
+            <p:cNvSpPr/>
+            <p:nvPr/>
+          </p:nvSpPr>
+          <p:spPr>
+            <a:xfrm>
+              <a:off x="5099900" y="3667707"/>
+              <a:ext cx="100683" cy="238707"/>
+            </a:xfrm>
+            <a:prstGeom prst="rect">
+              <a:avLst/>
+            </a:prstGeom>
+            <a:solidFill>
+              <a:schemeClr val="accent6"/>
+            </a:solidFill>
+            <a:ln>
+              <a:solidFill>
+                <a:schemeClr val="tx1"/>
+              </a:solidFill>
+            </a:ln>
+          </p:spPr>
+          <p:style>
+            <a:lnRef idx="2">
+              <a:schemeClr val="accent1">
+                <a:shade val="50000"/>
+              </a:schemeClr>
+            </a:lnRef>
+            <a:fillRef idx="1">
+              <a:schemeClr val="accent1"/>
+            </a:fillRef>
+            <a:effectRef idx="0">
+              <a:schemeClr val="accent1"/>
+            </a:effectRef>
+            <a:fontRef idx="minor">
+              <a:schemeClr val="lt1"/>
+            </a:fontRef>
+          </p:style>
+          <p:txBody>
+            <a:bodyPr rtlCol="0" anchor="ctr"/>
+            <a:lstStyle/>
+            <a:p>
+              <a:pPr algn="ctr"/>
+              <a:endParaRPr lang="en-US"/>
+            </a:p>
+          </p:txBody>
+        </p:sp>
+        <p:sp>
+          <p:nvSpPr>
+            <p:cNvPr id="90" name="Rectangle 89">
+              <a:extLst>
+                <a:ext uri="{FF2B5EF4-FFF2-40B4-BE49-F238E27FC236}">
+                  <a16:creationId xmlns:a16="http://schemas.microsoft.com/office/drawing/2014/main" id="{9DF22D10-47EF-DE45-B635-660FFF71FD48}"/>
+                </a:ext>
+              </a:extLst>
+            </p:cNvPr>
+            <p:cNvSpPr/>
+            <p:nvPr/>
+          </p:nvSpPr>
+          <p:spPr>
+            <a:xfrm>
+              <a:off x="5099900" y="3906414"/>
+              <a:ext cx="100683" cy="238707"/>
+            </a:xfrm>
+            <a:prstGeom prst="rect">
+              <a:avLst/>
+            </a:prstGeom>
+            <a:solidFill>
+              <a:schemeClr val="accent6"/>
+            </a:solidFill>
+            <a:ln>
+              <a:solidFill>
+                <a:schemeClr val="tx1"/>
+              </a:solidFill>
+            </a:ln>
+          </p:spPr>
+          <p:style>
+            <a:lnRef idx="2">
+              <a:schemeClr val="accent1">
+                <a:shade val="50000"/>
+              </a:schemeClr>
+            </a:lnRef>
+            <a:fillRef idx="1">
+              <a:schemeClr val="accent1"/>
+            </a:fillRef>
+            <a:effectRef idx="0">
+              <a:schemeClr val="accent1"/>
+            </a:effectRef>
+            <a:fontRef idx="minor">
+              <a:schemeClr val="lt1"/>
+            </a:fontRef>
+          </p:style>
+          <p:txBody>
+            <a:bodyPr rtlCol="0" anchor="ctr"/>
+            <a:lstStyle/>
+            <a:p>
+              <a:pPr algn="ctr"/>
+              <a:endParaRPr lang="en-US"/>
+            </a:p>
+          </p:txBody>
+        </p:sp>
+        <p:sp>
+          <p:nvSpPr>
+            <p:cNvPr id="91" name="Rectangle 90">
+              <a:extLst>
+                <a:ext uri="{FF2B5EF4-FFF2-40B4-BE49-F238E27FC236}">
+                  <a16:creationId xmlns:a16="http://schemas.microsoft.com/office/drawing/2014/main" id="{33C0505D-7939-CD4E-8377-7D692B7614FA}"/>
+                </a:ext>
+              </a:extLst>
+            </p:cNvPr>
+            <p:cNvSpPr/>
+            <p:nvPr/>
+          </p:nvSpPr>
+          <p:spPr>
+            <a:xfrm>
+              <a:off x="5099900" y="3189216"/>
+              <a:ext cx="100683" cy="238707"/>
+            </a:xfrm>
+            <a:prstGeom prst="rect">
+              <a:avLst/>
+            </a:prstGeom>
+            <a:solidFill>
+              <a:schemeClr val="accent6"/>
+            </a:solidFill>
+            <a:ln>
+              <a:solidFill>
+                <a:schemeClr val="tx1"/>
+              </a:solidFill>
+            </a:ln>
+          </p:spPr>
+          <p:style>
+            <a:lnRef idx="2">
+              <a:schemeClr val="accent1">
+                <a:shade val="50000"/>
+              </a:schemeClr>
+            </a:lnRef>
+            <a:fillRef idx="1">
+              <a:schemeClr val="accent1"/>
+            </a:fillRef>
+            <a:effectRef idx="0">
+              <a:schemeClr val="accent1"/>
+            </a:effectRef>
+            <a:fontRef idx="minor">
+              <a:schemeClr val="lt1"/>
+            </a:fontRef>
+          </p:style>
+          <p:txBody>
+            <a:bodyPr rtlCol="0" anchor="ctr"/>
+            <a:lstStyle/>
+            <a:p>
+              <a:pPr algn="ctr"/>
+              <a:endParaRPr lang="en-US"/>
+            </a:p>
+          </p:txBody>
+        </p:sp>
+        <p:sp>
+          <p:nvSpPr>
+            <p:cNvPr id="92" name="Rectangle 91">
+              <a:extLst>
+                <a:ext uri="{FF2B5EF4-FFF2-40B4-BE49-F238E27FC236}">
+                  <a16:creationId xmlns:a16="http://schemas.microsoft.com/office/drawing/2014/main" id="{18B2C42E-362E-4D42-8E20-F4C05ABF2954}"/>
+                </a:ext>
+              </a:extLst>
+            </p:cNvPr>
+            <p:cNvSpPr/>
+            <p:nvPr/>
+          </p:nvSpPr>
+          <p:spPr>
+            <a:xfrm>
+              <a:off x="5099899" y="2949971"/>
+              <a:ext cx="100683" cy="238707"/>
+            </a:xfrm>
+            <a:prstGeom prst="rect">
+              <a:avLst/>
+            </a:prstGeom>
+            <a:solidFill>
+              <a:schemeClr val="accent6"/>
+            </a:solidFill>
+            <a:ln>
+              <a:solidFill>
+                <a:schemeClr val="tx1"/>
+              </a:solidFill>
+            </a:ln>
+          </p:spPr>
+          <p:style>
+            <a:lnRef idx="2">
+              <a:schemeClr val="accent1">
+                <a:shade val="50000"/>
+              </a:schemeClr>
+            </a:lnRef>
+            <a:fillRef idx="1">
+              <a:schemeClr val="accent1"/>
+            </a:fillRef>
+            <a:effectRef idx="0">
+              <a:schemeClr val="accent1"/>
+            </a:effectRef>
+            <a:fontRef idx="minor">
+              <a:schemeClr val="lt1"/>
+            </a:fontRef>
+          </p:style>
+          <p:txBody>
+            <a:bodyPr rtlCol="0" anchor="ctr"/>
+            <a:lstStyle/>
+            <a:p>
+              <a:pPr algn="ctr"/>
+              <a:endParaRPr lang="en-US"/>
+            </a:p>
+          </p:txBody>
+        </p:sp>
+        <p:sp>
+          <p:nvSpPr>
+            <p:cNvPr id="93" name="Oval 92">
+              <a:extLst>
+                <a:ext uri="{FF2B5EF4-FFF2-40B4-BE49-F238E27FC236}">
+                  <a16:creationId xmlns:a16="http://schemas.microsoft.com/office/drawing/2014/main" id="{B15F01CF-2D06-5D47-BBC4-EDA304B64376}"/>
+                </a:ext>
+              </a:extLst>
+            </p:cNvPr>
+            <p:cNvSpPr/>
+            <p:nvPr/>
+          </p:nvSpPr>
+          <p:spPr>
+            <a:xfrm>
+              <a:off x="5378179" y="2746336"/>
+              <a:ext cx="75414" cy="288470"/>
+            </a:xfrm>
+            <a:prstGeom prst="ellipse">
+              <a:avLst/>
+            </a:prstGeom>
+            <a:solidFill>
+              <a:schemeClr val="accent6"/>
+            </a:solidFill>
+            <a:ln>
+              <a:solidFill>
+                <a:schemeClr val="tx1"/>
+              </a:solidFill>
+            </a:ln>
+          </p:spPr>
+          <p:style>
+            <a:lnRef idx="2">
+              <a:schemeClr val="accent1">
+                <a:shade val="50000"/>
+              </a:schemeClr>
+            </a:lnRef>
+            <a:fillRef idx="1">
+              <a:schemeClr val="accent1"/>
+            </a:fillRef>
+            <a:effectRef idx="0">
+              <a:schemeClr val="accent1"/>
+            </a:effectRef>
+            <a:fontRef idx="minor">
+              <a:schemeClr val="lt1"/>
+            </a:fontRef>
+          </p:style>
+          <p:txBody>
+            <a:bodyPr rtlCol="0" anchor="ctr"/>
+            <a:lstStyle/>
+            <a:p>
+              <a:pPr algn="ctr"/>
+              <a:endParaRPr lang="en-US"/>
+            </a:p>
+          </p:txBody>
+        </p:sp>
+        <p:sp>
+          <p:nvSpPr>
+            <p:cNvPr id="94" name="Oval 93">
+              <a:extLst>
+                <a:ext uri="{FF2B5EF4-FFF2-40B4-BE49-F238E27FC236}">
+                  <a16:creationId xmlns:a16="http://schemas.microsoft.com/office/drawing/2014/main" id="{3889241B-AEA4-EA47-BF7C-6791C5DA3636}"/>
+                </a:ext>
+              </a:extLst>
+            </p:cNvPr>
+            <p:cNvSpPr/>
+            <p:nvPr/>
+          </p:nvSpPr>
+          <p:spPr>
+            <a:xfrm rot="5976753">
+              <a:off x="5519518" y="2898736"/>
+              <a:ext cx="75414" cy="288470"/>
+            </a:xfrm>
+            <a:prstGeom prst="ellipse">
+              <a:avLst/>
+            </a:prstGeom>
+            <a:solidFill>
+              <a:schemeClr val="accent6"/>
+            </a:solidFill>
+            <a:ln>
+              <a:solidFill>
+                <a:schemeClr val="tx1"/>
+              </a:solidFill>
+            </a:ln>
+          </p:spPr>
+          <p:style>
+            <a:lnRef idx="2">
+              <a:schemeClr val="accent1">
+                <a:shade val="50000"/>
+              </a:schemeClr>
+            </a:lnRef>
+            <a:fillRef idx="1">
+              <a:schemeClr val="accent1"/>
+            </a:fillRef>
+            <a:effectRef idx="0">
+              <a:schemeClr val="accent1"/>
+            </a:effectRef>
+            <a:fontRef idx="minor">
+              <a:schemeClr val="lt1"/>
+            </a:fontRef>
+          </p:style>
+          <p:txBody>
+            <a:bodyPr rtlCol="0" anchor="ctr"/>
+            <a:lstStyle/>
+            <a:p>
+              <a:pPr algn="ctr"/>
+              <a:endParaRPr lang="en-US"/>
+            </a:p>
+          </p:txBody>
+        </p:sp>
+        <p:sp>
+          <p:nvSpPr>
+            <p:cNvPr id="95" name="Oval 94">
+              <a:extLst>
+                <a:ext uri="{FF2B5EF4-FFF2-40B4-BE49-F238E27FC236}">
+                  <a16:creationId xmlns:a16="http://schemas.microsoft.com/office/drawing/2014/main" id="{F17E9D00-6DF3-894E-9DCC-8C8DE0CC1F7B}"/>
+                </a:ext>
+              </a:extLst>
+            </p:cNvPr>
+            <p:cNvSpPr/>
+            <p:nvPr/>
+          </p:nvSpPr>
+          <p:spPr>
+            <a:xfrm rot="3563658">
+              <a:off x="5524686" y="2775501"/>
+              <a:ext cx="75414" cy="288470"/>
+            </a:xfrm>
+            <a:prstGeom prst="ellipse">
+              <a:avLst/>
+            </a:prstGeom>
+            <a:solidFill>
+              <a:schemeClr val="accent6"/>
+            </a:solidFill>
+            <a:ln>
+              <a:solidFill>
+                <a:schemeClr val="tx1"/>
+              </a:solidFill>
+            </a:ln>
+          </p:spPr>
+          <p:style>
+            <a:lnRef idx="2">
+              <a:schemeClr val="accent1">
+                <a:shade val="50000"/>
+              </a:schemeClr>
+            </a:lnRef>
+            <a:fillRef idx="1">
+              <a:schemeClr val="accent1"/>
+            </a:fillRef>
+            <a:effectRef idx="0">
+              <a:schemeClr val="accent1"/>
+            </a:effectRef>
+            <a:fontRef idx="minor">
+              <a:schemeClr val="lt1"/>
+            </a:fontRef>
+          </p:style>
+          <p:txBody>
+            <a:bodyPr rtlCol="0" anchor="ctr"/>
+            <a:lstStyle/>
+            <a:p>
+              <a:pPr algn="ctr"/>
+              <a:endParaRPr lang="en-US"/>
+            </a:p>
+          </p:txBody>
+        </p:sp>
+        <p:cxnSp>
+          <p:nvCxnSpPr>
+            <p:cNvPr id="96" name="Straight Connector 95">
+              <a:extLst>
+                <a:ext uri="{FF2B5EF4-FFF2-40B4-BE49-F238E27FC236}">
+                  <a16:creationId xmlns:a16="http://schemas.microsoft.com/office/drawing/2014/main" id="{1E6F766D-238E-3744-A9CC-4263E7862F01}"/>
+                </a:ext>
+              </a:extLst>
+            </p:cNvPr>
+            <p:cNvCxnSpPr>
+              <a:cxnSpLocks/>
+            </p:cNvCxnSpPr>
+            <p:nvPr/>
+          </p:nvCxnSpPr>
+          <p:spPr>
+            <a:xfrm flipH="1">
+              <a:off x="5206565" y="2998223"/>
+              <a:ext cx="231951" cy="203821"/>
+            </a:xfrm>
+            <a:prstGeom prst="line">
+              <a:avLst/>
+            </a:prstGeom>
+            <a:ln w="12700">
+              <a:solidFill>
+                <a:schemeClr val="tx1"/>
+              </a:solidFill>
+            </a:ln>
+          </p:spPr>
+          <p:style>
+            <a:lnRef idx="1">
+              <a:schemeClr val="accent1"/>
+            </a:lnRef>
+            <a:fillRef idx="0">
+              <a:schemeClr val="accent1"/>
+            </a:fillRef>
+            <a:effectRef idx="0">
+              <a:schemeClr val="accent1"/>
+            </a:effectRef>
+            <a:fontRef idx="minor">
+              <a:schemeClr val="tx1"/>
+            </a:fontRef>
+          </p:style>
+        </p:cxnSp>
+        <p:grpSp>
+          <p:nvGrpSpPr>
+            <p:cNvPr id="97" name="Group 96">
+              <a:extLst>
+                <a:ext uri="{FF2B5EF4-FFF2-40B4-BE49-F238E27FC236}">
+                  <a16:creationId xmlns:a16="http://schemas.microsoft.com/office/drawing/2014/main" id="{932EC3CC-01F3-BA43-BEEA-463486B42C6F}"/>
+                </a:ext>
+              </a:extLst>
+            </p:cNvPr>
+            <p:cNvGrpSpPr/>
+            <p:nvPr/>
+          </p:nvGrpSpPr>
+          <p:grpSpPr>
+            <a:xfrm rot="15085268">
+              <a:off x="4597404" y="3190884"/>
+              <a:ext cx="328449" cy="334342"/>
+              <a:chOff x="4716898" y="3289143"/>
+              <a:chExt cx="328449" cy="334342"/>
+            </a:xfrm>
+          </p:grpSpPr>
+          <p:sp>
+            <p:nvSpPr>
+              <p:cNvPr id="99" name="Oval 98">
+                <a:extLst>
+                  <a:ext uri="{FF2B5EF4-FFF2-40B4-BE49-F238E27FC236}">
+                    <a16:creationId xmlns:a16="http://schemas.microsoft.com/office/drawing/2014/main" id="{65D45F85-8EC1-AF47-9DFF-B02C548FD188}"/>
+                  </a:ext>
+                </a:extLst>
+              </p:cNvPr>
+              <p:cNvSpPr/>
+              <p:nvPr/>
+            </p:nvSpPr>
+            <p:spPr>
+              <a:xfrm>
+                <a:off x="4716898" y="3289143"/>
+                <a:ext cx="75414" cy="288470"/>
+              </a:xfrm>
+              <a:prstGeom prst="ellipse">
+                <a:avLst/>
+              </a:prstGeom>
+              <a:solidFill>
+                <a:schemeClr val="accent6"/>
+              </a:solidFill>
+              <a:ln>
+                <a:solidFill>
+                  <a:schemeClr val="tx1"/>
+                </a:solidFill>
+              </a:ln>
+            </p:spPr>
+            <p:style>
+              <a:lnRef idx="2">
+                <a:schemeClr val="accent1">
+                  <a:shade val="50000"/>
+                </a:schemeClr>
+              </a:lnRef>
+              <a:fillRef idx="1">
+                <a:schemeClr val="accent1"/>
+              </a:fillRef>
+              <a:effectRef idx="0">
+                <a:schemeClr val="accent1"/>
+              </a:effectRef>
+              <a:fontRef idx="minor">
+                <a:schemeClr val="lt1"/>
+              </a:fontRef>
+            </p:style>
+            <p:txBody>
+              <a:bodyPr rtlCol="0" anchor="ctr"/>
+              <a:lstStyle/>
+              <a:p>
+                <a:pPr algn="ctr"/>
+                <a:endParaRPr lang="en-US"/>
+              </a:p>
+            </p:txBody>
+          </p:sp>
+          <p:sp>
+            <p:nvSpPr>
+              <p:cNvPr id="100" name="Oval 99">
+                <a:extLst>
+                  <a:ext uri="{FF2B5EF4-FFF2-40B4-BE49-F238E27FC236}">
+                    <a16:creationId xmlns:a16="http://schemas.microsoft.com/office/drawing/2014/main" id="{ABA0269D-0D31-994E-96CA-08975837348B}"/>
+                  </a:ext>
+                </a:extLst>
+              </p:cNvPr>
+              <p:cNvSpPr/>
+              <p:nvPr/>
+            </p:nvSpPr>
+            <p:spPr>
+              <a:xfrm rot="5976753">
+                <a:off x="4858237" y="3441543"/>
+                <a:ext cx="75414" cy="288470"/>
+              </a:xfrm>
+              <a:prstGeom prst="ellipse">
+                <a:avLst/>
+              </a:prstGeom>
+              <a:solidFill>
+                <a:schemeClr val="accent6"/>
+              </a:solidFill>
+              <a:ln>
+                <a:solidFill>
+                  <a:schemeClr val="tx1"/>
+                </a:solidFill>
+              </a:ln>
+            </p:spPr>
+            <p:style>
+              <a:lnRef idx="2">
+                <a:schemeClr val="accent1">
+                  <a:shade val="50000"/>
+                </a:schemeClr>
+              </a:lnRef>
+              <a:fillRef idx="1">
+                <a:schemeClr val="accent1"/>
+              </a:fillRef>
+              <a:effectRef idx="0">
+                <a:schemeClr val="accent1"/>
+              </a:effectRef>
+              <a:fontRef idx="minor">
+                <a:schemeClr val="lt1"/>
+              </a:fontRef>
+            </p:style>
+            <p:txBody>
+              <a:bodyPr rtlCol="0" anchor="ctr"/>
+              <a:lstStyle/>
+              <a:p>
+                <a:pPr algn="ctr"/>
+                <a:endParaRPr lang="en-US"/>
+              </a:p>
+            </p:txBody>
+          </p:sp>
+          <p:sp>
+            <p:nvSpPr>
+              <p:cNvPr id="101" name="Oval 100">
+                <a:extLst>
+                  <a:ext uri="{FF2B5EF4-FFF2-40B4-BE49-F238E27FC236}">
+                    <a16:creationId xmlns:a16="http://schemas.microsoft.com/office/drawing/2014/main" id="{345D6492-2E72-FE40-B6E6-6A6702750FDA}"/>
+                  </a:ext>
+                </a:extLst>
+              </p:cNvPr>
+              <p:cNvSpPr/>
+              <p:nvPr/>
+            </p:nvSpPr>
+            <p:spPr>
+              <a:xfrm rot="3563658">
+                <a:off x="4863405" y="3318308"/>
+                <a:ext cx="75414" cy="288470"/>
+              </a:xfrm>
+              <a:prstGeom prst="ellipse">
+                <a:avLst/>
+              </a:prstGeom>
+              <a:solidFill>
+                <a:schemeClr val="accent6"/>
+              </a:solidFill>
+              <a:ln>
+                <a:solidFill>
+                  <a:schemeClr val="tx1"/>
+                </a:solidFill>
+              </a:ln>
+            </p:spPr>
+            <p:style>
+              <a:lnRef idx="2">
+                <a:schemeClr val="accent1">
+                  <a:shade val="50000"/>
+                </a:schemeClr>
+              </a:lnRef>
+              <a:fillRef idx="1">
+                <a:schemeClr val="accent1"/>
+              </a:fillRef>
+              <a:effectRef idx="0">
+                <a:schemeClr val="accent1"/>
+              </a:effectRef>
+              <a:fontRef idx="minor">
+                <a:schemeClr val="lt1"/>
+              </a:fontRef>
+            </p:style>
+            <p:txBody>
+              <a:bodyPr rtlCol="0" anchor="ctr"/>
+              <a:lstStyle/>
+              <a:p>
+                <a:pPr algn="ctr"/>
+                <a:endParaRPr lang="en-US"/>
+              </a:p>
+            </p:txBody>
+          </p:sp>
+        </p:grpSp>
+        <p:cxnSp>
+          <p:nvCxnSpPr>
+            <p:cNvPr id="98" name="Straight Connector 97">
+              <a:extLst>
+                <a:ext uri="{FF2B5EF4-FFF2-40B4-BE49-F238E27FC236}">
+                  <a16:creationId xmlns:a16="http://schemas.microsoft.com/office/drawing/2014/main" id="{1F4C88EF-242C-E942-881C-6136B0AAFEAA}"/>
+                </a:ext>
+              </a:extLst>
+            </p:cNvPr>
+            <p:cNvCxnSpPr>
+              <a:cxnSpLocks/>
+            </p:cNvCxnSpPr>
+            <p:nvPr/>
+          </p:nvCxnSpPr>
+          <p:spPr>
+            <a:xfrm>
+              <a:off x="4914468" y="3440806"/>
+              <a:ext cx="181301" cy="220019"/>
+            </a:xfrm>
+            <a:prstGeom prst="line">
+              <a:avLst/>
+            </a:prstGeom>
+            <a:ln w="12700">
+              <a:solidFill>
+                <a:schemeClr val="tx1"/>
+              </a:solidFill>
+            </a:ln>
+          </p:spPr>
+          <p:style>
+            <a:lnRef idx="1">
+              <a:schemeClr val="accent1"/>
+            </a:lnRef>
+            <a:fillRef idx="0">
+              <a:schemeClr val="accent1"/>
+            </a:fillRef>
+            <a:effectRef idx="0">
+              <a:schemeClr val="accent1"/>
+            </a:effectRef>
+            <a:fontRef idx="minor">
+              <a:schemeClr val="tx1"/>
+            </a:fontRef>
+          </p:style>
+        </p:cxnSp>
+      </p:grpSp>
+      <p:sp>
+        <p:nvSpPr>
+          <p:cNvPr id="102" name="Arc 101">
+            <a:extLst>
+              <a:ext uri="{FF2B5EF4-FFF2-40B4-BE49-F238E27FC236}">
+                <a16:creationId xmlns:a16="http://schemas.microsoft.com/office/drawing/2014/main" id="{012AC0B9-69B6-7748-B810-F6FAC2C93AEB}"/>
+              </a:ext>
+            </a:extLst>
+          </p:cNvPr>
+          <p:cNvSpPr/>
+          <p:nvPr/>
+        </p:nvSpPr>
+        <p:spPr>
+          <a:xfrm rot="3030456">
+            <a:off x="6991566" y="2897081"/>
+            <a:ext cx="1050504" cy="812584"/>
+          </a:xfrm>
+          <a:prstGeom prst="arc">
+            <a:avLst>
+              <a:gd name="adj1" fmla="val 16200000"/>
+              <a:gd name="adj2" fmla="val 19845384"/>
+            </a:avLst>
+          </a:prstGeom>
+          <a:ln w="12700">
+            <a:solidFill>
+              <a:schemeClr val="tx1"/>
+            </a:solidFill>
+          </a:ln>
+        </p:spPr>
+        <p:style>
+          <a:lnRef idx="1">
+            <a:schemeClr val="accent1"/>
+          </a:lnRef>
+          <a:fillRef idx="0">
+            <a:schemeClr val="accent1"/>
+          </a:fillRef>
+          <a:effectRef idx="0">
+            <a:schemeClr val="accent1"/>
+          </a:effectRef>
+          <a:fontRef idx="minor">
+            <a:schemeClr val="tx1"/>
+          </a:fontRef>
+        </p:style>
+        <p:txBody>
+          <a:bodyPr rtlCol="0" anchor="ctr"/>
+          <a:lstStyle/>
+          <a:p>
+            <a:pPr algn="ctr"/>
+            <a:endParaRPr lang="en-US"/>
+          </a:p>
+        </p:txBody>
+      </p:sp>
+      <p:sp>
+        <p:nvSpPr>
+          <p:cNvPr id="5" name="Arc 4">
+            <a:extLst>
+              <a:ext uri="{FF2B5EF4-FFF2-40B4-BE49-F238E27FC236}">
+                <a16:creationId xmlns:a16="http://schemas.microsoft.com/office/drawing/2014/main" id="{FD015F42-B4A9-0E45-9E33-DB57949C7BF2}"/>
+              </a:ext>
+            </a:extLst>
+          </p:cNvPr>
+          <p:cNvSpPr/>
+          <p:nvPr/>
+        </p:nvSpPr>
+        <p:spPr>
+          <a:xfrm rot="8206540">
+            <a:off x="7331948" y="2238136"/>
+            <a:ext cx="341259" cy="340252"/>
+          </a:xfrm>
+          <a:prstGeom prst="arc">
+            <a:avLst>
+              <a:gd name="adj1" fmla="val 16200000"/>
+              <a:gd name="adj2" fmla="val 1874818"/>
+            </a:avLst>
+          </a:prstGeom>
+          <a:ln w="19050">
+            <a:solidFill>
+              <a:schemeClr val="tx1"/>
+            </a:solidFill>
+          </a:ln>
+        </p:spPr>
+        <p:style>
+          <a:lnRef idx="1">
+            <a:schemeClr val="accent1"/>
+          </a:lnRef>
+          <a:fillRef idx="0">
+            <a:schemeClr val="accent1"/>
+          </a:fillRef>
+          <a:effectRef idx="0">
+            <a:schemeClr val="accent1"/>
+          </a:effectRef>
+          <a:fontRef idx="minor">
+            <a:schemeClr val="tx1"/>
+          </a:fontRef>
+        </p:style>
+        <p:txBody>
+          <a:bodyPr rtlCol="0" anchor="ctr"/>
+          <a:lstStyle/>
+          <a:p>
+            <a:pPr algn="ctr"/>
+            <a:endParaRPr lang="en-US"/>
+          </a:p>
+        </p:txBody>
+      </p:sp>
+      <p:sp>
+        <p:nvSpPr>
+          <p:cNvPr id="103" name="Arc 102">
+            <a:extLst>
+              <a:ext uri="{FF2B5EF4-FFF2-40B4-BE49-F238E27FC236}">
+                <a16:creationId xmlns:a16="http://schemas.microsoft.com/office/drawing/2014/main" id="{E99B6AC4-7354-004C-8C83-15F0E597384A}"/>
+              </a:ext>
+            </a:extLst>
+          </p:cNvPr>
+          <p:cNvSpPr/>
+          <p:nvPr/>
+        </p:nvSpPr>
+        <p:spPr>
+          <a:xfrm rot="6987695">
+            <a:off x="6996597" y="2244814"/>
+            <a:ext cx="341259" cy="340252"/>
+          </a:xfrm>
+          <a:prstGeom prst="arc">
+            <a:avLst>
+              <a:gd name="adj1" fmla="val 14364527"/>
+              <a:gd name="adj2" fmla="val 29172"/>
+            </a:avLst>
+          </a:prstGeom>
+          <a:ln w="19050">
+            <a:solidFill>
+              <a:schemeClr val="tx1"/>
+            </a:solidFill>
+          </a:ln>
+        </p:spPr>
+        <p:style>
+          <a:lnRef idx="1">
+            <a:schemeClr val="accent1"/>
+          </a:lnRef>
+          <a:fillRef idx="0">
+            <a:schemeClr val="accent1"/>
+          </a:fillRef>
+          <a:effectRef idx="0">
+            <a:schemeClr val="accent1"/>
+          </a:effectRef>
+          <a:fontRef idx="minor">
+            <a:schemeClr val="tx1"/>
+          </a:fontRef>
+        </p:style>
+        <p:txBody>
+          <a:bodyPr rtlCol="0" anchor="ctr"/>
+          <a:lstStyle/>
+          <a:p>
+            <a:pPr algn="ctr"/>
+            <a:endParaRPr lang="en-US"/>
+          </a:p>
+        </p:txBody>
+      </p:sp>
     </p:spTree>
     <p:extLst>
       <p:ext uri="{BB962C8B-B14F-4D97-AF65-F5344CB8AC3E}">

--- a/img/PANDA.pptx
+++ b/img/PANDA.pptx
@@ -197,7 +197,7 @@
           <a:p>
             <a:fld id="{B966D517-34DA-1541-9976-65CE1DA01ED5}" type="datetimeFigureOut">
               <a:rPr lang="en-US" smtClean="0"/>
-              <a:t>4/1/19</a:t>
+              <a:t>4/1/2019</a:t>
             </a:fld>
             <a:endParaRPr lang="en-US"/>
           </a:p>
@@ -695,7 +695,7 @@
           <a:p>
             <a:fld id="{594D2CB0-1BE6-3F47-AD89-DEA7CD3F203F}" type="datetimeFigureOut">
               <a:rPr lang="en-US" smtClean="0"/>
-              <a:t>4/1/19</a:t>
+              <a:t>4/1/2019</a:t>
             </a:fld>
             <a:endParaRPr lang="en-US"/>
           </a:p>
@@ -893,7 +893,7 @@
           <a:p>
             <a:fld id="{594D2CB0-1BE6-3F47-AD89-DEA7CD3F203F}" type="datetimeFigureOut">
               <a:rPr lang="en-US" smtClean="0"/>
-              <a:t>4/1/19</a:t>
+              <a:t>4/1/2019</a:t>
             </a:fld>
             <a:endParaRPr lang="en-US"/>
           </a:p>
@@ -1101,7 +1101,7 @@
           <a:p>
             <a:fld id="{594D2CB0-1BE6-3F47-AD89-DEA7CD3F203F}" type="datetimeFigureOut">
               <a:rPr lang="en-US" smtClean="0"/>
-              <a:t>4/1/19</a:t>
+              <a:t>4/1/2019</a:t>
             </a:fld>
             <a:endParaRPr lang="en-US"/>
           </a:p>
@@ -1299,7 +1299,7 @@
           <a:p>
             <a:fld id="{594D2CB0-1BE6-3F47-AD89-DEA7CD3F203F}" type="datetimeFigureOut">
               <a:rPr lang="en-US" smtClean="0"/>
-              <a:t>4/1/19</a:t>
+              <a:t>4/1/2019</a:t>
             </a:fld>
             <a:endParaRPr lang="en-US"/>
           </a:p>
@@ -1574,7 +1574,7 @@
           <a:p>
             <a:fld id="{594D2CB0-1BE6-3F47-AD89-DEA7CD3F203F}" type="datetimeFigureOut">
               <a:rPr lang="en-US" smtClean="0"/>
-              <a:t>4/1/19</a:t>
+              <a:t>4/1/2019</a:t>
             </a:fld>
             <a:endParaRPr lang="en-US"/>
           </a:p>
@@ -1839,7 +1839,7 @@
           <a:p>
             <a:fld id="{594D2CB0-1BE6-3F47-AD89-DEA7CD3F203F}" type="datetimeFigureOut">
               <a:rPr lang="en-US" smtClean="0"/>
-              <a:t>4/1/19</a:t>
+              <a:t>4/1/2019</a:t>
             </a:fld>
             <a:endParaRPr lang="en-US"/>
           </a:p>
@@ -2251,7 +2251,7 @@
           <a:p>
             <a:fld id="{594D2CB0-1BE6-3F47-AD89-DEA7CD3F203F}" type="datetimeFigureOut">
               <a:rPr lang="en-US" smtClean="0"/>
-              <a:t>4/1/19</a:t>
+              <a:t>4/1/2019</a:t>
             </a:fld>
             <a:endParaRPr lang="en-US"/>
           </a:p>
@@ -2392,7 +2392,7 @@
           <a:p>
             <a:fld id="{594D2CB0-1BE6-3F47-AD89-DEA7CD3F203F}" type="datetimeFigureOut">
               <a:rPr lang="en-US" smtClean="0"/>
-              <a:t>4/1/19</a:t>
+              <a:t>4/1/2019</a:t>
             </a:fld>
             <a:endParaRPr lang="en-US"/>
           </a:p>
@@ -2505,7 +2505,7 @@
           <a:p>
             <a:fld id="{594D2CB0-1BE6-3F47-AD89-DEA7CD3F203F}" type="datetimeFigureOut">
               <a:rPr lang="en-US" smtClean="0"/>
-              <a:t>4/1/19</a:t>
+              <a:t>4/1/2019</a:t>
             </a:fld>
             <a:endParaRPr lang="en-US"/>
           </a:p>
@@ -2816,7 +2816,7 @@
           <a:p>
             <a:fld id="{594D2CB0-1BE6-3F47-AD89-DEA7CD3F203F}" type="datetimeFigureOut">
               <a:rPr lang="en-US" smtClean="0"/>
-              <a:t>4/1/19</a:t>
+              <a:t>4/1/2019</a:t>
             </a:fld>
             <a:endParaRPr lang="en-US"/>
           </a:p>
@@ -3104,7 +3104,7 @@
           <a:p>
             <a:fld id="{594D2CB0-1BE6-3F47-AD89-DEA7CD3F203F}" type="datetimeFigureOut">
               <a:rPr lang="en-US" smtClean="0"/>
-              <a:t>4/1/19</a:t>
+              <a:t>4/1/2019</a:t>
             </a:fld>
             <a:endParaRPr lang="en-US"/>
           </a:p>
@@ -3345,7 +3345,7 @@
           <a:p>
             <a:fld id="{594D2CB0-1BE6-3F47-AD89-DEA7CD3F203F}" type="datetimeFigureOut">
               <a:rPr lang="en-US" smtClean="0"/>
-              <a:t>4/1/19</a:t>
+              <a:t>4/1/2019</a:t>
             </a:fld>
             <a:endParaRPr lang="en-US"/>
           </a:p>
@@ -6084,7 +6084,7 @@
         </p:nvSpPr>
         <p:spPr>
           <a:xfrm rot="18286414" flipH="1">
-            <a:off x="6627223" y="2899440"/>
+            <a:off x="5658514" y="2870216"/>
             <a:ext cx="1102831" cy="812584"/>
           </a:xfrm>
           <a:prstGeom prst="arc">
@@ -6136,7 +6136,7 @@
         </p:nvSpPr>
         <p:spPr>
           <a:xfrm>
-            <a:off x="6688616" y="2376642"/>
+            <a:off x="5719907" y="2347418"/>
             <a:ext cx="566792" cy="505146"/>
           </a:xfrm>
           <a:prstGeom prst="ellipse">
@@ -6190,7 +6190,7 @@
         </p:nvSpPr>
         <p:spPr>
           <a:xfrm>
-            <a:off x="7475324" y="2343447"/>
+            <a:off x="6506615" y="2314223"/>
             <a:ext cx="566792" cy="505146"/>
           </a:xfrm>
           <a:prstGeom prst="ellipse">
@@ -6244,7 +6244,7 @@
         </p:nvSpPr>
         <p:spPr>
           <a:xfrm>
-            <a:off x="7071464" y="2610060"/>
+            <a:off x="6102755" y="2580836"/>
             <a:ext cx="566792" cy="505146"/>
           </a:xfrm>
           <a:prstGeom prst="ellipse">
@@ -6296,7 +6296,7 @@
         </p:nvSpPr>
         <p:spPr>
           <a:xfrm>
-            <a:off x="7870952" y="1316849"/>
+            <a:off x="6902243" y="1287625"/>
             <a:ext cx="566792" cy="505146"/>
           </a:xfrm>
           <a:prstGeom prst="ellipse">
@@ -6350,7 +6350,7 @@
         </p:nvSpPr>
         <p:spPr>
           <a:xfrm>
-            <a:off x="6251759" y="1319210"/>
+            <a:off x="5283050" y="1289986"/>
             <a:ext cx="566792" cy="505146"/>
           </a:xfrm>
           <a:prstGeom prst="ellipse">
@@ -6404,7 +6404,7 @@
         </p:nvSpPr>
         <p:spPr>
           <a:xfrm>
-            <a:off x="6421012" y="1316849"/>
+            <a:off x="5452303" y="1287625"/>
             <a:ext cx="1859623" cy="1623317"/>
           </a:xfrm>
           <a:prstGeom prst="ellipse">
@@ -6458,7 +6458,7 @@
         </p:nvSpPr>
         <p:spPr>
           <a:xfrm>
-            <a:off x="7215545" y="2277668"/>
+            <a:off x="6246836" y="2248444"/>
             <a:ext cx="237163" cy="160962"/>
           </a:xfrm>
           <a:prstGeom prst="ellipse">
@@ -6512,7 +6512,7 @@
         </p:nvSpPr>
         <p:spPr>
           <a:xfrm rot="2164208">
-            <a:off x="7437827" y="1712526"/>
+            <a:off x="6469118" y="1683302"/>
             <a:ext cx="615083" cy="505146"/>
           </a:xfrm>
           <a:prstGeom prst="ellipse">
@@ -6566,7 +6566,7 @@
         </p:nvSpPr>
         <p:spPr>
           <a:xfrm rot="18844437">
-            <a:off x="6645206" y="1713422"/>
+            <a:off x="5676497" y="1684198"/>
             <a:ext cx="615083" cy="505146"/>
           </a:xfrm>
           <a:prstGeom prst="ellipse">
@@ -6620,7 +6620,7 @@
         </p:nvSpPr>
         <p:spPr>
           <a:xfrm>
-            <a:off x="6931521" y="1821995"/>
+            <a:off x="5962812" y="1792771"/>
             <a:ext cx="155142" cy="151183"/>
           </a:xfrm>
           <a:prstGeom prst="ellipse">
@@ -6674,7 +6674,7 @@
         </p:nvSpPr>
         <p:spPr>
           <a:xfrm>
-            <a:off x="7576980" y="1821995"/>
+            <a:off x="6608271" y="1792771"/>
             <a:ext cx="155142" cy="151183"/>
           </a:xfrm>
           <a:prstGeom prst="ellipse">
@@ -6728,7 +6728,7 @@
         </p:nvSpPr>
         <p:spPr>
           <a:xfrm>
-            <a:off x="6601098" y="2736765"/>
+            <a:off x="5632389" y="2707541"/>
             <a:ext cx="566792" cy="505146"/>
           </a:xfrm>
           <a:prstGeom prst="ellipse">
@@ -6782,7 +6782,7 @@
         </p:nvSpPr>
         <p:spPr>
           <a:xfrm>
-            <a:off x="7534796" y="2736765"/>
+            <a:off x="6566087" y="2707541"/>
             <a:ext cx="566792" cy="505146"/>
           </a:xfrm>
           <a:prstGeom prst="ellipse">
@@ -6836,7 +6836,7 @@
         </p:nvSpPr>
         <p:spPr>
           <a:xfrm>
-            <a:off x="7270207" y="3040655"/>
+            <a:off x="6301498" y="3011431"/>
             <a:ext cx="90469" cy="170963"/>
           </a:xfrm>
           <a:prstGeom prst="ellipse">
@@ -6888,7 +6888,7 @@
         </p:nvSpPr>
         <p:spPr>
           <a:xfrm>
-            <a:off x="7335557" y="3025906"/>
+            <a:off x="6366848" y="2996682"/>
             <a:ext cx="97279" cy="185625"/>
           </a:xfrm>
           <a:prstGeom prst="ellipse">
@@ -6940,7 +6940,7 @@
         </p:nvSpPr>
         <p:spPr>
           <a:xfrm rot="10800000">
-            <a:off x="7311926" y="3149126"/>
+            <a:off x="6343217" y="3119902"/>
             <a:ext cx="122944" cy="419304"/>
           </a:xfrm>
           <a:prstGeom prst="triangle">
@@ -6992,7 +6992,7 @@
         </p:nvSpPr>
         <p:spPr>
           <a:xfrm rot="10800000">
-            <a:off x="7277856" y="3149126"/>
+            <a:off x="6309147" y="3119902"/>
             <a:ext cx="150992" cy="514211"/>
           </a:xfrm>
           <a:prstGeom prst="triangle">
@@ -7046,7 +7046,7 @@
         </p:nvSpPr>
         <p:spPr>
           <a:xfrm rot="10800000">
-            <a:off x="7262395" y="3083643"/>
+            <a:off x="6293686" y="3054419"/>
             <a:ext cx="190065" cy="75997"/>
           </a:xfrm>
           <a:prstGeom prst="trapezoid">
@@ -7100,7 +7100,7 @@
         </p:nvSpPr>
         <p:spPr>
           <a:xfrm rot="7537723">
-            <a:off x="7174002" y="2691819"/>
+            <a:off x="6205293" y="2662595"/>
             <a:ext cx="443364" cy="408350"/>
           </a:xfrm>
           <a:prstGeom prst="arc">
@@ -7152,7 +7152,7 @@
         </p:nvSpPr>
         <p:spPr>
           <a:xfrm rot="11430463">
-            <a:off x="7074896" y="2692294"/>
+            <a:off x="6106187" y="2663070"/>
             <a:ext cx="443364" cy="408350"/>
           </a:xfrm>
           <a:prstGeom prst="arc">
@@ -7208,7 +7208,7 @@
         </p:nvCxnSpPr>
         <p:spPr>
           <a:xfrm>
-            <a:off x="7277856" y="3149126"/>
+            <a:off x="6309147" y="3119902"/>
             <a:ext cx="95542" cy="419304"/>
           </a:xfrm>
           <a:prstGeom prst="line">
@@ -7251,7 +7251,7 @@
         </p:nvCxnSpPr>
         <p:spPr>
           <a:xfrm flipH="1">
-            <a:off x="7375383" y="3152779"/>
+            <a:off x="6406674" y="3123555"/>
             <a:ext cx="57007" cy="419304"/>
           </a:xfrm>
           <a:prstGeom prst="line">
@@ -7294,7 +7294,7 @@
         </p:nvCxnSpPr>
         <p:spPr>
           <a:xfrm>
-            <a:off x="7277454" y="3156760"/>
+            <a:off x="6308745" y="3127536"/>
             <a:ext cx="50710" cy="510946"/>
           </a:xfrm>
           <a:prstGeom prst="line">
@@ -7337,7 +7337,7 @@
         </p:nvCxnSpPr>
         <p:spPr>
           <a:xfrm flipH="1">
-            <a:off x="7325158" y="3516159"/>
+            <a:off x="6356449" y="3486935"/>
             <a:ext cx="31303" cy="145018"/>
           </a:xfrm>
           <a:prstGeom prst="line">
@@ -7378,7 +7378,7 @@
         </p:nvGrpSpPr>
         <p:grpSpPr>
           <a:xfrm rot="19181437">
-            <a:off x="6027698" y="2057452"/>
+            <a:off x="5058989" y="2028228"/>
             <a:ext cx="1112170" cy="1398785"/>
             <a:chOff x="4594458" y="2746336"/>
             <a:chExt cx="1112170" cy="1398785"/>
@@ -8100,7 +8100,7 @@
         </p:nvSpPr>
         <p:spPr>
           <a:xfrm rot="3030456">
-            <a:off x="6991566" y="2897081"/>
+            <a:off x="6022857" y="2867857"/>
             <a:ext cx="1050504" cy="812584"/>
           </a:xfrm>
           <a:prstGeom prst="arc">
@@ -8152,7 +8152,7 @@
         </p:nvSpPr>
         <p:spPr>
           <a:xfrm rot="8206540">
-            <a:off x="7331948" y="2238136"/>
+            <a:off x="6363239" y="2208912"/>
             <a:ext cx="341259" cy="340252"/>
           </a:xfrm>
           <a:prstGeom prst="arc">
@@ -8204,13 +8204,2185 @@
         </p:nvSpPr>
         <p:spPr>
           <a:xfrm rot="6987695">
-            <a:off x="6996597" y="2244814"/>
+            <a:off x="6027888" y="2215590"/>
             <a:ext cx="341259" cy="340252"/>
           </a:xfrm>
           <a:prstGeom prst="arc">
             <a:avLst>
               <a:gd name="adj1" fmla="val 14364527"/>
               <a:gd name="adj2" fmla="val 29172"/>
+            </a:avLst>
+          </a:prstGeom>
+          <a:ln w="19050">
+            <a:solidFill>
+              <a:schemeClr val="tx1"/>
+            </a:solidFill>
+          </a:ln>
+        </p:spPr>
+        <p:style>
+          <a:lnRef idx="1">
+            <a:schemeClr val="accent1"/>
+          </a:lnRef>
+          <a:fillRef idx="0">
+            <a:schemeClr val="accent1"/>
+          </a:fillRef>
+          <a:effectRef idx="0">
+            <a:schemeClr val="accent1"/>
+          </a:effectRef>
+          <a:fontRef idx="minor">
+            <a:schemeClr val="tx1"/>
+          </a:fontRef>
+        </p:style>
+        <p:txBody>
+          <a:bodyPr rtlCol="0" anchor="ctr"/>
+          <a:lstStyle/>
+          <a:p>
+            <a:pPr algn="ctr"/>
+            <a:endParaRPr lang="en-US"/>
+          </a:p>
+        </p:txBody>
+      </p:sp>
+      <p:sp>
+        <p:nvSpPr>
+          <p:cNvPr id="106" name="Arc 55">
+            <a:extLst>
+              <a:ext uri="{FF2B5EF4-FFF2-40B4-BE49-F238E27FC236}">
+                <a16:creationId xmlns:a16="http://schemas.microsoft.com/office/drawing/2014/main" id="{45700871-C0A8-41E0-8B4D-8CAFD1F890C9}"/>
+              </a:ext>
+            </a:extLst>
+          </p:cNvPr>
+          <p:cNvSpPr/>
+          <p:nvPr/>
+        </p:nvSpPr>
+        <p:spPr>
+          <a:xfrm rot="18286414" flipH="1">
+            <a:off x="9520518" y="2899441"/>
+            <a:ext cx="1102831" cy="812584"/>
+          </a:xfrm>
+          <a:prstGeom prst="arc">
+            <a:avLst>
+              <a:gd name="adj1" fmla="val 16200000"/>
+              <a:gd name="adj2" fmla="val 19569631"/>
+            </a:avLst>
+          </a:prstGeom>
+          <a:ln w="12700">
+            <a:solidFill>
+              <a:schemeClr val="tx1"/>
+            </a:solidFill>
+          </a:ln>
+        </p:spPr>
+        <p:style>
+          <a:lnRef idx="1">
+            <a:schemeClr val="accent1"/>
+          </a:lnRef>
+          <a:fillRef idx="0">
+            <a:schemeClr val="accent1"/>
+          </a:fillRef>
+          <a:effectRef idx="0">
+            <a:schemeClr val="accent1"/>
+          </a:effectRef>
+          <a:fontRef idx="minor">
+            <a:schemeClr val="tx1"/>
+          </a:fontRef>
+        </p:style>
+        <p:txBody>
+          <a:bodyPr rtlCol="0" anchor="ctr"/>
+          <a:lstStyle/>
+          <a:p>
+            <a:pPr algn="ctr"/>
+            <a:endParaRPr lang="en-US"/>
+          </a:p>
+        </p:txBody>
+      </p:sp>
+      <p:sp>
+        <p:nvSpPr>
+          <p:cNvPr id="107" name="Oval 56">
+            <a:extLst>
+              <a:ext uri="{FF2B5EF4-FFF2-40B4-BE49-F238E27FC236}">
+                <a16:creationId xmlns:a16="http://schemas.microsoft.com/office/drawing/2014/main" id="{5446F97B-E5E0-4243-9A0F-AB9270665048}"/>
+              </a:ext>
+            </a:extLst>
+          </p:cNvPr>
+          <p:cNvSpPr/>
+          <p:nvPr/>
+        </p:nvSpPr>
+        <p:spPr>
+          <a:xfrm>
+            <a:off x="9581911" y="2376643"/>
+            <a:ext cx="566792" cy="505146"/>
+          </a:xfrm>
+          <a:prstGeom prst="ellipse">
+            <a:avLst/>
+          </a:prstGeom>
+          <a:solidFill>
+            <a:srgbClr val="FF0000"/>
+          </a:solidFill>
+          <a:ln>
+            <a:solidFill>
+              <a:schemeClr val="tx1"/>
+            </a:solidFill>
+          </a:ln>
+        </p:spPr>
+        <p:style>
+          <a:lnRef idx="2">
+            <a:schemeClr val="accent1">
+              <a:shade val="50000"/>
+            </a:schemeClr>
+          </a:lnRef>
+          <a:fillRef idx="1">
+            <a:schemeClr val="accent1"/>
+          </a:fillRef>
+          <a:effectRef idx="0">
+            <a:schemeClr val="accent1"/>
+          </a:effectRef>
+          <a:fontRef idx="minor">
+            <a:schemeClr val="lt1"/>
+          </a:fontRef>
+        </p:style>
+        <p:txBody>
+          <a:bodyPr rtlCol="0" anchor="ctr"/>
+          <a:lstStyle/>
+          <a:p>
+            <a:pPr algn="ctr"/>
+            <a:endParaRPr lang="en-US"/>
+          </a:p>
+        </p:txBody>
+      </p:sp>
+      <p:sp>
+        <p:nvSpPr>
+          <p:cNvPr id="108" name="Oval 57">
+            <a:extLst>
+              <a:ext uri="{FF2B5EF4-FFF2-40B4-BE49-F238E27FC236}">
+                <a16:creationId xmlns:a16="http://schemas.microsoft.com/office/drawing/2014/main" id="{7BED2637-2A43-447A-8D50-B3078CBC1559}"/>
+              </a:ext>
+            </a:extLst>
+          </p:cNvPr>
+          <p:cNvSpPr/>
+          <p:nvPr/>
+        </p:nvSpPr>
+        <p:spPr>
+          <a:xfrm>
+            <a:off x="10368619" y="2343448"/>
+            <a:ext cx="566792" cy="505146"/>
+          </a:xfrm>
+          <a:prstGeom prst="ellipse">
+            <a:avLst/>
+          </a:prstGeom>
+          <a:solidFill>
+            <a:srgbClr val="FF0000"/>
+          </a:solidFill>
+          <a:ln>
+            <a:solidFill>
+              <a:schemeClr val="tx1"/>
+            </a:solidFill>
+          </a:ln>
+        </p:spPr>
+        <p:style>
+          <a:lnRef idx="2">
+            <a:schemeClr val="accent1">
+              <a:shade val="50000"/>
+            </a:schemeClr>
+          </a:lnRef>
+          <a:fillRef idx="1">
+            <a:schemeClr val="accent1"/>
+          </a:fillRef>
+          <a:effectRef idx="0">
+            <a:schemeClr val="accent1"/>
+          </a:effectRef>
+          <a:fontRef idx="minor">
+            <a:schemeClr val="lt1"/>
+          </a:fontRef>
+        </p:style>
+        <p:txBody>
+          <a:bodyPr rtlCol="0" anchor="ctr"/>
+          <a:lstStyle/>
+          <a:p>
+            <a:pPr algn="ctr"/>
+            <a:endParaRPr lang="en-US"/>
+          </a:p>
+        </p:txBody>
+      </p:sp>
+      <p:sp>
+        <p:nvSpPr>
+          <p:cNvPr id="109" name="Oval 59">
+            <a:extLst>
+              <a:ext uri="{FF2B5EF4-FFF2-40B4-BE49-F238E27FC236}">
+                <a16:creationId xmlns:a16="http://schemas.microsoft.com/office/drawing/2014/main" id="{9F77C048-776D-41AC-97D9-CDD9A4AD9E89}"/>
+              </a:ext>
+            </a:extLst>
+          </p:cNvPr>
+          <p:cNvSpPr/>
+          <p:nvPr/>
+        </p:nvSpPr>
+        <p:spPr>
+          <a:xfrm>
+            <a:off x="9964759" y="2610061"/>
+            <a:ext cx="566792" cy="505146"/>
+          </a:xfrm>
+          <a:prstGeom prst="ellipse">
+            <a:avLst/>
+          </a:prstGeom>
+          <a:solidFill>
+            <a:srgbClr val="FF0000"/>
+          </a:solidFill>
+          <a:ln>
+            <a:noFill/>
+          </a:ln>
+        </p:spPr>
+        <p:style>
+          <a:lnRef idx="2">
+            <a:schemeClr val="accent1">
+              <a:shade val="50000"/>
+            </a:schemeClr>
+          </a:lnRef>
+          <a:fillRef idx="1">
+            <a:schemeClr val="accent1"/>
+          </a:fillRef>
+          <a:effectRef idx="0">
+            <a:schemeClr val="accent1"/>
+          </a:effectRef>
+          <a:fontRef idx="minor">
+            <a:schemeClr val="lt1"/>
+          </a:fontRef>
+        </p:style>
+        <p:txBody>
+          <a:bodyPr rtlCol="0" anchor="ctr"/>
+          <a:lstStyle/>
+          <a:p>
+            <a:pPr algn="ctr"/>
+            <a:endParaRPr lang="en-US"/>
+          </a:p>
+        </p:txBody>
+      </p:sp>
+      <p:sp>
+        <p:nvSpPr>
+          <p:cNvPr id="110" name="Oval 60">
+            <a:extLst>
+              <a:ext uri="{FF2B5EF4-FFF2-40B4-BE49-F238E27FC236}">
+                <a16:creationId xmlns:a16="http://schemas.microsoft.com/office/drawing/2014/main" id="{925118A9-CACF-4B8D-B567-9C0D120435F4}"/>
+              </a:ext>
+            </a:extLst>
+          </p:cNvPr>
+          <p:cNvSpPr/>
+          <p:nvPr/>
+        </p:nvSpPr>
+        <p:spPr>
+          <a:xfrm>
+            <a:off x="10764247" y="1316850"/>
+            <a:ext cx="566792" cy="505146"/>
+          </a:xfrm>
+          <a:prstGeom prst="ellipse">
+            <a:avLst/>
+          </a:prstGeom>
+          <a:solidFill>
+            <a:schemeClr val="tx1"/>
+          </a:solidFill>
+          <a:ln>
+            <a:solidFill>
+              <a:schemeClr val="tx1"/>
+            </a:solidFill>
+          </a:ln>
+        </p:spPr>
+        <p:style>
+          <a:lnRef idx="2">
+            <a:schemeClr val="accent1">
+              <a:shade val="50000"/>
+            </a:schemeClr>
+          </a:lnRef>
+          <a:fillRef idx="1">
+            <a:schemeClr val="accent1"/>
+          </a:fillRef>
+          <a:effectRef idx="0">
+            <a:schemeClr val="accent1"/>
+          </a:effectRef>
+          <a:fontRef idx="minor">
+            <a:schemeClr val="lt1"/>
+          </a:fontRef>
+        </p:style>
+        <p:txBody>
+          <a:bodyPr rtlCol="0" anchor="ctr"/>
+          <a:lstStyle/>
+          <a:p>
+            <a:pPr algn="ctr"/>
+            <a:endParaRPr lang="en-US"/>
+          </a:p>
+        </p:txBody>
+      </p:sp>
+      <p:sp>
+        <p:nvSpPr>
+          <p:cNvPr id="111" name="Oval 61">
+            <a:extLst>
+              <a:ext uri="{FF2B5EF4-FFF2-40B4-BE49-F238E27FC236}">
+                <a16:creationId xmlns:a16="http://schemas.microsoft.com/office/drawing/2014/main" id="{3E34ABB5-9133-491B-9067-A66D45000857}"/>
+              </a:ext>
+            </a:extLst>
+          </p:cNvPr>
+          <p:cNvSpPr/>
+          <p:nvPr/>
+        </p:nvSpPr>
+        <p:spPr>
+          <a:xfrm>
+            <a:off x="9145054" y="1319211"/>
+            <a:ext cx="566792" cy="505146"/>
+          </a:xfrm>
+          <a:prstGeom prst="ellipse">
+            <a:avLst/>
+          </a:prstGeom>
+          <a:solidFill>
+            <a:schemeClr val="tx1"/>
+          </a:solidFill>
+          <a:ln>
+            <a:solidFill>
+              <a:schemeClr val="tx1"/>
+            </a:solidFill>
+          </a:ln>
+        </p:spPr>
+        <p:style>
+          <a:lnRef idx="2">
+            <a:schemeClr val="accent1">
+              <a:shade val="50000"/>
+            </a:schemeClr>
+          </a:lnRef>
+          <a:fillRef idx="1">
+            <a:schemeClr val="accent1"/>
+          </a:fillRef>
+          <a:effectRef idx="0">
+            <a:schemeClr val="accent1"/>
+          </a:effectRef>
+          <a:fontRef idx="minor">
+            <a:schemeClr val="lt1"/>
+          </a:fontRef>
+        </p:style>
+        <p:txBody>
+          <a:bodyPr rtlCol="0" anchor="ctr"/>
+          <a:lstStyle/>
+          <a:p>
+            <a:pPr algn="ctr"/>
+            <a:endParaRPr lang="en-US"/>
+          </a:p>
+        </p:txBody>
+      </p:sp>
+      <p:sp>
+        <p:nvSpPr>
+          <p:cNvPr id="112" name="Oval 62">
+            <a:extLst>
+              <a:ext uri="{FF2B5EF4-FFF2-40B4-BE49-F238E27FC236}">
+                <a16:creationId xmlns:a16="http://schemas.microsoft.com/office/drawing/2014/main" id="{4CCEDA23-CD0B-46D6-881D-FE0E16A3CA8A}"/>
+              </a:ext>
+            </a:extLst>
+          </p:cNvPr>
+          <p:cNvSpPr/>
+          <p:nvPr/>
+        </p:nvSpPr>
+        <p:spPr>
+          <a:xfrm>
+            <a:off x="9314307" y="1316850"/>
+            <a:ext cx="1859623" cy="1623317"/>
+          </a:xfrm>
+          <a:prstGeom prst="ellipse">
+            <a:avLst/>
+          </a:prstGeom>
+          <a:solidFill>
+            <a:schemeClr val="bg1"/>
+          </a:solidFill>
+          <a:ln>
+            <a:solidFill>
+              <a:schemeClr val="tx1"/>
+            </a:solidFill>
+          </a:ln>
+        </p:spPr>
+        <p:style>
+          <a:lnRef idx="2">
+            <a:schemeClr val="accent1">
+              <a:shade val="50000"/>
+            </a:schemeClr>
+          </a:lnRef>
+          <a:fillRef idx="1">
+            <a:schemeClr val="accent1"/>
+          </a:fillRef>
+          <a:effectRef idx="0">
+            <a:schemeClr val="accent1"/>
+          </a:effectRef>
+          <a:fontRef idx="minor">
+            <a:schemeClr val="lt1"/>
+          </a:fontRef>
+        </p:style>
+        <p:txBody>
+          <a:bodyPr rtlCol="0" anchor="ctr"/>
+          <a:lstStyle/>
+          <a:p>
+            <a:pPr algn="ctr"/>
+            <a:endParaRPr lang="en-US" dirty="0"/>
+          </a:p>
+        </p:txBody>
+      </p:sp>
+      <p:sp>
+        <p:nvSpPr>
+          <p:cNvPr id="113" name="Oval 63">
+            <a:extLst>
+              <a:ext uri="{FF2B5EF4-FFF2-40B4-BE49-F238E27FC236}">
+                <a16:creationId xmlns:a16="http://schemas.microsoft.com/office/drawing/2014/main" id="{35722ED6-C2AA-4D63-8D6C-97790E791D54}"/>
+              </a:ext>
+            </a:extLst>
+          </p:cNvPr>
+          <p:cNvSpPr/>
+          <p:nvPr/>
+        </p:nvSpPr>
+        <p:spPr>
+          <a:xfrm>
+            <a:off x="10108840" y="2277669"/>
+            <a:ext cx="237163" cy="160962"/>
+          </a:xfrm>
+          <a:prstGeom prst="ellipse">
+            <a:avLst/>
+          </a:prstGeom>
+          <a:solidFill>
+            <a:schemeClr val="tx1"/>
+          </a:solidFill>
+          <a:ln>
+            <a:solidFill>
+              <a:schemeClr val="tx1"/>
+            </a:solidFill>
+          </a:ln>
+        </p:spPr>
+        <p:style>
+          <a:lnRef idx="2">
+            <a:schemeClr val="accent1">
+              <a:shade val="50000"/>
+            </a:schemeClr>
+          </a:lnRef>
+          <a:fillRef idx="1">
+            <a:schemeClr val="accent1"/>
+          </a:fillRef>
+          <a:effectRef idx="0">
+            <a:schemeClr val="accent1"/>
+          </a:effectRef>
+          <a:fontRef idx="minor">
+            <a:schemeClr val="lt1"/>
+          </a:fontRef>
+        </p:style>
+        <p:txBody>
+          <a:bodyPr rtlCol="0" anchor="ctr"/>
+          <a:lstStyle/>
+          <a:p>
+            <a:pPr algn="ctr"/>
+            <a:endParaRPr lang="en-US"/>
+          </a:p>
+        </p:txBody>
+      </p:sp>
+      <p:sp>
+        <p:nvSpPr>
+          <p:cNvPr id="114" name="Oval 68">
+            <a:extLst>
+              <a:ext uri="{FF2B5EF4-FFF2-40B4-BE49-F238E27FC236}">
+                <a16:creationId xmlns:a16="http://schemas.microsoft.com/office/drawing/2014/main" id="{641513E2-8F5F-440F-B25B-94ABA74C974C}"/>
+              </a:ext>
+            </a:extLst>
+          </p:cNvPr>
+          <p:cNvSpPr/>
+          <p:nvPr/>
+        </p:nvSpPr>
+        <p:spPr>
+          <a:xfrm rot="2164208">
+            <a:off x="10331122" y="1712527"/>
+            <a:ext cx="615083" cy="505146"/>
+          </a:xfrm>
+          <a:prstGeom prst="ellipse">
+            <a:avLst/>
+          </a:prstGeom>
+          <a:solidFill>
+            <a:schemeClr val="tx1"/>
+          </a:solidFill>
+          <a:ln>
+            <a:solidFill>
+              <a:schemeClr val="tx1"/>
+            </a:solidFill>
+          </a:ln>
+        </p:spPr>
+        <p:style>
+          <a:lnRef idx="2">
+            <a:schemeClr val="accent1">
+              <a:shade val="50000"/>
+            </a:schemeClr>
+          </a:lnRef>
+          <a:fillRef idx="1">
+            <a:schemeClr val="accent1"/>
+          </a:fillRef>
+          <a:effectRef idx="0">
+            <a:schemeClr val="accent1"/>
+          </a:effectRef>
+          <a:fontRef idx="minor">
+            <a:schemeClr val="lt1"/>
+          </a:fontRef>
+        </p:style>
+        <p:txBody>
+          <a:bodyPr rtlCol="0" anchor="ctr"/>
+          <a:lstStyle/>
+          <a:p>
+            <a:pPr algn="ctr"/>
+            <a:endParaRPr lang="en-US"/>
+          </a:p>
+        </p:txBody>
+      </p:sp>
+      <p:sp>
+        <p:nvSpPr>
+          <p:cNvPr id="115" name="Oval 69">
+            <a:extLst>
+              <a:ext uri="{FF2B5EF4-FFF2-40B4-BE49-F238E27FC236}">
+                <a16:creationId xmlns:a16="http://schemas.microsoft.com/office/drawing/2014/main" id="{F5D870A9-7A15-401A-8A39-02467C200D7B}"/>
+              </a:ext>
+            </a:extLst>
+          </p:cNvPr>
+          <p:cNvSpPr/>
+          <p:nvPr/>
+        </p:nvSpPr>
+        <p:spPr>
+          <a:xfrm rot="18844437">
+            <a:off x="9538501" y="1713423"/>
+            <a:ext cx="615083" cy="505146"/>
+          </a:xfrm>
+          <a:prstGeom prst="ellipse">
+            <a:avLst/>
+          </a:prstGeom>
+          <a:solidFill>
+            <a:schemeClr val="tx1"/>
+          </a:solidFill>
+          <a:ln>
+            <a:solidFill>
+              <a:schemeClr val="tx1"/>
+            </a:solidFill>
+          </a:ln>
+        </p:spPr>
+        <p:style>
+          <a:lnRef idx="2">
+            <a:schemeClr val="accent1">
+              <a:shade val="50000"/>
+            </a:schemeClr>
+          </a:lnRef>
+          <a:fillRef idx="1">
+            <a:schemeClr val="accent1"/>
+          </a:fillRef>
+          <a:effectRef idx="0">
+            <a:schemeClr val="accent1"/>
+          </a:effectRef>
+          <a:fontRef idx="minor">
+            <a:schemeClr val="lt1"/>
+          </a:fontRef>
+        </p:style>
+        <p:txBody>
+          <a:bodyPr rtlCol="0" anchor="ctr"/>
+          <a:lstStyle/>
+          <a:p>
+            <a:pPr algn="ctr"/>
+            <a:endParaRPr lang="en-US"/>
+          </a:p>
+        </p:txBody>
+      </p:sp>
+      <p:sp>
+        <p:nvSpPr>
+          <p:cNvPr id="116" name="Oval 70">
+            <a:extLst>
+              <a:ext uri="{FF2B5EF4-FFF2-40B4-BE49-F238E27FC236}">
+                <a16:creationId xmlns:a16="http://schemas.microsoft.com/office/drawing/2014/main" id="{F3F26582-433F-4841-AEC5-27B76CFECE53}"/>
+              </a:ext>
+            </a:extLst>
+          </p:cNvPr>
+          <p:cNvSpPr/>
+          <p:nvPr/>
+        </p:nvSpPr>
+        <p:spPr>
+          <a:xfrm>
+            <a:off x="9824816" y="1821996"/>
+            <a:ext cx="155142" cy="151183"/>
+          </a:xfrm>
+          <a:prstGeom prst="ellipse">
+            <a:avLst/>
+          </a:prstGeom>
+          <a:solidFill>
+            <a:schemeClr val="bg1"/>
+          </a:solidFill>
+          <a:ln>
+            <a:solidFill>
+              <a:schemeClr val="bg1"/>
+            </a:solidFill>
+          </a:ln>
+        </p:spPr>
+        <p:style>
+          <a:lnRef idx="2">
+            <a:schemeClr val="accent1">
+              <a:shade val="50000"/>
+            </a:schemeClr>
+          </a:lnRef>
+          <a:fillRef idx="1">
+            <a:schemeClr val="accent1"/>
+          </a:fillRef>
+          <a:effectRef idx="0">
+            <a:schemeClr val="accent1"/>
+          </a:effectRef>
+          <a:fontRef idx="minor">
+            <a:schemeClr val="lt1"/>
+          </a:fontRef>
+        </p:style>
+        <p:txBody>
+          <a:bodyPr rtlCol="0" anchor="ctr"/>
+          <a:lstStyle/>
+          <a:p>
+            <a:pPr algn="ctr"/>
+            <a:endParaRPr lang="en-US"/>
+          </a:p>
+        </p:txBody>
+      </p:sp>
+      <p:sp>
+        <p:nvSpPr>
+          <p:cNvPr id="117" name="Oval 71">
+            <a:extLst>
+              <a:ext uri="{FF2B5EF4-FFF2-40B4-BE49-F238E27FC236}">
+                <a16:creationId xmlns:a16="http://schemas.microsoft.com/office/drawing/2014/main" id="{DDF2DFB5-9BCB-40B1-AB28-E80D3BB61F28}"/>
+              </a:ext>
+            </a:extLst>
+          </p:cNvPr>
+          <p:cNvSpPr/>
+          <p:nvPr/>
+        </p:nvSpPr>
+        <p:spPr>
+          <a:xfrm>
+            <a:off x="10470275" y="1821996"/>
+            <a:ext cx="155142" cy="151183"/>
+          </a:xfrm>
+          <a:prstGeom prst="ellipse">
+            <a:avLst/>
+          </a:prstGeom>
+          <a:solidFill>
+            <a:schemeClr val="bg1"/>
+          </a:solidFill>
+          <a:ln>
+            <a:solidFill>
+              <a:schemeClr val="bg1"/>
+            </a:solidFill>
+          </a:ln>
+        </p:spPr>
+        <p:style>
+          <a:lnRef idx="2">
+            <a:schemeClr val="accent1">
+              <a:shade val="50000"/>
+            </a:schemeClr>
+          </a:lnRef>
+          <a:fillRef idx="1">
+            <a:schemeClr val="accent1"/>
+          </a:fillRef>
+          <a:effectRef idx="0">
+            <a:schemeClr val="accent1"/>
+          </a:effectRef>
+          <a:fontRef idx="minor">
+            <a:schemeClr val="lt1"/>
+          </a:fontRef>
+        </p:style>
+        <p:txBody>
+          <a:bodyPr rtlCol="0" anchor="ctr"/>
+          <a:lstStyle/>
+          <a:p>
+            <a:pPr algn="ctr"/>
+            <a:endParaRPr lang="en-US"/>
+          </a:p>
+        </p:txBody>
+      </p:sp>
+      <p:sp>
+        <p:nvSpPr>
+          <p:cNvPr id="118" name="Oval 72">
+            <a:extLst>
+              <a:ext uri="{FF2B5EF4-FFF2-40B4-BE49-F238E27FC236}">
+                <a16:creationId xmlns:a16="http://schemas.microsoft.com/office/drawing/2014/main" id="{61446C34-9129-47AE-BDA3-5D1CEB9B74D3}"/>
+              </a:ext>
+            </a:extLst>
+          </p:cNvPr>
+          <p:cNvSpPr/>
+          <p:nvPr/>
+        </p:nvSpPr>
+        <p:spPr>
+          <a:xfrm>
+            <a:off x="9494393" y="2736766"/>
+            <a:ext cx="566792" cy="505146"/>
+          </a:xfrm>
+          <a:prstGeom prst="ellipse">
+            <a:avLst/>
+          </a:prstGeom>
+          <a:solidFill>
+            <a:schemeClr val="tx1"/>
+          </a:solidFill>
+          <a:ln>
+            <a:solidFill>
+              <a:schemeClr val="tx1"/>
+            </a:solidFill>
+          </a:ln>
+        </p:spPr>
+        <p:style>
+          <a:lnRef idx="2">
+            <a:schemeClr val="accent1">
+              <a:shade val="50000"/>
+            </a:schemeClr>
+          </a:lnRef>
+          <a:fillRef idx="1">
+            <a:schemeClr val="accent1"/>
+          </a:fillRef>
+          <a:effectRef idx="0">
+            <a:schemeClr val="accent1"/>
+          </a:effectRef>
+          <a:fontRef idx="minor">
+            <a:schemeClr val="lt1"/>
+          </a:fontRef>
+        </p:style>
+        <p:txBody>
+          <a:bodyPr rtlCol="0" anchor="ctr"/>
+          <a:lstStyle/>
+          <a:p>
+            <a:pPr algn="ctr"/>
+            <a:endParaRPr lang="en-US"/>
+          </a:p>
+        </p:txBody>
+      </p:sp>
+      <p:sp>
+        <p:nvSpPr>
+          <p:cNvPr id="119" name="Oval 73">
+            <a:extLst>
+              <a:ext uri="{FF2B5EF4-FFF2-40B4-BE49-F238E27FC236}">
+                <a16:creationId xmlns:a16="http://schemas.microsoft.com/office/drawing/2014/main" id="{07C4F213-B6E0-464E-AB6D-A438FFC691B3}"/>
+              </a:ext>
+            </a:extLst>
+          </p:cNvPr>
+          <p:cNvSpPr/>
+          <p:nvPr/>
+        </p:nvSpPr>
+        <p:spPr>
+          <a:xfrm>
+            <a:off x="10428091" y="2736766"/>
+            <a:ext cx="566792" cy="505146"/>
+          </a:xfrm>
+          <a:prstGeom prst="ellipse">
+            <a:avLst/>
+          </a:prstGeom>
+          <a:solidFill>
+            <a:schemeClr val="tx1"/>
+          </a:solidFill>
+          <a:ln>
+            <a:solidFill>
+              <a:schemeClr val="tx1"/>
+            </a:solidFill>
+          </a:ln>
+        </p:spPr>
+        <p:style>
+          <a:lnRef idx="2">
+            <a:schemeClr val="accent1">
+              <a:shade val="50000"/>
+            </a:schemeClr>
+          </a:lnRef>
+          <a:fillRef idx="1">
+            <a:schemeClr val="accent1"/>
+          </a:fillRef>
+          <a:effectRef idx="0">
+            <a:schemeClr val="accent1"/>
+          </a:effectRef>
+          <a:fontRef idx="minor">
+            <a:schemeClr val="lt1"/>
+          </a:fontRef>
+        </p:style>
+        <p:txBody>
+          <a:bodyPr rtlCol="0" anchor="ctr"/>
+          <a:lstStyle/>
+          <a:p>
+            <a:pPr algn="ctr"/>
+            <a:endParaRPr lang="en-US"/>
+          </a:p>
+        </p:txBody>
+      </p:sp>
+      <p:sp>
+        <p:nvSpPr>
+          <p:cNvPr id="120" name="Oval 75">
+            <a:extLst>
+              <a:ext uri="{FF2B5EF4-FFF2-40B4-BE49-F238E27FC236}">
+                <a16:creationId xmlns:a16="http://schemas.microsoft.com/office/drawing/2014/main" id="{581B658A-E54D-4832-B776-986E4079BEFC}"/>
+              </a:ext>
+            </a:extLst>
+          </p:cNvPr>
+          <p:cNvSpPr/>
+          <p:nvPr/>
+        </p:nvSpPr>
+        <p:spPr>
+          <a:xfrm>
+            <a:off x="10163502" y="3040656"/>
+            <a:ext cx="90469" cy="170963"/>
+          </a:xfrm>
+          <a:prstGeom prst="ellipse">
+            <a:avLst/>
+          </a:prstGeom>
+          <a:solidFill>
+            <a:srgbClr val="FF0000"/>
+          </a:solidFill>
+          <a:ln>
+            <a:noFill/>
+          </a:ln>
+        </p:spPr>
+        <p:style>
+          <a:lnRef idx="2">
+            <a:schemeClr val="accent1">
+              <a:shade val="50000"/>
+            </a:schemeClr>
+          </a:lnRef>
+          <a:fillRef idx="1">
+            <a:schemeClr val="accent1"/>
+          </a:fillRef>
+          <a:effectRef idx="0">
+            <a:schemeClr val="accent1"/>
+          </a:effectRef>
+          <a:fontRef idx="minor">
+            <a:schemeClr val="lt1"/>
+          </a:fontRef>
+        </p:style>
+        <p:txBody>
+          <a:bodyPr rtlCol="0" anchor="ctr"/>
+          <a:lstStyle/>
+          <a:p>
+            <a:pPr algn="ctr"/>
+            <a:endParaRPr lang="en-US"/>
+          </a:p>
+        </p:txBody>
+      </p:sp>
+      <p:sp>
+        <p:nvSpPr>
+          <p:cNvPr id="121" name="Oval 76">
+            <a:extLst>
+              <a:ext uri="{FF2B5EF4-FFF2-40B4-BE49-F238E27FC236}">
+                <a16:creationId xmlns:a16="http://schemas.microsoft.com/office/drawing/2014/main" id="{3195722D-C0D7-4898-9734-E41E1BE7F3E0}"/>
+              </a:ext>
+            </a:extLst>
+          </p:cNvPr>
+          <p:cNvSpPr/>
+          <p:nvPr/>
+        </p:nvSpPr>
+        <p:spPr>
+          <a:xfrm>
+            <a:off x="10228852" y="3025907"/>
+            <a:ext cx="97279" cy="185625"/>
+          </a:xfrm>
+          <a:prstGeom prst="ellipse">
+            <a:avLst/>
+          </a:prstGeom>
+          <a:solidFill>
+            <a:srgbClr val="FF0000"/>
+          </a:solidFill>
+          <a:ln>
+            <a:noFill/>
+          </a:ln>
+        </p:spPr>
+        <p:style>
+          <a:lnRef idx="2">
+            <a:schemeClr val="accent1">
+              <a:shade val="50000"/>
+            </a:schemeClr>
+          </a:lnRef>
+          <a:fillRef idx="1">
+            <a:schemeClr val="accent1"/>
+          </a:fillRef>
+          <a:effectRef idx="0">
+            <a:schemeClr val="accent1"/>
+          </a:effectRef>
+          <a:fontRef idx="minor">
+            <a:schemeClr val="lt1"/>
+          </a:fontRef>
+        </p:style>
+        <p:txBody>
+          <a:bodyPr rtlCol="0" anchor="ctr"/>
+          <a:lstStyle/>
+          <a:p>
+            <a:pPr algn="ctr"/>
+            <a:endParaRPr lang="en-US"/>
+          </a:p>
+        </p:txBody>
+      </p:sp>
+      <p:sp>
+        <p:nvSpPr>
+          <p:cNvPr id="122" name="Triangle 77">
+            <a:extLst>
+              <a:ext uri="{FF2B5EF4-FFF2-40B4-BE49-F238E27FC236}">
+                <a16:creationId xmlns:a16="http://schemas.microsoft.com/office/drawing/2014/main" id="{AF84F8DD-A720-47B7-9A13-F9CF011DC233}"/>
+              </a:ext>
+            </a:extLst>
+          </p:cNvPr>
+          <p:cNvSpPr/>
+          <p:nvPr/>
+        </p:nvSpPr>
+        <p:spPr>
+          <a:xfrm rot="10800000">
+            <a:off x="10205221" y="3149127"/>
+            <a:ext cx="122944" cy="419304"/>
+          </a:xfrm>
+          <a:prstGeom prst="triangle">
+            <a:avLst/>
+          </a:prstGeom>
+          <a:solidFill>
+            <a:srgbClr val="FF0000"/>
+          </a:solidFill>
+          <a:ln>
+            <a:noFill/>
+          </a:ln>
+        </p:spPr>
+        <p:style>
+          <a:lnRef idx="2">
+            <a:schemeClr val="accent1">
+              <a:shade val="50000"/>
+            </a:schemeClr>
+          </a:lnRef>
+          <a:fillRef idx="1">
+            <a:schemeClr val="accent1"/>
+          </a:fillRef>
+          <a:effectRef idx="0">
+            <a:schemeClr val="accent1"/>
+          </a:effectRef>
+          <a:fontRef idx="minor">
+            <a:schemeClr val="lt1"/>
+          </a:fontRef>
+        </p:style>
+        <p:txBody>
+          <a:bodyPr rtlCol="0" anchor="ctr"/>
+          <a:lstStyle/>
+          <a:p>
+            <a:pPr algn="ctr"/>
+            <a:endParaRPr lang="en-US"/>
+          </a:p>
+        </p:txBody>
+      </p:sp>
+      <p:sp>
+        <p:nvSpPr>
+          <p:cNvPr id="123" name="Triangle 78">
+            <a:extLst>
+              <a:ext uri="{FF2B5EF4-FFF2-40B4-BE49-F238E27FC236}">
+                <a16:creationId xmlns:a16="http://schemas.microsoft.com/office/drawing/2014/main" id="{F75C56E8-495C-4FD3-8F0B-7B4A7BB1FA87}"/>
+              </a:ext>
+            </a:extLst>
+          </p:cNvPr>
+          <p:cNvSpPr/>
+          <p:nvPr/>
+        </p:nvSpPr>
+        <p:spPr>
+          <a:xfrm rot="10800000">
+            <a:off x="10171151" y="3149127"/>
+            <a:ext cx="150992" cy="514211"/>
+          </a:xfrm>
+          <a:prstGeom prst="triangle">
+            <a:avLst>
+              <a:gd name="adj" fmla="val 67963"/>
+            </a:avLst>
+          </a:prstGeom>
+          <a:solidFill>
+            <a:srgbClr val="FF0000"/>
+          </a:solidFill>
+          <a:ln>
+            <a:noFill/>
+          </a:ln>
+        </p:spPr>
+        <p:style>
+          <a:lnRef idx="2">
+            <a:schemeClr val="accent1">
+              <a:shade val="50000"/>
+            </a:schemeClr>
+          </a:lnRef>
+          <a:fillRef idx="1">
+            <a:schemeClr val="accent1"/>
+          </a:fillRef>
+          <a:effectRef idx="0">
+            <a:schemeClr val="accent1"/>
+          </a:effectRef>
+          <a:fontRef idx="minor">
+            <a:schemeClr val="lt1"/>
+          </a:fontRef>
+        </p:style>
+        <p:txBody>
+          <a:bodyPr rtlCol="0" anchor="ctr"/>
+          <a:lstStyle/>
+          <a:p>
+            <a:pPr algn="ctr"/>
+            <a:endParaRPr lang="en-US"/>
+          </a:p>
+        </p:txBody>
+      </p:sp>
+      <p:sp>
+        <p:nvSpPr>
+          <p:cNvPr id="124" name="Trapezoid 79">
+            <a:extLst>
+              <a:ext uri="{FF2B5EF4-FFF2-40B4-BE49-F238E27FC236}">
+                <a16:creationId xmlns:a16="http://schemas.microsoft.com/office/drawing/2014/main" id="{187AC4C7-3347-4A84-878A-7B51019E27F2}"/>
+              </a:ext>
+            </a:extLst>
+          </p:cNvPr>
+          <p:cNvSpPr/>
+          <p:nvPr/>
+        </p:nvSpPr>
+        <p:spPr>
+          <a:xfrm rot="10800000">
+            <a:off x="10155690" y="3083644"/>
+            <a:ext cx="190065" cy="75997"/>
+          </a:xfrm>
+          <a:prstGeom prst="trapezoid">
+            <a:avLst/>
+          </a:prstGeom>
+          <a:solidFill>
+            <a:srgbClr val="FF0000"/>
+          </a:solidFill>
+          <a:ln w="12700">
+            <a:solidFill>
+              <a:schemeClr val="tx1"/>
+            </a:solidFill>
+          </a:ln>
+        </p:spPr>
+        <p:style>
+          <a:lnRef idx="2">
+            <a:schemeClr val="accent1">
+              <a:shade val="50000"/>
+            </a:schemeClr>
+          </a:lnRef>
+          <a:fillRef idx="1">
+            <a:schemeClr val="accent1"/>
+          </a:fillRef>
+          <a:effectRef idx="0">
+            <a:schemeClr val="accent1"/>
+          </a:effectRef>
+          <a:fontRef idx="minor">
+            <a:schemeClr val="lt1"/>
+          </a:fontRef>
+        </p:style>
+        <p:txBody>
+          <a:bodyPr rtlCol="0" anchor="ctr"/>
+          <a:lstStyle/>
+          <a:p>
+            <a:pPr algn="ctr"/>
+            <a:endParaRPr lang="en-US"/>
+          </a:p>
+        </p:txBody>
+      </p:sp>
+      <p:sp>
+        <p:nvSpPr>
+          <p:cNvPr id="125" name="Arc 80">
+            <a:extLst>
+              <a:ext uri="{FF2B5EF4-FFF2-40B4-BE49-F238E27FC236}">
+                <a16:creationId xmlns:a16="http://schemas.microsoft.com/office/drawing/2014/main" id="{13441AE4-05F2-4794-B4D8-CCC506A2BB73}"/>
+              </a:ext>
+            </a:extLst>
+          </p:cNvPr>
+          <p:cNvSpPr/>
+          <p:nvPr/>
+        </p:nvSpPr>
+        <p:spPr>
+          <a:xfrm rot="7537723">
+            <a:off x="10067297" y="2691820"/>
+            <a:ext cx="443364" cy="408350"/>
+          </a:xfrm>
+          <a:prstGeom prst="arc">
+            <a:avLst>
+              <a:gd name="adj1" fmla="val 16200000"/>
+              <a:gd name="adj2" fmla="val 18726675"/>
+            </a:avLst>
+          </a:prstGeom>
+          <a:ln w="12700">
+            <a:solidFill>
+              <a:schemeClr val="tx1"/>
+            </a:solidFill>
+          </a:ln>
+        </p:spPr>
+        <p:style>
+          <a:lnRef idx="1">
+            <a:schemeClr val="accent1"/>
+          </a:lnRef>
+          <a:fillRef idx="0">
+            <a:schemeClr val="accent1"/>
+          </a:fillRef>
+          <a:effectRef idx="0">
+            <a:schemeClr val="accent1"/>
+          </a:effectRef>
+          <a:fontRef idx="minor">
+            <a:schemeClr val="tx1"/>
+          </a:fontRef>
+        </p:style>
+        <p:txBody>
+          <a:bodyPr rtlCol="0" anchor="ctr"/>
+          <a:lstStyle/>
+          <a:p>
+            <a:pPr algn="ctr"/>
+            <a:endParaRPr lang="en-US" dirty="0"/>
+          </a:p>
+        </p:txBody>
+      </p:sp>
+      <p:sp>
+        <p:nvSpPr>
+          <p:cNvPr id="126" name="Arc 81">
+            <a:extLst>
+              <a:ext uri="{FF2B5EF4-FFF2-40B4-BE49-F238E27FC236}">
+                <a16:creationId xmlns:a16="http://schemas.microsoft.com/office/drawing/2014/main" id="{0B0CFF9F-A5D2-4516-8A49-9BD5AAB7FD00}"/>
+              </a:ext>
+            </a:extLst>
+          </p:cNvPr>
+          <p:cNvSpPr/>
+          <p:nvPr/>
+        </p:nvSpPr>
+        <p:spPr>
+          <a:xfrm rot="11430463">
+            <a:off x="9968191" y="2692295"/>
+            <a:ext cx="443364" cy="408350"/>
+          </a:xfrm>
+          <a:prstGeom prst="arc">
+            <a:avLst>
+              <a:gd name="adj1" fmla="val 15987613"/>
+              <a:gd name="adj2" fmla="val 18924225"/>
+            </a:avLst>
+          </a:prstGeom>
+          <a:ln w="12700">
+            <a:solidFill>
+              <a:schemeClr val="tx1"/>
+            </a:solidFill>
+          </a:ln>
+        </p:spPr>
+        <p:style>
+          <a:lnRef idx="1">
+            <a:schemeClr val="accent1"/>
+          </a:lnRef>
+          <a:fillRef idx="0">
+            <a:schemeClr val="accent1"/>
+          </a:fillRef>
+          <a:effectRef idx="0">
+            <a:schemeClr val="accent1"/>
+          </a:effectRef>
+          <a:fontRef idx="minor">
+            <a:schemeClr val="tx1"/>
+          </a:fontRef>
+        </p:style>
+        <p:txBody>
+          <a:bodyPr rtlCol="0" anchor="ctr"/>
+          <a:lstStyle/>
+          <a:p>
+            <a:pPr algn="ctr"/>
+            <a:endParaRPr lang="en-US"/>
+          </a:p>
+        </p:txBody>
+      </p:sp>
+      <p:cxnSp>
+        <p:nvCxnSpPr>
+          <p:cNvPr id="127" name="Straight Connector 82">
+            <a:extLst>
+              <a:ext uri="{FF2B5EF4-FFF2-40B4-BE49-F238E27FC236}">
+                <a16:creationId xmlns:a16="http://schemas.microsoft.com/office/drawing/2014/main" id="{A041353B-887A-4A80-BADD-44C3DD13C699}"/>
+              </a:ext>
+            </a:extLst>
+          </p:cNvPr>
+          <p:cNvCxnSpPr>
+            <a:cxnSpLocks/>
+            <a:stCxn id="123" idx="4"/>
+            <a:endCxn id="122" idx="0"/>
+          </p:cNvCxnSpPr>
+          <p:nvPr/>
+        </p:nvCxnSpPr>
+        <p:spPr>
+          <a:xfrm>
+            <a:off x="10171151" y="3149127"/>
+            <a:ext cx="95542" cy="419304"/>
+          </a:xfrm>
+          <a:prstGeom prst="line">
+            <a:avLst/>
+          </a:prstGeom>
+          <a:ln w="12700">
+            <a:solidFill>
+              <a:schemeClr val="tx1"/>
+            </a:solidFill>
+          </a:ln>
+        </p:spPr>
+        <p:style>
+          <a:lnRef idx="1">
+            <a:schemeClr val="accent1"/>
+          </a:lnRef>
+          <a:fillRef idx="0">
+            <a:schemeClr val="accent1"/>
+          </a:fillRef>
+          <a:effectRef idx="0">
+            <a:schemeClr val="accent1"/>
+          </a:effectRef>
+          <a:fontRef idx="minor">
+            <a:schemeClr val="tx1"/>
+          </a:fontRef>
+        </p:style>
+      </p:cxnSp>
+      <p:cxnSp>
+        <p:nvCxnSpPr>
+          <p:cNvPr id="128" name="Straight Connector 83">
+            <a:extLst>
+              <a:ext uri="{FF2B5EF4-FFF2-40B4-BE49-F238E27FC236}">
+                <a16:creationId xmlns:a16="http://schemas.microsoft.com/office/drawing/2014/main" id="{9B50BE98-3209-41B7-8F6D-755C79DB01EC}"/>
+              </a:ext>
+            </a:extLst>
+          </p:cNvPr>
+          <p:cNvCxnSpPr>
+            <a:cxnSpLocks/>
+          </p:cNvCxnSpPr>
+          <p:nvPr/>
+        </p:nvCxnSpPr>
+        <p:spPr>
+          <a:xfrm flipH="1">
+            <a:off x="10268678" y="3152780"/>
+            <a:ext cx="57007" cy="419304"/>
+          </a:xfrm>
+          <a:prstGeom prst="line">
+            <a:avLst/>
+          </a:prstGeom>
+          <a:ln w="12700">
+            <a:solidFill>
+              <a:schemeClr val="tx1"/>
+            </a:solidFill>
+          </a:ln>
+        </p:spPr>
+        <p:style>
+          <a:lnRef idx="1">
+            <a:schemeClr val="accent1"/>
+          </a:lnRef>
+          <a:fillRef idx="0">
+            <a:schemeClr val="accent1"/>
+          </a:fillRef>
+          <a:effectRef idx="0">
+            <a:schemeClr val="accent1"/>
+          </a:effectRef>
+          <a:fontRef idx="minor">
+            <a:schemeClr val="tx1"/>
+          </a:fontRef>
+        </p:style>
+      </p:cxnSp>
+      <p:cxnSp>
+        <p:nvCxnSpPr>
+          <p:cNvPr id="129" name="Straight Connector 84">
+            <a:extLst>
+              <a:ext uri="{FF2B5EF4-FFF2-40B4-BE49-F238E27FC236}">
+                <a16:creationId xmlns:a16="http://schemas.microsoft.com/office/drawing/2014/main" id="{5755AD0E-916E-4F16-8CB3-E15E995FA279}"/>
+              </a:ext>
+            </a:extLst>
+          </p:cNvPr>
+          <p:cNvCxnSpPr>
+            <a:cxnSpLocks/>
+          </p:cNvCxnSpPr>
+          <p:nvPr/>
+        </p:nvCxnSpPr>
+        <p:spPr>
+          <a:xfrm>
+            <a:off x="10170749" y="3156761"/>
+            <a:ext cx="50710" cy="510946"/>
+          </a:xfrm>
+          <a:prstGeom prst="line">
+            <a:avLst/>
+          </a:prstGeom>
+          <a:ln w="12700">
+            <a:solidFill>
+              <a:schemeClr val="tx1"/>
+            </a:solidFill>
+          </a:ln>
+        </p:spPr>
+        <p:style>
+          <a:lnRef idx="1">
+            <a:schemeClr val="accent1"/>
+          </a:lnRef>
+          <a:fillRef idx="0">
+            <a:schemeClr val="accent1"/>
+          </a:fillRef>
+          <a:effectRef idx="0">
+            <a:schemeClr val="accent1"/>
+          </a:effectRef>
+          <a:fontRef idx="minor">
+            <a:schemeClr val="tx1"/>
+          </a:fontRef>
+        </p:style>
+      </p:cxnSp>
+      <p:cxnSp>
+        <p:nvCxnSpPr>
+          <p:cNvPr id="130" name="Straight Connector 85">
+            <a:extLst>
+              <a:ext uri="{FF2B5EF4-FFF2-40B4-BE49-F238E27FC236}">
+                <a16:creationId xmlns:a16="http://schemas.microsoft.com/office/drawing/2014/main" id="{693DD9A4-0B20-4CBA-937E-B5ADE5C66EF0}"/>
+              </a:ext>
+            </a:extLst>
+          </p:cNvPr>
+          <p:cNvCxnSpPr>
+            <a:cxnSpLocks/>
+          </p:cNvCxnSpPr>
+          <p:nvPr/>
+        </p:nvCxnSpPr>
+        <p:spPr>
+          <a:xfrm flipH="1">
+            <a:off x="10218453" y="3516160"/>
+            <a:ext cx="31303" cy="145018"/>
+          </a:xfrm>
+          <a:prstGeom prst="line">
+            <a:avLst/>
+          </a:prstGeom>
+          <a:ln w="12700">
+            <a:solidFill>
+              <a:schemeClr val="tx1"/>
+            </a:solidFill>
+          </a:ln>
+        </p:spPr>
+        <p:style>
+          <a:lnRef idx="1">
+            <a:schemeClr val="accent1"/>
+          </a:lnRef>
+          <a:fillRef idx="0">
+            <a:schemeClr val="accent1"/>
+          </a:fillRef>
+          <a:effectRef idx="0">
+            <a:schemeClr val="accent1"/>
+          </a:effectRef>
+          <a:fontRef idx="minor">
+            <a:schemeClr val="tx1"/>
+          </a:fontRef>
+        </p:style>
+      </p:cxnSp>
+      <p:grpSp>
+        <p:nvGrpSpPr>
+          <p:cNvPr id="131" name="Group 86">
+            <a:extLst>
+              <a:ext uri="{FF2B5EF4-FFF2-40B4-BE49-F238E27FC236}">
+                <a16:creationId xmlns:a16="http://schemas.microsoft.com/office/drawing/2014/main" id="{59663134-60F8-4BAA-A670-6F4DACEF5956}"/>
+              </a:ext>
+            </a:extLst>
+          </p:cNvPr>
+          <p:cNvGrpSpPr/>
+          <p:nvPr/>
+        </p:nvGrpSpPr>
+        <p:grpSpPr>
+          <a:xfrm rot="19181437">
+            <a:off x="8920993" y="2057453"/>
+            <a:ext cx="1112170" cy="1398785"/>
+            <a:chOff x="4594458" y="2746336"/>
+            <a:chExt cx="1112170" cy="1398785"/>
+          </a:xfrm>
+        </p:grpSpPr>
+        <p:sp>
+          <p:nvSpPr>
+            <p:cNvPr id="132" name="Rectangle 87">
+              <a:extLst>
+                <a:ext uri="{FF2B5EF4-FFF2-40B4-BE49-F238E27FC236}">
+                  <a16:creationId xmlns:a16="http://schemas.microsoft.com/office/drawing/2014/main" id="{DFA22CAD-0CDB-4037-94BE-CD812D215398}"/>
+                </a:ext>
+              </a:extLst>
+            </p:cNvPr>
+            <p:cNvSpPr/>
+            <p:nvPr/>
+          </p:nvSpPr>
+          <p:spPr>
+            <a:xfrm>
+              <a:off x="5099901" y="3428999"/>
+              <a:ext cx="100684" cy="238707"/>
+            </a:xfrm>
+            <a:prstGeom prst="rect">
+              <a:avLst/>
+            </a:prstGeom>
+            <a:solidFill>
+              <a:schemeClr val="accent6"/>
+            </a:solidFill>
+            <a:ln w="12700">
+              <a:solidFill>
+                <a:schemeClr val="tx1"/>
+              </a:solidFill>
+            </a:ln>
+          </p:spPr>
+          <p:style>
+            <a:lnRef idx="2">
+              <a:schemeClr val="accent1">
+                <a:shade val="50000"/>
+              </a:schemeClr>
+            </a:lnRef>
+            <a:fillRef idx="1">
+              <a:schemeClr val="accent1"/>
+            </a:fillRef>
+            <a:effectRef idx="0">
+              <a:schemeClr val="accent1"/>
+            </a:effectRef>
+            <a:fontRef idx="minor">
+              <a:schemeClr val="lt1"/>
+            </a:fontRef>
+          </p:style>
+          <p:txBody>
+            <a:bodyPr rtlCol="0" anchor="ctr"/>
+            <a:lstStyle/>
+            <a:p>
+              <a:pPr algn="ctr"/>
+              <a:endParaRPr lang="en-US"/>
+            </a:p>
+          </p:txBody>
+        </p:sp>
+        <p:sp>
+          <p:nvSpPr>
+            <p:cNvPr id="133" name="Rectangle 88">
+              <a:extLst>
+                <a:ext uri="{FF2B5EF4-FFF2-40B4-BE49-F238E27FC236}">
+                  <a16:creationId xmlns:a16="http://schemas.microsoft.com/office/drawing/2014/main" id="{672484F5-2E47-45AB-ADCD-1DD92C522379}"/>
+                </a:ext>
+              </a:extLst>
+            </p:cNvPr>
+            <p:cNvSpPr/>
+            <p:nvPr/>
+          </p:nvSpPr>
+          <p:spPr>
+            <a:xfrm>
+              <a:off x="5099900" y="3667707"/>
+              <a:ext cx="100683" cy="238707"/>
+            </a:xfrm>
+            <a:prstGeom prst="rect">
+              <a:avLst/>
+            </a:prstGeom>
+            <a:solidFill>
+              <a:schemeClr val="accent6"/>
+            </a:solidFill>
+            <a:ln>
+              <a:solidFill>
+                <a:schemeClr val="tx1"/>
+              </a:solidFill>
+            </a:ln>
+          </p:spPr>
+          <p:style>
+            <a:lnRef idx="2">
+              <a:schemeClr val="accent1">
+                <a:shade val="50000"/>
+              </a:schemeClr>
+            </a:lnRef>
+            <a:fillRef idx="1">
+              <a:schemeClr val="accent1"/>
+            </a:fillRef>
+            <a:effectRef idx="0">
+              <a:schemeClr val="accent1"/>
+            </a:effectRef>
+            <a:fontRef idx="minor">
+              <a:schemeClr val="lt1"/>
+            </a:fontRef>
+          </p:style>
+          <p:txBody>
+            <a:bodyPr rtlCol="0" anchor="ctr"/>
+            <a:lstStyle/>
+            <a:p>
+              <a:pPr algn="ctr"/>
+              <a:endParaRPr lang="en-US"/>
+            </a:p>
+          </p:txBody>
+        </p:sp>
+        <p:sp>
+          <p:nvSpPr>
+            <p:cNvPr id="134" name="Rectangle 89">
+              <a:extLst>
+                <a:ext uri="{FF2B5EF4-FFF2-40B4-BE49-F238E27FC236}">
+                  <a16:creationId xmlns:a16="http://schemas.microsoft.com/office/drawing/2014/main" id="{B700D95C-EA63-4402-B498-DA19FFD8F34A}"/>
+                </a:ext>
+              </a:extLst>
+            </p:cNvPr>
+            <p:cNvSpPr/>
+            <p:nvPr/>
+          </p:nvSpPr>
+          <p:spPr>
+            <a:xfrm>
+              <a:off x="5099900" y="3906414"/>
+              <a:ext cx="100683" cy="238707"/>
+            </a:xfrm>
+            <a:prstGeom prst="rect">
+              <a:avLst/>
+            </a:prstGeom>
+            <a:solidFill>
+              <a:schemeClr val="accent6"/>
+            </a:solidFill>
+            <a:ln>
+              <a:solidFill>
+                <a:schemeClr val="tx1"/>
+              </a:solidFill>
+            </a:ln>
+          </p:spPr>
+          <p:style>
+            <a:lnRef idx="2">
+              <a:schemeClr val="accent1">
+                <a:shade val="50000"/>
+              </a:schemeClr>
+            </a:lnRef>
+            <a:fillRef idx="1">
+              <a:schemeClr val="accent1"/>
+            </a:fillRef>
+            <a:effectRef idx="0">
+              <a:schemeClr val="accent1"/>
+            </a:effectRef>
+            <a:fontRef idx="minor">
+              <a:schemeClr val="lt1"/>
+            </a:fontRef>
+          </p:style>
+          <p:txBody>
+            <a:bodyPr rtlCol="0" anchor="ctr"/>
+            <a:lstStyle/>
+            <a:p>
+              <a:pPr algn="ctr"/>
+              <a:endParaRPr lang="en-US"/>
+            </a:p>
+          </p:txBody>
+        </p:sp>
+        <p:sp>
+          <p:nvSpPr>
+            <p:cNvPr id="135" name="Rectangle 90">
+              <a:extLst>
+                <a:ext uri="{FF2B5EF4-FFF2-40B4-BE49-F238E27FC236}">
+                  <a16:creationId xmlns:a16="http://schemas.microsoft.com/office/drawing/2014/main" id="{98BD1545-E98A-48F6-A1D1-844F9D141D52}"/>
+                </a:ext>
+              </a:extLst>
+            </p:cNvPr>
+            <p:cNvSpPr/>
+            <p:nvPr/>
+          </p:nvSpPr>
+          <p:spPr>
+            <a:xfrm>
+              <a:off x="5099900" y="3189216"/>
+              <a:ext cx="100683" cy="238707"/>
+            </a:xfrm>
+            <a:prstGeom prst="rect">
+              <a:avLst/>
+            </a:prstGeom>
+            <a:solidFill>
+              <a:schemeClr val="accent6"/>
+            </a:solidFill>
+            <a:ln>
+              <a:solidFill>
+                <a:schemeClr val="tx1"/>
+              </a:solidFill>
+            </a:ln>
+          </p:spPr>
+          <p:style>
+            <a:lnRef idx="2">
+              <a:schemeClr val="accent1">
+                <a:shade val="50000"/>
+              </a:schemeClr>
+            </a:lnRef>
+            <a:fillRef idx="1">
+              <a:schemeClr val="accent1"/>
+            </a:fillRef>
+            <a:effectRef idx="0">
+              <a:schemeClr val="accent1"/>
+            </a:effectRef>
+            <a:fontRef idx="minor">
+              <a:schemeClr val="lt1"/>
+            </a:fontRef>
+          </p:style>
+          <p:txBody>
+            <a:bodyPr rtlCol="0" anchor="ctr"/>
+            <a:lstStyle/>
+            <a:p>
+              <a:pPr algn="ctr"/>
+              <a:endParaRPr lang="en-US"/>
+            </a:p>
+          </p:txBody>
+        </p:sp>
+        <p:sp>
+          <p:nvSpPr>
+            <p:cNvPr id="136" name="Rectangle 91">
+              <a:extLst>
+                <a:ext uri="{FF2B5EF4-FFF2-40B4-BE49-F238E27FC236}">
+                  <a16:creationId xmlns:a16="http://schemas.microsoft.com/office/drawing/2014/main" id="{11AB55EB-1085-481E-A57E-1BD1C317D63A}"/>
+                </a:ext>
+              </a:extLst>
+            </p:cNvPr>
+            <p:cNvSpPr/>
+            <p:nvPr/>
+          </p:nvSpPr>
+          <p:spPr>
+            <a:xfrm>
+              <a:off x="5099899" y="2949971"/>
+              <a:ext cx="100683" cy="238707"/>
+            </a:xfrm>
+            <a:prstGeom prst="rect">
+              <a:avLst/>
+            </a:prstGeom>
+            <a:solidFill>
+              <a:schemeClr val="accent6"/>
+            </a:solidFill>
+            <a:ln>
+              <a:solidFill>
+                <a:schemeClr val="tx1"/>
+              </a:solidFill>
+            </a:ln>
+          </p:spPr>
+          <p:style>
+            <a:lnRef idx="2">
+              <a:schemeClr val="accent1">
+                <a:shade val="50000"/>
+              </a:schemeClr>
+            </a:lnRef>
+            <a:fillRef idx="1">
+              <a:schemeClr val="accent1"/>
+            </a:fillRef>
+            <a:effectRef idx="0">
+              <a:schemeClr val="accent1"/>
+            </a:effectRef>
+            <a:fontRef idx="minor">
+              <a:schemeClr val="lt1"/>
+            </a:fontRef>
+          </p:style>
+          <p:txBody>
+            <a:bodyPr rtlCol="0" anchor="ctr"/>
+            <a:lstStyle/>
+            <a:p>
+              <a:pPr algn="ctr"/>
+              <a:endParaRPr lang="en-US"/>
+            </a:p>
+          </p:txBody>
+        </p:sp>
+        <p:sp>
+          <p:nvSpPr>
+            <p:cNvPr id="137" name="Oval 92">
+              <a:extLst>
+                <a:ext uri="{FF2B5EF4-FFF2-40B4-BE49-F238E27FC236}">
+                  <a16:creationId xmlns:a16="http://schemas.microsoft.com/office/drawing/2014/main" id="{9AA76E17-B322-4C80-A06B-252402E00B8B}"/>
+                </a:ext>
+              </a:extLst>
+            </p:cNvPr>
+            <p:cNvSpPr/>
+            <p:nvPr/>
+          </p:nvSpPr>
+          <p:spPr>
+            <a:xfrm>
+              <a:off x="5378179" y="2746336"/>
+              <a:ext cx="75414" cy="288470"/>
+            </a:xfrm>
+            <a:prstGeom prst="ellipse">
+              <a:avLst/>
+            </a:prstGeom>
+            <a:solidFill>
+              <a:schemeClr val="accent6"/>
+            </a:solidFill>
+            <a:ln>
+              <a:solidFill>
+                <a:schemeClr val="tx1"/>
+              </a:solidFill>
+            </a:ln>
+          </p:spPr>
+          <p:style>
+            <a:lnRef idx="2">
+              <a:schemeClr val="accent1">
+                <a:shade val="50000"/>
+              </a:schemeClr>
+            </a:lnRef>
+            <a:fillRef idx="1">
+              <a:schemeClr val="accent1"/>
+            </a:fillRef>
+            <a:effectRef idx="0">
+              <a:schemeClr val="accent1"/>
+            </a:effectRef>
+            <a:fontRef idx="minor">
+              <a:schemeClr val="lt1"/>
+            </a:fontRef>
+          </p:style>
+          <p:txBody>
+            <a:bodyPr rtlCol="0" anchor="ctr"/>
+            <a:lstStyle/>
+            <a:p>
+              <a:pPr algn="ctr"/>
+              <a:endParaRPr lang="en-US"/>
+            </a:p>
+          </p:txBody>
+        </p:sp>
+        <p:sp>
+          <p:nvSpPr>
+            <p:cNvPr id="138" name="Oval 93">
+              <a:extLst>
+                <a:ext uri="{FF2B5EF4-FFF2-40B4-BE49-F238E27FC236}">
+                  <a16:creationId xmlns:a16="http://schemas.microsoft.com/office/drawing/2014/main" id="{88CC849F-696F-46F3-BEC7-31FD8A10456F}"/>
+                </a:ext>
+              </a:extLst>
+            </p:cNvPr>
+            <p:cNvSpPr/>
+            <p:nvPr/>
+          </p:nvSpPr>
+          <p:spPr>
+            <a:xfrm rot="5976753">
+              <a:off x="5519518" y="2898736"/>
+              <a:ext cx="75414" cy="288470"/>
+            </a:xfrm>
+            <a:prstGeom prst="ellipse">
+              <a:avLst/>
+            </a:prstGeom>
+            <a:solidFill>
+              <a:schemeClr val="accent6"/>
+            </a:solidFill>
+            <a:ln>
+              <a:solidFill>
+                <a:schemeClr val="tx1"/>
+              </a:solidFill>
+            </a:ln>
+          </p:spPr>
+          <p:style>
+            <a:lnRef idx="2">
+              <a:schemeClr val="accent1">
+                <a:shade val="50000"/>
+              </a:schemeClr>
+            </a:lnRef>
+            <a:fillRef idx="1">
+              <a:schemeClr val="accent1"/>
+            </a:fillRef>
+            <a:effectRef idx="0">
+              <a:schemeClr val="accent1"/>
+            </a:effectRef>
+            <a:fontRef idx="minor">
+              <a:schemeClr val="lt1"/>
+            </a:fontRef>
+          </p:style>
+          <p:txBody>
+            <a:bodyPr rtlCol="0" anchor="ctr"/>
+            <a:lstStyle/>
+            <a:p>
+              <a:pPr algn="ctr"/>
+              <a:endParaRPr lang="en-US"/>
+            </a:p>
+          </p:txBody>
+        </p:sp>
+        <p:sp>
+          <p:nvSpPr>
+            <p:cNvPr id="139" name="Oval 94">
+              <a:extLst>
+                <a:ext uri="{FF2B5EF4-FFF2-40B4-BE49-F238E27FC236}">
+                  <a16:creationId xmlns:a16="http://schemas.microsoft.com/office/drawing/2014/main" id="{D42F7537-B33B-4771-B091-A7B7839B9BC3}"/>
+                </a:ext>
+              </a:extLst>
+            </p:cNvPr>
+            <p:cNvSpPr/>
+            <p:nvPr/>
+          </p:nvSpPr>
+          <p:spPr>
+            <a:xfrm rot="3563658">
+              <a:off x="5524686" y="2775501"/>
+              <a:ext cx="75414" cy="288470"/>
+            </a:xfrm>
+            <a:prstGeom prst="ellipse">
+              <a:avLst/>
+            </a:prstGeom>
+            <a:solidFill>
+              <a:schemeClr val="accent6"/>
+            </a:solidFill>
+            <a:ln>
+              <a:solidFill>
+                <a:schemeClr val="tx1"/>
+              </a:solidFill>
+            </a:ln>
+          </p:spPr>
+          <p:style>
+            <a:lnRef idx="2">
+              <a:schemeClr val="accent1">
+                <a:shade val="50000"/>
+              </a:schemeClr>
+            </a:lnRef>
+            <a:fillRef idx="1">
+              <a:schemeClr val="accent1"/>
+            </a:fillRef>
+            <a:effectRef idx="0">
+              <a:schemeClr val="accent1"/>
+            </a:effectRef>
+            <a:fontRef idx="minor">
+              <a:schemeClr val="lt1"/>
+            </a:fontRef>
+          </p:style>
+          <p:txBody>
+            <a:bodyPr rtlCol="0" anchor="ctr"/>
+            <a:lstStyle/>
+            <a:p>
+              <a:pPr algn="ctr"/>
+              <a:endParaRPr lang="en-US"/>
+            </a:p>
+          </p:txBody>
+        </p:sp>
+        <p:cxnSp>
+          <p:nvCxnSpPr>
+            <p:cNvPr id="140" name="Straight Connector 95">
+              <a:extLst>
+                <a:ext uri="{FF2B5EF4-FFF2-40B4-BE49-F238E27FC236}">
+                  <a16:creationId xmlns:a16="http://schemas.microsoft.com/office/drawing/2014/main" id="{8D33EC40-5965-418C-B6BB-DAF5017DEBC3}"/>
+                </a:ext>
+              </a:extLst>
+            </p:cNvPr>
+            <p:cNvCxnSpPr>
+              <a:cxnSpLocks/>
+            </p:cNvCxnSpPr>
+            <p:nvPr/>
+          </p:nvCxnSpPr>
+          <p:spPr>
+            <a:xfrm flipH="1">
+              <a:off x="5206565" y="2998223"/>
+              <a:ext cx="231951" cy="203821"/>
+            </a:xfrm>
+            <a:prstGeom prst="line">
+              <a:avLst/>
+            </a:prstGeom>
+            <a:ln w="12700">
+              <a:solidFill>
+                <a:schemeClr val="tx1"/>
+              </a:solidFill>
+            </a:ln>
+          </p:spPr>
+          <p:style>
+            <a:lnRef idx="1">
+              <a:schemeClr val="accent1"/>
+            </a:lnRef>
+            <a:fillRef idx="0">
+              <a:schemeClr val="accent1"/>
+            </a:fillRef>
+            <a:effectRef idx="0">
+              <a:schemeClr val="accent1"/>
+            </a:effectRef>
+            <a:fontRef idx="minor">
+              <a:schemeClr val="tx1"/>
+            </a:fontRef>
+          </p:style>
+        </p:cxnSp>
+        <p:grpSp>
+          <p:nvGrpSpPr>
+            <p:cNvPr id="141" name="Group 96">
+              <a:extLst>
+                <a:ext uri="{FF2B5EF4-FFF2-40B4-BE49-F238E27FC236}">
+                  <a16:creationId xmlns:a16="http://schemas.microsoft.com/office/drawing/2014/main" id="{474E0872-ED9F-4E03-BF1B-0DC57415F44E}"/>
+                </a:ext>
+              </a:extLst>
+            </p:cNvPr>
+            <p:cNvGrpSpPr/>
+            <p:nvPr/>
+          </p:nvGrpSpPr>
+          <p:grpSpPr>
+            <a:xfrm rot="15085268">
+              <a:off x="4597404" y="3190884"/>
+              <a:ext cx="328449" cy="334342"/>
+              <a:chOff x="4716898" y="3289143"/>
+              <a:chExt cx="328449" cy="334342"/>
+            </a:xfrm>
+          </p:grpSpPr>
+          <p:sp>
+            <p:nvSpPr>
+              <p:cNvPr id="143" name="Oval 98">
+                <a:extLst>
+                  <a:ext uri="{FF2B5EF4-FFF2-40B4-BE49-F238E27FC236}">
+                    <a16:creationId xmlns:a16="http://schemas.microsoft.com/office/drawing/2014/main" id="{F777FF3C-43E2-4E24-8328-741FBED1381B}"/>
+                  </a:ext>
+                </a:extLst>
+              </p:cNvPr>
+              <p:cNvSpPr/>
+              <p:nvPr/>
+            </p:nvSpPr>
+            <p:spPr>
+              <a:xfrm>
+                <a:off x="4716898" y="3289143"/>
+                <a:ext cx="75414" cy="288470"/>
+              </a:xfrm>
+              <a:prstGeom prst="ellipse">
+                <a:avLst/>
+              </a:prstGeom>
+              <a:solidFill>
+                <a:schemeClr val="accent6"/>
+              </a:solidFill>
+              <a:ln>
+                <a:solidFill>
+                  <a:schemeClr val="tx1"/>
+                </a:solidFill>
+              </a:ln>
+            </p:spPr>
+            <p:style>
+              <a:lnRef idx="2">
+                <a:schemeClr val="accent1">
+                  <a:shade val="50000"/>
+                </a:schemeClr>
+              </a:lnRef>
+              <a:fillRef idx="1">
+                <a:schemeClr val="accent1"/>
+              </a:fillRef>
+              <a:effectRef idx="0">
+                <a:schemeClr val="accent1"/>
+              </a:effectRef>
+              <a:fontRef idx="minor">
+                <a:schemeClr val="lt1"/>
+              </a:fontRef>
+            </p:style>
+            <p:txBody>
+              <a:bodyPr rtlCol="0" anchor="ctr"/>
+              <a:lstStyle/>
+              <a:p>
+                <a:pPr algn="ctr"/>
+                <a:endParaRPr lang="en-US"/>
+              </a:p>
+            </p:txBody>
+          </p:sp>
+          <p:sp>
+            <p:nvSpPr>
+              <p:cNvPr id="144" name="Oval 99">
+                <a:extLst>
+                  <a:ext uri="{FF2B5EF4-FFF2-40B4-BE49-F238E27FC236}">
+                    <a16:creationId xmlns:a16="http://schemas.microsoft.com/office/drawing/2014/main" id="{F428528D-4BD7-4239-8A03-07142B301F6D}"/>
+                  </a:ext>
+                </a:extLst>
+              </p:cNvPr>
+              <p:cNvSpPr/>
+              <p:nvPr/>
+            </p:nvSpPr>
+            <p:spPr>
+              <a:xfrm rot="5976753">
+                <a:off x="4858237" y="3441543"/>
+                <a:ext cx="75414" cy="288470"/>
+              </a:xfrm>
+              <a:prstGeom prst="ellipse">
+                <a:avLst/>
+              </a:prstGeom>
+              <a:solidFill>
+                <a:schemeClr val="accent6"/>
+              </a:solidFill>
+              <a:ln>
+                <a:solidFill>
+                  <a:schemeClr val="tx1"/>
+                </a:solidFill>
+              </a:ln>
+            </p:spPr>
+            <p:style>
+              <a:lnRef idx="2">
+                <a:schemeClr val="accent1">
+                  <a:shade val="50000"/>
+                </a:schemeClr>
+              </a:lnRef>
+              <a:fillRef idx="1">
+                <a:schemeClr val="accent1"/>
+              </a:fillRef>
+              <a:effectRef idx="0">
+                <a:schemeClr val="accent1"/>
+              </a:effectRef>
+              <a:fontRef idx="minor">
+                <a:schemeClr val="lt1"/>
+              </a:fontRef>
+            </p:style>
+            <p:txBody>
+              <a:bodyPr rtlCol="0" anchor="ctr"/>
+              <a:lstStyle/>
+              <a:p>
+                <a:pPr algn="ctr"/>
+                <a:endParaRPr lang="en-US"/>
+              </a:p>
+            </p:txBody>
+          </p:sp>
+          <p:sp>
+            <p:nvSpPr>
+              <p:cNvPr id="145" name="Oval 100">
+                <a:extLst>
+                  <a:ext uri="{FF2B5EF4-FFF2-40B4-BE49-F238E27FC236}">
+                    <a16:creationId xmlns:a16="http://schemas.microsoft.com/office/drawing/2014/main" id="{8E679AAD-004B-4EB3-8A6E-1464D3B446F4}"/>
+                  </a:ext>
+                </a:extLst>
+              </p:cNvPr>
+              <p:cNvSpPr/>
+              <p:nvPr/>
+            </p:nvSpPr>
+            <p:spPr>
+              <a:xfrm rot="3563658">
+                <a:off x="4863405" y="3318308"/>
+                <a:ext cx="75414" cy="288470"/>
+              </a:xfrm>
+              <a:prstGeom prst="ellipse">
+                <a:avLst/>
+              </a:prstGeom>
+              <a:solidFill>
+                <a:schemeClr val="accent6"/>
+              </a:solidFill>
+              <a:ln>
+                <a:solidFill>
+                  <a:schemeClr val="tx1"/>
+                </a:solidFill>
+              </a:ln>
+            </p:spPr>
+            <p:style>
+              <a:lnRef idx="2">
+                <a:schemeClr val="accent1">
+                  <a:shade val="50000"/>
+                </a:schemeClr>
+              </a:lnRef>
+              <a:fillRef idx="1">
+                <a:schemeClr val="accent1"/>
+              </a:fillRef>
+              <a:effectRef idx="0">
+                <a:schemeClr val="accent1"/>
+              </a:effectRef>
+              <a:fontRef idx="minor">
+                <a:schemeClr val="lt1"/>
+              </a:fontRef>
+            </p:style>
+            <p:txBody>
+              <a:bodyPr rtlCol="0" anchor="ctr"/>
+              <a:lstStyle/>
+              <a:p>
+                <a:pPr algn="ctr"/>
+                <a:endParaRPr lang="en-US"/>
+              </a:p>
+            </p:txBody>
+          </p:sp>
+        </p:grpSp>
+        <p:cxnSp>
+          <p:nvCxnSpPr>
+            <p:cNvPr id="142" name="Straight Connector 97">
+              <a:extLst>
+                <a:ext uri="{FF2B5EF4-FFF2-40B4-BE49-F238E27FC236}">
+                  <a16:creationId xmlns:a16="http://schemas.microsoft.com/office/drawing/2014/main" id="{6BE3E878-57C6-4711-9719-455F685BE5E8}"/>
+                </a:ext>
+              </a:extLst>
+            </p:cNvPr>
+            <p:cNvCxnSpPr>
+              <a:cxnSpLocks/>
+            </p:cNvCxnSpPr>
+            <p:nvPr/>
+          </p:nvCxnSpPr>
+          <p:spPr>
+            <a:xfrm>
+              <a:off x="4914468" y="3440806"/>
+              <a:ext cx="181301" cy="220019"/>
+            </a:xfrm>
+            <a:prstGeom prst="line">
+              <a:avLst/>
+            </a:prstGeom>
+            <a:ln w="12700">
+              <a:solidFill>
+                <a:schemeClr val="tx1"/>
+              </a:solidFill>
+            </a:ln>
+          </p:spPr>
+          <p:style>
+            <a:lnRef idx="1">
+              <a:schemeClr val="accent1"/>
+            </a:lnRef>
+            <a:fillRef idx="0">
+              <a:schemeClr val="accent1"/>
+            </a:fillRef>
+            <a:effectRef idx="0">
+              <a:schemeClr val="accent1"/>
+            </a:effectRef>
+            <a:fontRef idx="minor">
+              <a:schemeClr val="tx1"/>
+            </a:fontRef>
+          </p:style>
+        </p:cxnSp>
+      </p:grpSp>
+      <p:sp>
+        <p:nvSpPr>
+          <p:cNvPr id="146" name="Arc 101">
+            <a:extLst>
+              <a:ext uri="{FF2B5EF4-FFF2-40B4-BE49-F238E27FC236}">
+                <a16:creationId xmlns:a16="http://schemas.microsoft.com/office/drawing/2014/main" id="{72C28C2C-7DA0-4108-B680-C246148E6BB4}"/>
+              </a:ext>
+            </a:extLst>
+          </p:cNvPr>
+          <p:cNvSpPr/>
+          <p:nvPr/>
+        </p:nvSpPr>
+        <p:spPr>
+          <a:xfrm rot="3030456">
+            <a:off x="9884861" y="2897082"/>
+            <a:ext cx="1050504" cy="812584"/>
+          </a:xfrm>
+          <a:prstGeom prst="arc">
+            <a:avLst>
+              <a:gd name="adj1" fmla="val 16200000"/>
+              <a:gd name="adj2" fmla="val 19845384"/>
+            </a:avLst>
+          </a:prstGeom>
+          <a:ln w="12700">
+            <a:solidFill>
+              <a:schemeClr val="tx1"/>
+            </a:solidFill>
+          </a:ln>
+        </p:spPr>
+        <p:style>
+          <a:lnRef idx="1">
+            <a:schemeClr val="accent1"/>
+          </a:lnRef>
+          <a:fillRef idx="0">
+            <a:schemeClr val="accent1"/>
+          </a:fillRef>
+          <a:effectRef idx="0">
+            <a:schemeClr val="accent1"/>
+          </a:effectRef>
+          <a:fontRef idx="minor">
+            <a:schemeClr val="tx1"/>
+          </a:fontRef>
+        </p:style>
+        <p:txBody>
+          <a:bodyPr rtlCol="0" anchor="ctr"/>
+          <a:lstStyle/>
+          <a:p>
+            <a:pPr algn="ctr"/>
+            <a:endParaRPr lang="en-US"/>
+          </a:p>
+        </p:txBody>
+      </p:sp>
+      <p:sp>
+        <p:nvSpPr>
+          <p:cNvPr id="147" name="Arc 4">
+            <a:extLst>
+              <a:ext uri="{FF2B5EF4-FFF2-40B4-BE49-F238E27FC236}">
+                <a16:creationId xmlns:a16="http://schemas.microsoft.com/office/drawing/2014/main" id="{B5641C99-A1FF-4026-A6DD-D711E49C7A1F}"/>
+              </a:ext>
+            </a:extLst>
+          </p:cNvPr>
+          <p:cNvSpPr/>
+          <p:nvPr/>
+        </p:nvSpPr>
+        <p:spPr>
+          <a:xfrm rot="8206540">
+            <a:off x="10225243" y="2238137"/>
+            <a:ext cx="341259" cy="340252"/>
+          </a:xfrm>
+          <a:prstGeom prst="arc">
+            <a:avLst>
+              <a:gd name="adj1" fmla="val 15080649"/>
+              <a:gd name="adj2" fmla="val 1874818"/>
+            </a:avLst>
+          </a:prstGeom>
+          <a:ln w="19050">
+            <a:solidFill>
+              <a:schemeClr val="tx1"/>
+            </a:solidFill>
+          </a:ln>
+        </p:spPr>
+        <p:style>
+          <a:lnRef idx="1">
+            <a:schemeClr val="accent1"/>
+          </a:lnRef>
+          <a:fillRef idx="0">
+            <a:schemeClr val="accent1"/>
+          </a:fillRef>
+          <a:effectRef idx="0">
+            <a:schemeClr val="accent1"/>
+          </a:effectRef>
+          <a:fontRef idx="minor">
+            <a:schemeClr val="tx1"/>
+          </a:fontRef>
+        </p:style>
+        <p:txBody>
+          <a:bodyPr rtlCol="0" anchor="ctr"/>
+          <a:lstStyle/>
+          <a:p>
+            <a:pPr algn="ctr"/>
+            <a:endParaRPr lang="en-US"/>
+          </a:p>
+        </p:txBody>
+      </p:sp>
+      <p:sp>
+        <p:nvSpPr>
+          <p:cNvPr id="148" name="Arc 102">
+            <a:extLst>
+              <a:ext uri="{FF2B5EF4-FFF2-40B4-BE49-F238E27FC236}">
+                <a16:creationId xmlns:a16="http://schemas.microsoft.com/office/drawing/2014/main" id="{24A20B75-284A-4529-888C-9F2B1FDCFFA8}"/>
+              </a:ext>
+            </a:extLst>
+          </p:cNvPr>
+          <p:cNvSpPr/>
+          <p:nvPr/>
+        </p:nvSpPr>
+        <p:spPr>
+          <a:xfrm rot="6987695">
+            <a:off x="9889892" y="2244815"/>
+            <a:ext cx="341259" cy="340252"/>
+          </a:xfrm>
+          <a:prstGeom prst="arc">
+            <a:avLst>
+              <a:gd name="adj1" fmla="val 14364527"/>
+              <a:gd name="adj2" fmla="val 1293379"/>
             </a:avLst>
           </a:prstGeom>
           <a:ln w="19050">

--- a/img/PANDA.pptx
+++ b/img/PANDA.pptx
@@ -8255,14 +8255,14 @@
           <p:nvPr/>
         </p:nvSpPr>
         <p:spPr>
-          <a:xfrm rot="18286414" flipH="1">
-            <a:off x="9520518" y="2899441"/>
+          <a:xfrm rot="17385196" flipH="1">
+            <a:off x="9689953" y="2759088"/>
             <a:ext cx="1102831" cy="812584"/>
           </a:xfrm>
           <a:prstGeom prst="arc">
             <a:avLst>
               <a:gd name="adj1" fmla="val 16200000"/>
-              <a:gd name="adj2" fmla="val 19569631"/>
+              <a:gd name="adj2" fmla="val 19372363"/>
             </a:avLst>
           </a:prstGeom>
           <a:ln w="12700">
@@ -8283,114 +8283,6 @@
           </a:effectRef>
           <a:fontRef idx="minor">
             <a:schemeClr val="tx1"/>
-          </a:fontRef>
-        </p:style>
-        <p:txBody>
-          <a:bodyPr rtlCol="0" anchor="ctr"/>
-          <a:lstStyle/>
-          <a:p>
-            <a:pPr algn="ctr"/>
-            <a:endParaRPr lang="en-US"/>
-          </a:p>
-        </p:txBody>
-      </p:sp>
-      <p:sp>
-        <p:nvSpPr>
-          <p:cNvPr id="107" name="Oval 56">
-            <a:extLst>
-              <a:ext uri="{FF2B5EF4-FFF2-40B4-BE49-F238E27FC236}">
-                <a16:creationId xmlns:a16="http://schemas.microsoft.com/office/drawing/2014/main" id="{5446F97B-E5E0-4243-9A0F-AB9270665048}"/>
-              </a:ext>
-            </a:extLst>
-          </p:cNvPr>
-          <p:cNvSpPr/>
-          <p:nvPr/>
-        </p:nvSpPr>
-        <p:spPr>
-          <a:xfrm>
-            <a:off x="9581911" y="2376643"/>
-            <a:ext cx="566792" cy="505146"/>
-          </a:xfrm>
-          <a:prstGeom prst="ellipse">
-            <a:avLst/>
-          </a:prstGeom>
-          <a:solidFill>
-            <a:srgbClr val="FF0000"/>
-          </a:solidFill>
-          <a:ln>
-            <a:solidFill>
-              <a:schemeClr val="tx1"/>
-            </a:solidFill>
-          </a:ln>
-        </p:spPr>
-        <p:style>
-          <a:lnRef idx="2">
-            <a:schemeClr val="accent1">
-              <a:shade val="50000"/>
-            </a:schemeClr>
-          </a:lnRef>
-          <a:fillRef idx="1">
-            <a:schemeClr val="accent1"/>
-          </a:fillRef>
-          <a:effectRef idx="0">
-            <a:schemeClr val="accent1"/>
-          </a:effectRef>
-          <a:fontRef idx="minor">
-            <a:schemeClr val="lt1"/>
-          </a:fontRef>
-        </p:style>
-        <p:txBody>
-          <a:bodyPr rtlCol="0" anchor="ctr"/>
-          <a:lstStyle/>
-          <a:p>
-            <a:pPr algn="ctr"/>
-            <a:endParaRPr lang="en-US"/>
-          </a:p>
-        </p:txBody>
-      </p:sp>
-      <p:sp>
-        <p:nvSpPr>
-          <p:cNvPr id="108" name="Oval 57">
-            <a:extLst>
-              <a:ext uri="{FF2B5EF4-FFF2-40B4-BE49-F238E27FC236}">
-                <a16:creationId xmlns:a16="http://schemas.microsoft.com/office/drawing/2014/main" id="{7BED2637-2A43-447A-8D50-B3078CBC1559}"/>
-              </a:ext>
-            </a:extLst>
-          </p:cNvPr>
-          <p:cNvSpPr/>
-          <p:nvPr/>
-        </p:nvSpPr>
-        <p:spPr>
-          <a:xfrm>
-            <a:off x="10368619" y="2343448"/>
-            <a:ext cx="566792" cy="505146"/>
-          </a:xfrm>
-          <a:prstGeom prst="ellipse">
-            <a:avLst/>
-          </a:prstGeom>
-          <a:solidFill>
-            <a:srgbClr val="FF0000"/>
-          </a:solidFill>
-          <a:ln>
-            <a:solidFill>
-              <a:schemeClr val="tx1"/>
-            </a:solidFill>
-          </a:ln>
-        </p:spPr>
-        <p:style>
-          <a:lnRef idx="2">
-            <a:schemeClr val="accent1">
-              <a:shade val="50000"/>
-            </a:schemeClr>
-          </a:lnRef>
-          <a:fillRef idx="1">
-            <a:schemeClr val="accent1"/>
-          </a:fillRef>
-          <a:effectRef idx="0">
-            <a:schemeClr val="accent1"/>
-          </a:effectRef>
-          <a:fontRef idx="minor">
-            <a:schemeClr val="lt1"/>
           </a:fontRef>
         </p:style>
         <p:txBody>
@@ -8630,8 +8522,8 @@
         </p:nvSpPr>
         <p:spPr>
           <a:xfrm>
-            <a:off x="10108840" y="2277669"/>
-            <a:ext cx="237163" cy="160962"/>
+            <a:off x="10155026" y="2305433"/>
+            <a:ext cx="154421" cy="133198"/>
           </a:xfrm>
           <a:prstGeom prst="ellipse">
             <a:avLst/>
@@ -8846,7 +8738,7 @@
         </p:nvSpPr>
         <p:spPr>
           <a:xfrm>
-            <a:off x="10470275" y="1821996"/>
+            <a:off x="10481564" y="1833285"/>
             <a:ext cx="155142" cy="151183"/>
           </a:xfrm>
           <a:prstGeom prst="ellipse">
@@ -8899,9 +8791,9 @@
           <p:nvPr/>
         </p:nvSpPr>
         <p:spPr>
-          <a:xfrm>
-            <a:off x="9494393" y="2736766"/>
-            <a:ext cx="566792" cy="505146"/>
+          <a:xfrm rot="21067383">
+            <a:off x="9621613" y="2835796"/>
+            <a:ext cx="402194" cy="312259"/>
           </a:xfrm>
           <a:prstGeom prst="ellipse">
             <a:avLst/>
@@ -8954,8 +8846,8 @@
         </p:nvSpPr>
         <p:spPr>
           <a:xfrm>
-            <a:off x="10428091" y="2736766"/>
-            <a:ext cx="566792" cy="505146"/>
+            <a:off x="10452970" y="2831413"/>
+            <a:ext cx="349769" cy="306236"/>
           </a:xfrm>
           <a:prstGeom prst="ellipse">
             <a:avLst/>
@@ -9550,7 +9442,7 @@
         </p:nvGrpSpPr>
         <p:grpSpPr>
           <a:xfrm rot="19181437">
-            <a:off x="8920993" y="2057453"/>
+            <a:off x="8935559" y="2001010"/>
             <a:ext cx="1112170" cy="1398785"/>
             <a:chOff x="4594458" y="2746336"/>
             <a:chExt cx="1112170" cy="1398785"/>
@@ -10271,14 +10163,14 @@
           <p:nvPr/>
         </p:nvSpPr>
         <p:spPr>
-          <a:xfrm rot="3030456">
-            <a:off x="9884861" y="2897082"/>
+          <a:xfrm rot="4339296">
+            <a:off x="9710390" y="2850429"/>
             <a:ext cx="1050504" cy="812584"/>
           </a:xfrm>
           <a:prstGeom prst="arc">
             <a:avLst>
               <a:gd name="adj1" fmla="val 16200000"/>
-              <a:gd name="adj2" fmla="val 19845384"/>
+              <a:gd name="adj2" fmla="val 18571216"/>
             </a:avLst>
           </a:prstGeom>
           <a:ln w="12700">

--- a/img/PANDA.pptx
+++ b/img/PANDA.pptx
@@ -8576,8 +8576,8 @@
         </p:nvSpPr>
         <p:spPr>
           <a:xfrm rot="2164208">
-            <a:off x="10331122" y="1712527"/>
-            <a:ext cx="615083" cy="505146"/>
+            <a:off x="10445997" y="1671950"/>
+            <a:ext cx="498084" cy="505146"/>
           </a:xfrm>
           <a:prstGeom prst="ellipse">
             <a:avLst/>
@@ -8618,10 +8618,10 @@
       </p:sp>
       <p:sp>
         <p:nvSpPr>
-          <p:cNvPr id="115" name="Oval 69">
-            <a:extLst>
-              <a:ext uri="{FF2B5EF4-FFF2-40B4-BE49-F238E27FC236}">
-                <a16:creationId xmlns:a16="http://schemas.microsoft.com/office/drawing/2014/main" id="{F5D870A9-7A15-401A-8A39-02467C200D7B}"/>
+          <p:cNvPr id="117" name="Oval 71">
+            <a:extLst>
+              <a:ext uri="{FF2B5EF4-FFF2-40B4-BE49-F238E27FC236}">
+                <a16:creationId xmlns:a16="http://schemas.microsoft.com/office/drawing/2014/main" id="{DDF2DFB5-9BCB-40B1-AB28-E80D3BB61F28}"/>
               </a:ext>
             </a:extLst>
           </p:cNvPr>
@@ -8629,9 +8629,63 @@
           <p:nvPr/>
         </p:nvSpPr>
         <p:spPr>
-          <a:xfrm rot="18844437">
-            <a:off x="9538501" y="1713423"/>
-            <a:ext cx="615083" cy="505146"/>
+          <a:xfrm>
+            <a:off x="10549665" y="1800292"/>
+            <a:ext cx="216903" cy="202386"/>
+          </a:xfrm>
+          <a:prstGeom prst="ellipse">
+            <a:avLst/>
+          </a:prstGeom>
+          <a:solidFill>
+            <a:schemeClr val="bg1"/>
+          </a:solidFill>
+          <a:ln>
+            <a:solidFill>
+              <a:schemeClr val="bg1"/>
+            </a:solidFill>
+          </a:ln>
+        </p:spPr>
+        <p:style>
+          <a:lnRef idx="2">
+            <a:schemeClr val="accent1">
+              <a:shade val="50000"/>
+            </a:schemeClr>
+          </a:lnRef>
+          <a:fillRef idx="1">
+            <a:schemeClr val="accent1"/>
+          </a:fillRef>
+          <a:effectRef idx="0">
+            <a:schemeClr val="accent1"/>
+          </a:effectRef>
+          <a:fontRef idx="minor">
+            <a:schemeClr val="lt1"/>
+          </a:fontRef>
+        </p:style>
+        <p:txBody>
+          <a:bodyPr rtlCol="0" anchor="ctr"/>
+          <a:lstStyle/>
+          <a:p>
+            <a:pPr algn="ctr"/>
+            <a:endParaRPr lang="en-US"/>
+          </a:p>
+        </p:txBody>
+      </p:sp>
+      <p:sp>
+        <p:nvSpPr>
+          <p:cNvPr id="118" name="Oval 72">
+            <a:extLst>
+              <a:ext uri="{FF2B5EF4-FFF2-40B4-BE49-F238E27FC236}">
+                <a16:creationId xmlns:a16="http://schemas.microsoft.com/office/drawing/2014/main" id="{61446C34-9129-47AE-BDA3-5D1CEB9B74D3}"/>
+              </a:ext>
+            </a:extLst>
+          </p:cNvPr>
+          <p:cNvSpPr/>
+          <p:nvPr/>
+        </p:nvSpPr>
+        <p:spPr>
+          <a:xfrm rot="21067383">
+            <a:off x="9621613" y="2835796"/>
+            <a:ext cx="402194" cy="312259"/>
           </a:xfrm>
           <a:prstGeom prst="ellipse">
             <a:avLst/>
@@ -8672,10 +8726,10 @@
       </p:sp>
       <p:sp>
         <p:nvSpPr>
-          <p:cNvPr id="116" name="Oval 70">
-            <a:extLst>
-              <a:ext uri="{FF2B5EF4-FFF2-40B4-BE49-F238E27FC236}">
-                <a16:creationId xmlns:a16="http://schemas.microsoft.com/office/drawing/2014/main" id="{F3F26582-433F-4841-AEC5-27B76CFECE53}"/>
+          <p:cNvPr id="119" name="Oval 73">
+            <a:extLst>
+              <a:ext uri="{FF2B5EF4-FFF2-40B4-BE49-F238E27FC236}">
+                <a16:creationId xmlns:a16="http://schemas.microsoft.com/office/drawing/2014/main" id="{07C4F213-B6E0-464E-AB6D-A438FFC691B3}"/>
               </a:ext>
             </a:extLst>
           </p:cNvPr>
@@ -8684,116 +8738,8 @@
         </p:nvSpPr>
         <p:spPr>
           <a:xfrm>
-            <a:off x="9824816" y="1821996"/>
-            <a:ext cx="155142" cy="151183"/>
-          </a:xfrm>
-          <a:prstGeom prst="ellipse">
-            <a:avLst/>
-          </a:prstGeom>
-          <a:solidFill>
-            <a:schemeClr val="bg1"/>
-          </a:solidFill>
-          <a:ln>
-            <a:solidFill>
-              <a:schemeClr val="bg1"/>
-            </a:solidFill>
-          </a:ln>
-        </p:spPr>
-        <p:style>
-          <a:lnRef idx="2">
-            <a:schemeClr val="accent1">
-              <a:shade val="50000"/>
-            </a:schemeClr>
-          </a:lnRef>
-          <a:fillRef idx="1">
-            <a:schemeClr val="accent1"/>
-          </a:fillRef>
-          <a:effectRef idx="0">
-            <a:schemeClr val="accent1"/>
-          </a:effectRef>
-          <a:fontRef idx="minor">
-            <a:schemeClr val="lt1"/>
-          </a:fontRef>
-        </p:style>
-        <p:txBody>
-          <a:bodyPr rtlCol="0" anchor="ctr"/>
-          <a:lstStyle/>
-          <a:p>
-            <a:pPr algn="ctr"/>
-            <a:endParaRPr lang="en-US"/>
-          </a:p>
-        </p:txBody>
-      </p:sp>
-      <p:sp>
-        <p:nvSpPr>
-          <p:cNvPr id="117" name="Oval 71">
-            <a:extLst>
-              <a:ext uri="{FF2B5EF4-FFF2-40B4-BE49-F238E27FC236}">
-                <a16:creationId xmlns:a16="http://schemas.microsoft.com/office/drawing/2014/main" id="{DDF2DFB5-9BCB-40B1-AB28-E80D3BB61F28}"/>
-              </a:ext>
-            </a:extLst>
-          </p:cNvPr>
-          <p:cNvSpPr/>
-          <p:nvPr/>
-        </p:nvSpPr>
-        <p:spPr>
-          <a:xfrm>
-            <a:off x="10481564" y="1833285"/>
-            <a:ext cx="155142" cy="151183"/>
-          </a:xfrm>
-          <a:prstGeom prst="ellipse">
-            <a:avLst/>
-          </a:prstGeom>
-          <a:solidFill>
-            <a:schemeClr val="bg1"/>
-          </a:solidFill>
-          <a:ln>
-            <a:solidFill>
-              <a:schemeClr val="bg1"/>
-            </a:solidFill>
-          </a:ln>
-        </p:spPr>
-        <p:style>
-          <a:lnRef idx="2">
-            <a:schemeClr val="accent1">
-              <a:shade val="50000"/>
-            </a:schemeClr>
-          </a:lnRef>
-          <a:fillRef idx="1">
-            <a:schemeClr val="accent1"/>
-          </a:fillRef>
-          <a:effectRef idx="0">
-            <a:schemeClr val="accent1"/>
-          </a:effectRef>
-          <a:fontRef idx="minor">
-            <a:schemeClr val="lt1"/>
-          </a:fontRef>
-        </p:style>
-        <p:txBody>
-          <a:bodyPr rtlCol="0" anchor="ctr"/>
-          <a:lstStyle/>
-          <a:p>
-            <a:pPr algn="ctr"/>
-            <a:endParaRPr lang="en-US"/>
-          </a:p>
-        </p:txBody>
-      </p:sp>
-      <p:sp>
-        <p:nvSpPr>
-          <p:cNvPr id="118" name="Oval 72">
-            <a:extLst>
-              <a:ext uri="{FF2B5EF4-FFF2-40B4-BE49-F238E27FC236}">
-                <a16:creationId xmlns:a16="http://schemas.microsoft.com/office/drawing/2014/main" id="{61446C34-9129-47AE-BDA3-5D1CEB9B74D3}"/>
-              </a:ext>
-            </a:extLst>
-          </p:cNvPr>
-          <p:cNvSpPr/>
-          <p:nvPr/>
-        </p:nvSpPr>
-        <p:spPr>
-          <a:xfrm rot="21067383">
-            <a:off x="9621613" y="2835796"/>
-            <a:ext cx="402194" cy="312259"/>
+            <a:off x="10452970" y="2831413"/>
+            <a:ext cx="349769" cy="306236"/>
           </a:xfrm>
           <a:prstGeom prst="ellipse">
             <a:avLst/>
@@ -8834,10 +8780,10 @@
       </p:sp>
       <p:sp>
         <p:nvSpPr>
-          <p:cNvPr id="119" name="Oval 73">
-            <a:extLst>
-              <a:ext uri="{FF2B5EF4-FFF2-40B4-BE49-F238E27FC236}">
-                <a16:creationId xmlns:a16="http://schemas.microsoft.com/office/drawing/2014/main" id="{07C4F213-B6E0-464E-AB6D-A438FFC691B3}"/>
+          <p:cNvPr id="120" name="Oval 75">
+            <a:extLst>
+              <a:ext uri="{FF2B5EF4-FFF2-40B4-BE49-F238E27FC236}">
+                <a16:creationId xmlns:a16="http://schemas.microsoft.com/office/drawing/2014/main" id="{581B658A-E54D-4832-B776-986E4079BEFC}"/>
               </a:ext>
             </a:extLst>
           </p:cNvPr>
@@ -8846,8 +8792,706 @@
         </p:nvSpPr>
         <p:spPr>
           <a:xfrm>
-            <a:off x="10452970" y="2831413"/>
-            <a:ext cx="349769" cy="306236"/>
+            <a:off x="10163502" y="3040656"/>
+            <a:ext cx="90469" cy="170963"/>
+          </a:xfrm>
+          <a:prstGeom prst="ellipse">
+            <a:avLst/>
+          </a:prstGeom>
+          <a:solidFill>
+            <a:srgbClr val="FF0000"/>
+          </a:solidFill>
+          <a:ln>
+            <a:noFill/>
+          </a:ln>
+        </p:spPr>
+        <p:style>
+          <a:lnRef idx="2">
+            <a:schemeClr val="accent1">
+              <a:shade val="50000"/>
+            </a:schemeClr>
+          </a:lnRef>
+          <a:fillRef idx="1">
+            <a:schemeClr val="accent1"/>
+          </a:fillRef>
+          <a:effectRef idx="0">
+            <a:schemeClr val="accent1"/>
+          </a:effectRef>
+          <a:fontRef idx="minor">
+            <a:schemeClr val="lt1"/>
+          </a:fontRef>
+        </p:style>
+        <p:txBody>
+          <a:bodyPr rtlCol="0" anchor="ctr"/>
+          <a:lstStyle/>
+          <a:p>
+            <a:pPr algn="ctr"/>
+            <a:endParaRPr lang="en-US"/>
+          </a:p>
+        </p:txBody>
+      </p:sp>
+      <p:sp>
+        <p:nvSpPr>
+          <p:cNvPr id="121" name="Oval 76">
+            <a:extLst>
+              <a:ext uri="{FF2B5EF4-FFF2-40B4-BE49-F238E27FC236}">
+                <a16:creationId xmlns:a16="http://schemas.microsoft.com/office/drawing/2014/main" id="{3195722D-C0D7-4898-9734-E41E1BE7F3E0}"/>
+              </a:ext>
+            </a:extLst>
+          </p:cNvPr>
+          <p:cNvSpPr/>
+          <p:nvPr/>
+        </p:nvSpPr>
+        <p:spPr>
+          <a:xfrm>
+            <a:off x="10228852" y="3025907"/>
+            <a:ext cx="97279" cy="185625"/>
+          </a:xfrm>
+          <a:prstGeom prst="ellipse">
+            <a:avLst/>
+          </a:prstGeom>
+          <a:solidFill>
+            <a:srgbClr val="FF0000"/>
+          </a:solidFill>
+          <a:ln>
+            <a:noFill/>
+          </a:ln>
+        </p:spPr>
+        <p:style>
+          <a:lnRef idx="2">
+            <a:schemeClr val="accent1">
+              <a:shade val="50000"/>
+            </a:schemeClr>
+          </a:lnRef>
+          <a:fillRef idx="1">
+            <a:schemeClr val="accent1"/>
+          </a:fillRef>
+          <a:effectRef idx="0">
+            <a:schemeClr val="accent1"/>
+          </a:effectRef>
+          <a:fontRef idx="minor">
+            <a:schemeClr val="lt1"/>
+          </a:fontRef>
+        </p:style>
+        <p:txBody>
+          <a:bodyPr rtlCol="0" anchor="ctr"/>
+          <a:lstStyle/>
+          <a:p>
+            <a:pPr algn="ctr"/>
+            <a:endParaRPr lang="en-US"/>
+          </a:p>
+        </p:txBody>
+      </p:sp>
+      <p:sp>
+        <p:nvSpPr>
+          <p:cNvPr id="122" name="Triangle 77">
+            <a:extLst>
+              <a:ext uri="{FF2B5EF4-FFF2-40B4-BE49-F238E27FC236}">
+                <a16:creationId xmlns:a16="http://schemas.microsoft.com/office/drawing/2014/main" id="{AF84F8DD-A720-47B7-9A13-F9CF011DC233}"/>
+              </a:ext>
+            </a:extLst>
+          </p:cNvPr>
+          <p:cNvSpPr/>
+          <p:nvPr/>
+        </p:nvSpPr>
+        <p:spPr>
+          <a:xfrm rot="10800000">
+            <a:off x="10205221" y="3149127"/>
+            <a:ext cx="122944" cy="419304"/>
+          </a:xfrm>
+          <a:prstGeom prst="triangle">
+            <a:avLst/>
+          </a:prstGeom>
+          <a:solidFill>
+            <a:srgbClr val="FF0000"/>
+          </a:solidFill>
+          <a:ln>
+            <a:noFill/>
+          </a:ln>
+        </p:spPr>
+        <p:style>
+          <a:lnRef idx="2">
+            <a:schemeClr val="accent1">
+              <a:shade val="50000"/>
+            </a:schemeClr>
+          </a:lnRef>
+          <a:fillRef idx="1">
+            <a:schemeClr val="accent1"/>
+          </a:fillRef>
+          <a:effectRef idx="0">
+            <a:schemeClr val="accent1"/>
+          </a:effectRef>
+          <a:fontRef idx="minor">
+            <a:schemeClr val="lt1"/>
+          </a:fontRef>
+        </p:style>
+        <p:txBody>
+          <a:bodyPr rtlCol="0" anchor="ctr"/>
+          <a:lstStyle/>
+          <a:p>
+            <a:pPr algn="ctr"/>
+            <a:endParaRPr lang="en-US"/>
+          </a:p>
+        </p:txBody>
+      </p:sp>
+      <p:sp>
+        <p:nvSpPr>
+          <p:cNvPr id="123" name="Triangle 78">
+            <a:extLst>
+              <a:ext uri="{FF2B5EF4-FFF2-40B4-BE49-F238E27FC236}">
+                <a16:creationId xmlns:a16="http://schemas.microsoft.com/office/drawing/2014/main" id="{F75C56E8-495C-4FD3-8F0B-7B4A7BB1FA87}"/>
+              </a:ext>
+            </a:extLst>
+          </p:cNvPr>
+          <p:cNvSpPr/>
+          <p:nvPr/>
+        </p:nvSpPr>
+        <p:spPr>
+          <a:xfrm rot="10800000">
+            <a:off x="10171151" y="3149127"/>
+            <a:ext cx="150992" cy="514211"/>
+          </a:xfrm>
+          <a:prstGeom prst="triangle">
+            <a:avLst>
+              <a:gd name="adj" fmla="val 67963"/>
+            </a:avLst>
+          </a:prstGeom>
+          <a:solidFill>
+            <a:srgbClr val="FF0000"/>
+          </a:solidFill>
+          <a:ln>
+            <a:noFill/>
+          </a:ln>
+        </p:spPr>
+        <p:style>
+          <a:lnRef idx="2">
+            <a:schemeClr val="accent1">
+              <a:shade val="50000"/>
+            </a:schemeClr>
+          </a:lnRef>
+          <a:fillRef idx="1">
+            <a:schemeClr val="accent1"/>
+          </a:fillRef>
+          <a:effectRef idx="0">
+            <a:schemeClr val="accent1"/>
+          </a:effectRef>
+          <a:fontRef idx="minor">
+            <a:schemeClr val="lt1"/>
+          </a:fontRef>
+        </p:style>
+        <p:txBody>
+          <a:bodyPr rtlCol="0" anchor="ctr"/>
+          <a:lstStyle/>
+          <a:p>
+            <a:pPr algn="ctr"/>
+            <a:endParaRPr lang="en-US"/>
+          </a:p>
+        </p:txBody>
+      </p:sp>
+      <p:sp>
+        <p:nvSpPr>
+          <p:cNvPr id="124" name="Trapezoid 79">
+            <a:extLst>
+              <a:ext uri="{FF2B5EF4-FFF2-40B4-BE49-F238E27FC236}">
+                <a16:creationId xmlns:a16="http://schemas.microsoft.com/office/drawing/2014/main" id="{187AC4C7-3347-4A84-878A-7B51019E27F2}"/>
+              </a:ext>
+            </a:extLst>
+          </p:cNvPr>
+          <p:cNvSpPr/>
+          <p:nvPr/>
+        </p:nvSpPr>
+        <p:spPr>
+          <a:xfrm rot="10800000">
+            <a:off x="10155690" y="3083644"/>
+            <a:ext cx="190065" cy="75997"/>
+          </a:xfrm>
+          <a:prstGeom prst="trapezoid">
+            <a:avLst/>
+          </a:prstGeom>
+          <a:solidFill>
+            <a:srgbClr val="FF0000"/>
+          </a:solidFill>
+          <a:ln w="12700">
+            <a:solidFill>
+              <a:schemeClr val="tx1"/>
+            </a:solidFill>
+          </a:ln>
+        </p:spPr>
+        <p:style>
+          <a:lnRef idx="2">
+            <a:schemeClr val="accent1">
+              <a:shade val="50000"/>
+            </a:schemeClr>
+          </a:lnRef>
+          <a:fillRef idx="1">
+            <a:schemeClr val="accent1"/>
+          </a:fillRef>
+          <a:effectRef idx="0">
+            <a:schemeClr val="accent1"/>
+          </a:effectRef>
+          <a:fontRef idx="minor">
+            <a:schemeClr val="lt1"/>
+          </a:fontRef>
+        </p:style>
+        <p:txBody>
+          <a:bodyPr rtlCol="0" anchor="ctr"/>
+          <a:lstStyle/>
+          <a:p>
+            <a:pPr algn="ctr"/>
+            <a:endParaRPr lang="en-US"/>
+          </a:p>
+        </p:txBody>
+      </p:sp>
+      <p:sp>
+        <p:nvSpPr>
+          <p:cNvPr id="125" name="Arc 80">
+            <a:extLst>
+              <a:ext uri="{FF2B5EF4-FFF2-40B4-BE49-F238E27FC236}">
+                <a16:creationId xmlns:a16="http://schemas.microsoft.com/office/drawing/2014/main" id="{13441AE4-05F2-4794-B4D8-CCC506A2BB73}"/>
+              </a:ext>
+            </a:extLst>
+          </p:cNvPr>
+          <p:cNvSpPr/>
+          <p:nvPr/>
+        </p:nvSpPr>
+        <p:spPr>
+          <a:xfrm rot="7537723">
+            <a:off x="10067297" y="2691820"/>
+            <a:ext cx="443364" cy="408350"/>
+          </a:xfrm>
+          <a:prstGeom prst="arc">
+            <a:avLst>
+              <a:gd name="adj1" fmla="val 16200000"/>
+              <a:gd name="adj2" fmla="val 18726675"/>
+            </a:avLst>
+          </a:prstGeom>
+          <a:ln w="12700">
+            <a:solidFill>
+              <a:schemeClr val="tx1"/>
+            </a:solidFill>
+          </a:ln>
+        </p:spPr>
+        <p:style>
+          <a:lnRef idx="1">
+            <a:schemeClr val="accent1"/>
+          </a:lnRef>
+          <a:fillRef idx="0">
+            <a:schemeClr val="accent1"/>
+          </a:fillRef>
+          <a:effectRef idx="0">
+            <a:schemeClr val="accent1"/>
+          </a:effectRef>
+          <a:fontRef idx="minor">
+            <a:schemeClr val="tx1"/>
+          </a:fontRef>
+        </p:style>
+        <p:txBody>
+          <a:bodyPr rtlCol="0" anchor="ctr"/>
+          <a:lstStyle/>
+          <a:p>
+            <a:pPr algn="ctr"/>
+            <a:endParaRPr lang="en-US" dirty="0"/>
+          </a:p>
+        </p:txBody>
+      </p:sp>
+      <p:sp>
+        <p:nvSpPr>
+          <p:cNvPr id="126" name="Arc 81">
+            <a:extLst>
+              <a:ext uri="{FF2B5EF4-FFF2-40B4-BE49-F238E27FC236}">
+                <a16:creationId xmlns:a16="http://schemas.microsoft.com/office/drawing/2014/main" id="{0B0CFF9F-A5D2-4516-8A49-9BD5AAB7FD00}"/>
+              </a:ext>
+            </a:extLst>
+          </p:cNvPr>
+          <p:cNvSpPr/>
+          <p:nvPr/>
+        </p:nvSpPr>
+        <p:spPr>
+          <a:xfrm rot="11430463">
+            <a:off x="9968191" y="2692295"/>
+            <a:ext cx="443364" cy="408350"/>
+          </a:xfrm>
+          <a:prstGeom prst="arc">
+            <a:avLst>
+              <a:gd name="adj1" fmla="val 15987613"/>
+              <a:gd name="adj2" fmla="val 18924225"/>
+            </a:avLst>
+          </a:prstGeom>
+          <a:ln w="12700">
+            <a:solidFill>
+              <a:schemeClr val="tx1"/>
+            </a:solidFill>
+          </a:ln>
+        </p:spPr>
+        <p:style>
+          <a:lnRef idx="1">
+            <a:schemeClr val="accent1"/>
+          </a:lnRef>
+          <a:fillRef idx="0">
+            <a:schemeClr val="accent1"/>
+          </a:fillRef>
+          <a:effectRef idx="0">
+            <a:schemeClr val="accent1"/>
+          </a:effectRef>
+          <a:fontRef idx="minor">
+            <a:schemeClr val="tx1"/>
+          </a:fontRef>
+        </p:style>
+        <p:txBody>
+          <a:bodyPr rtlCol="0" anchor="ctr"/>
+          <a:lstStyle/>
+          <a:p>
+            <a:pPr algn="ctr"/>
+            <a:endParaRPr lang="en-US"/>
+          </a:p>
+        </p:txBody>
+      </p:sp>
+      <p:cxnSp>
+        <p:nvCxnSpPr>
+          <p:cNvPr id="127" name="Straight Connector 82">
+            <a:extLst>
+              <a:ext uri="{FF2B5EF4-FFF2-40B4-BE49-F238E27FC236}">
+                <a16:creationId xmlns:a16="http://schemas.microsoft.com/office/drawing/2014/main" id="{A041353B-887A-4A80-BADD-44C3DD13C699}"/>
+              </a:ext>
+            </a:extLst>
+          </p:cNvPr>
+          <p:cNvCxnSpPr>
+            <a:cxnSpLocks/>
+            <a:stCxn id="123" idx="4"/>
+            <a:endCxn id="122" idx="0"/>
+          </p:cNvCxnSpPr>
+          <p:nvPr/>
+        </p:nvCxnSpPr>
+        <p:spPr>
+          <a:xfrm>
+            <a:off x="10171151" y="3149127"/>
+            <a:ext cx="95542" cy="419304"/>
+          </a:xfrm>
+          <a:prstGeom prst="line">
+            <a:avLst/>
+          </a:prstGeom>
+          <a:ln w="12700">
+            <a:solidFill>
+              <a:schemeClr val="tx1"/>
+            </a:solidFill>
+          </a:ln>
+        </p:spPr>
+        <p:style>
+          <a:lnRef idx="1">
+            <a:schemeClr val="accent1"/>
+          </a:lnRef>
+          <a:fillRef idx="0">
+            <a:schemeClr val="accent1"/>
+          </a:fillRef>
+          <a:effectRef idx="0">
+            <a:schemeClr val="accent1"/>
+          </a:effectRef>
+          <a:fontRef idx="minor">
+            <a:schemeClr val="tx1"/>
+          </a:fontRef>
+        </p:style>
+      </p:cxnSp>
+      <p:cxnSp>
+        <p:nvCxnSpPr>
+          <p:cNvPr id="128" name="Straight Connector 83">
+            <a:extLst>
+              <a:ext uri="{FF2B5EF4-FFF2-40B4-BE49-F238E27FC236}">
+                <a16:creationId xmlns:a16="http://schemas.microsoft.com/office/drawing/2014/main" id="{9B50BE98-3209-41B7-8F6D-755C79DB01EC}"/>
+              </a:ext>
+            </a:extLst>
+          </p:cNvPr>
+          <p:cNvCxnSpPr>
+            <a:cxnSpLocks/>
+          </p:cNvCxnSpPr>
+          <p:nvPr/>
+        </p:nvCxnSpPr>
+        <p:spPr>
+          <a:xfrm flipH="1">
+            <a:off x="10268678" y="3152780"/>
+            <a:ext cx="57007" cy="419304"/>
+          </a:xfrm>
+          <a:prstGeom prst="line">
+            <a:avLst/>
+          </a:prstGeom>
+          <a:ln w="12700">
+            <a:solidFill>
+              <a:schemeClr val="tx1"/>
+            </a:solidFill>
+          </a:ln>
+        </p:spPr>
+        <p:style>
+          <a:lnRef idx="1">
+            <a:schemeClr val="accent1"/>
+          </a:lnRef>
+          <a:fillRef idx="0">
+            <a:schemeClr val="accent1"/>
+          </a:fillRef>
+          <a:effectRef idx="0">
+            <a:schemeClr val="accent1"/>
+          </a:effectRef>
+          <a:fontRef idx="minor">
+            <a:schemeClr val="tx1"/>
+          </a:fontRef>
+        </p:style>
+      </p:cxnSp>
+      <p:cxnSp>
+        <p:nvCxnSpPr>
+          <p:cNvPr id="129" name="Straight Connector 84">
+            <a:extLst>
+              <a:ext uri="{FF2B5EF4-FFF2-40B4-BE49-F238E27FC236}">
+                <a16:creationId xmlns:a16="http://schemas.microsoft.com/office/drawing/2014/main" id="{5755AD0E-916E-4F16-8CB3-E15E995FA279}"/>
+              </a:ext>
+            </a:extLst>
+          </p:cNvPr>
+          <p:cNvCxnSpPr>
+            <a:cxnSpLocks/>
+          </p:cNvCxnSpPr>
+          <p:nvPr/>
+        </p:nvCxnSpPr>
+        <p:spPr>
+          <a:xfrm>
+            <a:off x="10170749" y="3156761"/>
+            <a:ext cx="50710" cy="510946"/>
+          </a:xfrm>
+          <a:prstGeom prst="line">
+            <a:avLst/>
+          </a:prstGeom>
+          <a:ln w="12700">
+            <a:solidFill>
+              <a:schemeClr val="tx1"/>
+            </a:solidFill>
+          </a:ln>
+        </p:spPr>
+        <p:style>
+          <a:lnRef idx="1">
+            <a:schemeClr val="accent1"/>
+          </a:lnRef>
+          <a:fillRef idx="0">
+            <a:schemeClr val="accent1"/>
+          </a:fillRef>
+          <a:effectRef idx="0">
+            <a:schemeClr val="accent1"/>
+          </a:effectRef>
+          <a:fontRef idx="minor">
+            <a:schemeClr val="tx1"/>
+          </a:fontRef>
+        </p:style>
+      </p:cxnSp>
+      <p:cxnSp>
+        <p:nvCxnSpPr>
+          <p:cNvPr id="130" name="Straight Connector 85">
+            <a:extLst>
+              <a:ext uri="{FF2B5EF4-FFF2-40B4-BE49-F238E27FC236}">
+                <a16:creationId xmlns:a16="http://schemas.microsoft.com/office/drawing/2014/main" id="{693DD9A4-0B20-4CBA-937E-B5ADE5C66EF0}"/>
+              </a:ext>
+            </a:extLst>
+          </p:cNvPr>
+          <p:cNvCxnSpPr>
+            <a:cxnSpLocks/>
+          </p:cNvCxnSpPr>
+          <p:nvPr/>
+        </p:nvCxnSpPr>
+        <p:spPr>
+          <a:xfrm flipH="1">
+            <a:off x="10218453" y="3516160"/>
+            <a:ext cx="31303" cy="145018"/>
+          </a:xfrm>
+          <a:prstGeom prst="line">
+            <a:avLst/>
+          </a:prstGeom>
+          <a:ln w="12700">
+            <a:solidFill>
+              <a:schemeClr val="tx1"/>
+            </a:solidFill>
+          </a:ln>
+        </p:spPr>
+        <p:style>
+          <a:lnRef idx="1">
+            <a:schemeClr val="accent1"/>
+          </a:lnRef>
+          <a:fillRef idx="0">
+            <a:schemeClr val="accent1"/>
+          </a:fillRef>
+          <a:effectRef idx="0">
+            <a:schemeClr val="accent1"/>
+          </a:effectRef>
+          <a:fontRef idx="minor">
+            <a:schemeClr val="tx1"/>
+          </a:fontRef>
+        </p:style>
+      </p:cxnSp>
+      <p:sp>
+        <p:nvSpPr>
+          <p:cNvPr id="146" name="Arc 101">
+            <a:extLst>
+              <a:ext uri="{FF2B5EF4-FFF2-40B4-BE49-F238E27FC236}">
+                <a16:creationId xmlns:a16="http://schemas.microsoft.com/office/drawing/2014/main" id="{72C28C2C-7DA0-4108-B680-C246148E6BB4}"/>
+              </a:ext>
+            </a:extLst>
+          </p:cNvPr>
+          <p:cNvSpPr/>
+          <p:nvPr/>
+        </p:nvSpPr>
+        <p:spPr>
+          <a:xfrm rot="4339296">
+            <a:off x="9710390" y="2850429"/>
+            <a:ext cx="1050504" cy="812584"/>
+          </a:xfrm>
+          <a:prstGeom prst="arc">
+            <a:avLst>
+              <a:gd name="adj1" fmla="val 16200000"/>
+              <a:gd name="adj2" fmla="val 18571216"/>
+            </a:avLst>
+          </a:prstGeom>
+          <a:ln w="12700">
+            <a:solidFill>
+              <a:schemeClr val="tx1"/>
+            </a:solidFill>
+          </a:ln>
+        </p:spPr>
+        <p:style>
+          <a:lnRef idx="1">
+            <a:schemeClr val="accent1"/>
+          </a:lnRef>
+          <a:fillRef idx="0">
+            <a:schemeClr val="accent1"/>
+          </a:fillRef>
+          <a:effectRef idx="0">
+            <a:schemeClr val="accent1"/>
+          </a:effectRef>
+          <a:fontRef idx="minor">
+            <a:schemeClr val="tx1"/>
+          </a:fontRef>
+        </p:style>
+        <p:txBody>
+          <a:bodyPr rtlCol="0" anchor="ctr"/>
+          <a:lstStyle/>
+          <a:p>
+            <a:pPr algn="ctr"/>
+            <a:endParaRPr lang="en-US"/>
+          </a:p>
+        </p:txBody>
+      </p:sp>
+      <p:sp>
+        <p:nvSpPr>
+          <p:cNvPr id="147" name="Arc 4">
+            <a:extLst>
+              <a:ext uri="{FF2B5EF4-FFF2-40B4-BE49-F238E27FC236}">
+                <a16:creationId xmlns:a16="http://schemas.microsoft.com/office/drawing/2014/main" id="{B5641C99-A1FF-4026-A6DD-D711E49C7A1F}"/>
+              </a:ext>
+            </a:extLst>
+          </p:cNvPr>
+          <p:cNvSpPr/>
+          <p:nvPr/>
+        </p:nvSpPr>
+        <p:spPr>
+          <a:xfrm rot="8206540">
+            <a:off x="10229694" y="2284012"/>
+            <a:ext cx="227104" cy="290224"/>
+          </a:xfrm>
+          <a:prstGeom prst="arc">
+            <a:avLst>
+              <a:gd name="adj1" fmla="val 15080649"/>
+              <a:gd name="adj2" fmla="val 1874818"/>
+            </a:avLst>
+          </a:prstGeom>
+          <a:ln w="19050">
+            <a:solidFill>
+              <a:schemeClr val="tx1"/>
+            </a:solidFill>
+          </a:ln>
+        </p:spPr>
+        <p:style>
+          <a:lnRef idx="1">
+            <a:schemeClr val="accent1"/>
+          </a:lnRef>
+          <a:fillRef idx="0">
+            <a:schemeClr val="accent1"/>
+          </a:fillRef>
+          <a:effectRef idx="0">
+            <a:schemeClr val="accent1"/>
+          </a:effectRef>
+          <a:fontRef idx="minor">
+            <a:schemeClr val="tx1"/>
+          </a:fontRef>
+        </p:style>
+        <p:txBody>
+          <a:bodyPr rtlCol="0" anchor="ctr"/>
+          <a:lstStyle/>
+          <a:p>
+            <a:pPr algn="ctr"/>
+            <a:endParaRPr lang="en-US"/>
+          </a:p>
+        </p:txBody>
+      </p:sp>
+      <p:sp>
+        <p:nvSpPr>
+          <p:cNvPr id="148" name="Arc 102">
+            <a:extLst>
+              <a:ext uri="{FF2B5EF4-FFF2-40B4-BE49-F238E27FC236}">
+                <a16:creationId xmlns:a16="http://schemas.microsoft.com/office/drawing/2014/main" id="{24A20B75-284A-4529-888C-9F2B1FDCFFA8}"/>
+              </a:ext>
+            </a:extLst>
+          </p:cNvPr>
+          <p:cNvSpPr/>
+          <p:nvPr/>
+        </p:nvSpPr>
+        <p:spPr>
+          <a:xfrm rot="6987695">
+            <a:off x="9983702" y="2307406"/>
+            <a:ext cx="286210" cy="219566"/>
+          </a:xfrm>
+          <a:prstGeom prst="arc">
+            <a:avLst>
+              <a:gd name="adj1" fmla="val 14364527"/>
+              <a:gd name="adj2" fmla="val 1293379"/>
+            </a:avLst>
+          </a:prstGeom>
+          <a:ln w="19050">
+            <a:solidFill>
+              <a:schemeClr val="tx1"/>
+            </a:solidFill>
+          </a:ln>
+        </p:spPr>
+        <p:style>
+          <a:lnRef idx="1">
+            <a:schemeClr val="accent1"/>
+          </a:lnRef>
+          <a:fillRef idx="0">
+            <a:schemeClr val="accent1"/>
+          </a:fillRef>
+          <a:effectRef idx="0">
+            <a:schemeClr val="accent1"/>
+          </a:effectRef>
+          <a:fontRef idx="minor">
+            <a:schemeClr val="tx1"/>
+          </a:fontRef>
+        </p:style>
+        <p:txBody>
+          <a:bodyPr rtlCol="0" anchor="ctr"/>
+          <a:lstStyle/>
+          <a:p>
+            <a:pPr algn="ctr"/>
+            <a:endParaRPr lang="en-US"/>
+          </a:p>
+        </p:txBody>
+      </p:sp>
+      <p:sp>
+        <p:nvSpPr>
+          <p:cNvPr id="149" name="Oval 68">
+            <a:extLst>
+              <a:ext uri="{FF2B5EF4-FFF2-40B4-BE49-F238E27FC236}">
+                <a16:creationId xmlns:a16="http://schemas.microsoft.com/office/drawing/2014/main" id="{A0DA7276-D33C-4C1B-825B-16FE56E32F6A}"/>
+              </a:ext>
+            </a:extLst>
+          </p:cNvPr>
+          <p:cNvSpPr/>
+          <p:nvPr/>
+        </p:nvSpPr>
+        <p:spPr>
+          <a:xfrm rot="2164208">
+            <a:off x="9586415" y="1671145"/>
+            <a:ext cx="498084" cy="505146"/>
           </a:xfrm>
           <a:prstGeom prst="ellipse">
             <a:avLst/>
@@ -8886,548 +9530,6 @@
           </a:p>
         </p:txBody>
       </p:sp>
-      <p:sp>
-        <p:nvSpPr>
-          <p:cNvPr id="120" name="Oval 75">
-            <a:extLst>
-              <a:ext uri="{FF2B5EF4-FFF2-40B4-BE49-F238E27FC236}">
-                <a16:creationId xmlns:a16="http://schemas.microsoft.com/office/drawing/2014/main" id="{581B658A-E54D-4832-B776-986E4079BEFC}"/>
-              </a:ext>
-            </a:extLst>
-          </p:cNvPr>
-          <p:cNvSpPr/>
-          <p:nvPr/>
-        </p:nvSpPr>
-        <p:spPr>
-          <a:xfrm>
-            <a:off x="10163502" y="3040656"/>
-            <a:ext cx="90469" cy="170963"/>
-          </a:xfrm>
-          <a:prstGeom prst="ellipse">
-            <a:avLst/>
-          </a:prstGeom>
-          <a:solidFill>
-            <a:srgbClr val="FF0000"/>
-          </a:solidFill>
-          <a:ln>
-            <a:noFill/>
-          </a:ln>
-        </p:spPr>
-        <p:style>
-          <a:lnRef idx="2">
-            <a:schemeClr val="accent1">
-              <a:shade val="50000"/>
-            </a:schemeClr>
-          </a:lnRef>
-          <a:fillRef idx="1">
-            <a:schemeClr val="accent1"/>
-          </a:fillRef>
-          <a:effectRef idx="0">
-            <a:schemeClr val="accent1"/>
-          </a:effectRef>
-          <a:fontRef idx="minor">
-            <a:schemeClr val="lt1"/>
-          </a:fontRef>
-        </p:style>
-        <p:txBody>
-          <a:bodyPr rtlCol="0" anchor="ctr"/>
-          <a:lstStyle/>
-          <a:p>
-            <a:pPr algn="ctr"/>
-            <a:endParaRPr lang="en-US"/>
-          </a:p>
-        </p:txBody>
-      </p:sp>
-      <p:sp>
-        <p:nvSpPr>
-          <p:cNvPr id="121" name="Oval 76">
-            <a:extLst>
-              <a:ext uri="{FF2B5EF4-FFF2-40B4-BE49-F238E27FC236}">
-                <a16:creationId xmlns:a16="http://schemas.microsoft.com/office/drawing/2014/main" id="{3195722D-C0D7-4898-9734-E41E1BE7F3E0}"/>
-              </a:ext>
-            </a:extLst>
-          </p:cNvPr>
-          <p:cNvSpPr/>
-          <p:nvPr/>
-        </p:nvSpPr>
-        <p:spPr>
-          <a:xfrm>
-            <a:off x="10228852" y="3025907"/>
-            <a:ext cx="97279" cy="185625"/>
-          </a:xfrm>
-          <a:prstGeom prst="ellipse">
-            <a:avLst/>
-          </a:prstGeom>
-          <a:solidFill>
-            <a:srgbClr val="FF0000"/>
-          </a:solidFill>
-          <a:ln>
-            <a:noFill/>
-          </a:ln>
-        </p:spPr>
-        <p:style>
-          <a:lnRef idx="2">
-            <a:schemeClr val="accent1">
-              <a:shade val="50000"/>
-            </a:schemeClr>
-          </a:lnRef>
-          <a:fillRef idx="1">
-            <a:schemeClr val="accent1"/>
-          </a:fillRef>
-          <a:effectRef idx="0">
-            <a:schemeClr val="accent1"/>
-          </a:effectRef>
-          <a:fontRef idx="minor">
-            <a:schemeClr val="lt1"/>
-          </a:fontRef>
-        </p:style>
-        <p:txBody>
-          <a:bodyPr rtlCol="0" anchor="ctr"/>
-          <a:lstStyle/>
-          <a:p>
-            <a:pPr algn="ctr"/>
-            <a:endParaRPr lang="en-US"/>
-          </a:p>
-        </p:txBody>
-      </p:sp>
-      <p:sp>
-        <p:nvSpPr>
-          <p:cNvPr id="122" name="Triangle 77">
-            <a:extLst>
-              <a:ext uri="{FF2B5EF4-FFF2-40B4-BE49-F238E27FC236}">
-                <a16:creationId xmlns:a16="http://schemas.microsoft.com/office/drawing/2014/main" id="{AF84F8DD-A720-47B7-9A13-F9CF011DC233}"/>
-              </a:ext>
-            </a:extLst>
-          </p:cNvPr>
-          <p:cNvSpPr/>
-          <p:nvPr/>
-        </p:nvSpPr>
-        <p:spPr>
-          <a:xfrm rot="10800000">
-            <a:off x="10205221" y="3149127"/>
-            <a:ext cx="122944" cy="419304"/>
-          </a:xfrm>
-          <a:prstGeom prst="triangle">
-            <a:avLst/>
-          </a:prstGeom>
-          <a:solidFill>
-            <a:srgbClr val="FF0000"/>
-          </a:solidFill>
-          <a:ln>
-            <a:noFill/>
-          </a:ln>
-        </p:spPr>
-        <p:style>
-          <a:lnRef idx="2">
-            <a:schemeClr val="accent1">
-              <a:shade val="50000"/>
-            </a:schemeClr>
-          </a:lnRef>
-          <a:fillRef idx="1">
-            <a:schemeClr val="accent1"/>
-          </a:fillRef>
-          <a:effectRef idx="0">
-            <a:schemeClr val="accent1"/>
-          </a:effectRef>
-          <a:fontRef idx="minor">
-            <a:schemeClr val="lt1"/>
-          </a:fontRef>
-        </p:style>
-        <p:txBody>
-          <a:bodyPr rtlCol="0" anchor="ctr"/>
-          <a:lstStyle/>
-          <a:p>
-            <a:pPr algn="ctr"/>
-            <a:endParaRPr lang="en-US"/>
-          </a:p>
-        </p:txBody>
-      </p:sp>
-      <p:sp>
-        <p:nvSpPr>
-          <p:cNvPr id="123" name="Triangle 78">
-            <a:extLst>
-              <a:ext uri="{FF2B5EF4-FFF2-40B4-BE49-F238E27FC236}">
-                <a16:creationId xmlns:a16="http://schemas.microsoft.com/office/drawing/2014/main" id="{F75C56E8-495C-4FD3-8F0B-7B4A7BB1FA87}"/>
-              </a:ext>
-            </a:extLst>
-          </p:cNvPr>
-          <p:cNvSpPr/>
-          <p:nvPr/>
-        </p:nvSpPr>
-        <p:spPr>
-          <a:xfrm rot="10800000">
-            <a:off x="10171151" y="3149127"/>
-            <a:ext cx="150992" cy="514211"/>
-          </a:xfrm>
-          <a:prstGeom prst="triangle">
-            <a:avLst>
-              <a:gd name="adj" fmla="val 67963"/>
-            </a:avLst>
-          </a:prstGeom>
-          <a:solidFill>
-            <a:srgbClr val="FF0000"/>
-          </a:solidFill>
-          <a:ln>
-            <a:noFill/>
-          </a:ln>
-        </p:spPr>
-        <p:style>
-          <a:lnRef idx="2">
-            <a:schemeClr val="accent1">
-              <a:shade val="50000"/>
-            </a:schemeClr>
-          </a:lnRef>
-          <a:fillRef idx="1">
-            <a:schemeClr val="accent1"/>
-          </a:fillRef>
-          <a:effectRef idx="0">
-            <a:schemeClr val="accent1"/>
-          </a:effectRef>
-          <a:fontRef idx="minor">
-            <a:schemeClr val="lt1"/>
-          </a:fontRef>
-        </p:style>
-        <p:txBody>
-          <a:bodyPr rtlCol="0" anchor="ctr"/>
-          <a:lstStyle/>
-          <a:p>
-            <a:pPr algn="ctr"/>
-            <a:endParaRPr lang="en-US"/>
-          </a:p>
-        </p:txBody>
-      </p:sp>
-      <p:sp>
-        <p:nvSpPr>
-          <p:cNvPr id="124" name="Trapezoid 79">
-            <a:extLst>
-              <a:ext uri="{FF2B5EF4-FFF2-40B4-BE49-F238E27FC236}">
-                <a16:creationId xmlns:a16="http://schemas.microsoft.com/office/drawing/2014/main" id="{187AC4C7-3347-4A84-878A-7B51019E27F2}"/>
-              </a:ext>
-            </a:extLst>
-          </p:cNvPr>
-          <p:cNvSpPr/>
-          <p:nvPr/>
-        </p:nvSpPr>
-        <p:spPr>
-          <a:xfrm rot="10800000">
-            <a:off x="10155690" y="3083644"/>
-            <a:ext cx="190065" cy="75997"/>
-          </a:xfrm>
-          <a:prstGeom prst="trapezoid">
-            <a:avLst/>
-          </a:prstGeom>
-          <a:solidFill>
-            <a:srgbClr val="FF0000"/>
-          </a:solidFill>
-          <a:ln w="12700">
-            <a:solidFill>
-              <a:schemeClr val="tx1"/>
-            </a:solidFill>
-          </a:ln>
-        </p:spPr>
-        <p:style>
-          <a:lnRef idx="2">
-            <a:schemeClr val="accent1">
-              <a:shade val="50000"/>
-            </a:schemeClr>
-          </a:lnRef>
-          <a:fillRef idx="1">
-            <a:schemeClr val="accent1"/>
-          </a:fillRef>
-          <a:effectRef idx="0">
-            <a:schemeClr val="accent1"/>
-          </a:effectRef>
-          <a:fontRef idx="minor">
-            <a:schemeClr val="lt1"/>
-          </a:fontRef>
-        </p:style>
-        <p:txBody>
-          <a:bodyPr rtlCol="0" anchor="ctr"/>
-          <a:lstStyle/>
-          <a:p>
-            <a:pPr algn="ctr"/>
-            <a:endParaRPr lang="en-US"/>
-          </a:p>
-        </p:txBody>
-      </p:sp>
-      <p:sp>
-        <p:nvSpPr>
-          <p:cNvPr id="125" name="Arc 80">
-            <a:extLst>
-              <a:ext uri="{FF2B5EF4-FFF2-40B4-BE49-F238E27FC236}">
-                <a16:creationId xmlns:a16="http://schemas.microsoft.com/office/drawing/2014/main" id="{13441AE4-05F2-4794-B4D8-CCC506A2BB73}"/>
-              </a:ext>
-            </a:extLst>
-          </p:cNvPr>
-          <p:cNvSpPr/>
-          <p:nvPr/>
-        </p:nvSpPr>
-        <p:spPr>
-          <a:xfrm rot="7537723">
-            <a:off x="10067297" y="2691820"/>
-            <a:ext cx="443364" cy="408350"/>
-          </a:xfrm>
-          <a:prstGeom prst="arc">
-            <a:avLst>
-              <a:gd name="adj1" fmla="val 16200000"/>
-              <a:gd name="adj2" fmla="val 18726675"/>
-            </a:avLst>
-          </a:prstGeom>
-          <a:ln w="12700">
-            <a:solidFill>
-              <a:schemeClr val="tx1"/>
-            </a:solidFill>
-          </a:ln>
-        </p:spPr>
-        <p:style>
-          <a:lnRef idx="1">
-            <a:schemeClr val="accent1"/>
-          </a:lnRef>
-          <a:fillRef idx="0">
-            <a:schemeClr val="accent1"/>
-          </a:fillRef>
-          <a:effectRef idx="0">
-            <a:schemeClr val="accent1"/>
-          </a:effectRef>
-          <a:fontRef idx="minor">
-            <a:schemeClr val="tx1"/>
-          </a:fontRef>
-        </p:style>
-        <p:txBody>
-          <a:bodyPr rtlCol="0" anchor="ctr"/>
-          <a:lstStyle/>
-          <a:p>
-            <a:pPr algn="ctr"/>
-            <a:endParaRPr lang="en-US" dirty="0"/>
-          </a:p>
-        </p:txBody>
-      </p:sp>
-      <p:sp>
-        <p:nvSpPr>
-          <p:cNvPr id="126" name="Arc 81">
-            <a:extLst>
-              <a:ext uri="{FF2B5EF4-FFF2-40B4-BE49-F238E27FC236}">
-                <a16:creationId xmlns:a16="http://schemas.microsoft.com/office/drawing/2014/main" id="{0B0CFF9F-A5D2-4516-8A49-9BD5AAB7FD00}"/>
-              </a:ext>
-            </a:extLst>
-          </p:cNvPr>
-          <p:cNvSpPr/>
-          <p:nvPr/>
-        </p:nvSpPr>
-        <p:spPr>
-          <a:xfrm rot="11430463">
-            <a:off x="9968191" y="2692295"/>
-            <a:ext cx="443364" cy="408350"/>
-          </a:xfrm>
-          <a:prstGeom prst="arc">
-            <a:avLst>
-              <a:gd name="adj1" fmla="val 15987613"/>
-              <a:gd name="adj2" fmla="val 18924225"/>
-            </a:avLst>
-          </a:prstGeom>
-          <a:ln w="12700">
-            <a:solidFill>
-              <a:schemeClr val="tx1"/>
-            </a:solidFill>
-          </a:ln>
-        </p:spPr>
-        <p:style>
-          <a:lnRef idx="1">
-            <a:schemeClr val="accent1"/>
-          </a:lnRef>
-          <a:fillRef idx="0">
-            <a:schemeClr val="accent1"/>
-          </a:fillRef>
-          <a:effectRef idx="0">
-            <a:schemeClr val="accent1"/>
-          </a:effectRef>
-          <a:fontRef idx="minor">
-            <a:schemeClr val="tx1"/>
-          </a:fontRef>
-        </p:style>
-        <p:txBody>
-          <a:bodyPr rtlCol="0" anchor="ctr"/>
-          <a:lstStyle/>
-          <a:p>
-            <a:pPr algn="ctr"/>
-            <a:endParaRPr lang="en-US"/>
-          </a:p>
-        </p:txBody>
-      </p:sp>
-      <p:cxnSp>
-        <p:nvCxnSpPr>
-          <p:cNvPr id="127" name="Straight Connector 82">
-            <a:extLst>
-              <a:ext uri="{FF2B5EF4-FFF2-40B4-BE49-F238E27FC236}">
-                <a16:creationId xmlns:a16="http://schemas.microsoft.com/office/drawing/2014/main" id="{A041353B-887A-4A80-BADD-44C3DD13C699}"/>
-              </a:ext>
-            </a:extLst>
-          </p:cNvPr>
-          <p:cNvCxnSpPr>
-            <a:cxnSpLocks/>
-            <a:stCxn id="123" idx="4"/>
-            <a:endCxn id="122" idx="0"/>
-          </p:cNvCxnSpPr>
-          <p:nvPr/>
-        </p:nvCxnSpPr>
-        <p:spPr>
-          <a:xfrm>
-            <a:off x="10171151" y="3149127"/>
-            <a:ext cx="95542" cy="419304"/>
-          </a:xfrm>
-          <a:prstGeom prst="line">
-            <a:avLst/>
-          </a:prstGeom>
-          <a:ln w="12700">
-            <a:solidFill>
-              <a:schemeClr val="tx1"/>
-            </a:solidFill>
-          </a:ln>
-        </p:spPr>
-        <p:style>
-          <a:lnRef idx="1">
-            <a:schemeClr val="accent1"/>
-          </a:lnRef>
-          <a:fillRef idx="0">
-            <a:schemeClr val="accent1"/>
-          </a:fillRef>
-          <a:effectRef idx="0">
-            <a:schemeClr val="accent1"/>
-          </a:effectRef>
-          <a:fontRef idx="minor">
-            <a:schemeClr val="tx1"/>
-          </a:fontRef>
-        </p:style>
-      </p:cxnSp>
-      <p:cxnSp>
-        <p:nvCxnSpPr>
-          <p:cNvPr id="128" name="Straight Connector 83">
-            <a:extLst>
-              <a:ext uri="{FF2B5EF4-FFF2-40B4-BE49-F238E27FC236}">
-                <a16:creationId xmlns:a16="http://schemas.microsoft.com/office/drawing/2014/main" id="{9B50BE98-3209-41B7-8F6D-755C79DB01EC}"/>
-              </a:ext>
-            </a:extLst>
-          </p:cNvPr>
-          <p:cNvCxnSpPr>
-            <a:cxnSpLocks/>
-          </p:cNvCxnSpPr>
-          <p:nvPr/>
-        </p:nvCxnSpPr>
-        <p:spPr>
-          <a:xfrm flipH="1">
-            <a:off x="10268678" y="3152780"/>
-            <a:ext cx="57007" cy="419304"/>
-          </a:xfrm>
-          <a:prstGeom prst="line">
-            <a:avLst/>
-          </a:prstGeom>
-          <a:ln w="12700">
-            <a:solidFill>
-              <a:schemeClr val="tx1"/>
-            </a:solidFill>
-          </a:ln>
-        </p:spPr>
-        <p:style>
-          <a:lnRef idx="1">
-            <a:schemeClr val="accent1"/>
-          </a:lnRef>
-          <a:fillRef idx="0">
-            <a:schemeClr val="accent1"/>
-          </a:fillRef>
-          <a:effectRef idx="0">
-            <a:schemeClr val="accent1"/>
-          </a:effectRef>
-          <a:fontRef idx="minor">
-            <a:schemeClr val="tx1"/>
-          </a:fontRef>
-        </p:style>
-      </p:cxnSp>
-      <p:cxnSp>
-        <p:nvCxnSpPr>
-          <p:cNvPr id="129" name="Straight Connector 84">
-            <a:extLst>
-              <a:ext uri="{FF2B5EF4-FFF2-40B4-BE49-F238E27FC236}">
-                <a16:creationId xmlns:a16="http://schemas.microsoft.com/office/drawing/2014/main" id="{5755AD0E-916E-4F16-8CB3-E15E995FA279}"/>
-              </a:ext>
-            </a:extLst>
-          </p:cNvPr>
-          <p:cNvCxnSpPr>
-            <a:cxnSpLocks/>
-          </p:cNvCxnSpPr>
-          <p:nvPr/>
-        </p:nvCxnSpPr>
-        <p:spPr>
-          <a:xfrm>
-            <a:off x="10170749" y="3156761"/>
-            <a:ext cx="50710" cy="510946"/>
-          </a:xfrm>
-          <a:prstGeom prst="line">
-            <a:avLst/>
-          </a:prstGeom>
-          <a:ln w="12700">
-            <a:solidFill>
-              <a:schemeClr val="tx1"/>
-            </a:solidFill>
-          </a:ln>
-        </p:spPr>
-        <p:style>
-          <a:lnRef idx="1">
-            <a:schemeClr val="accent1"/>
-          </a:lnRef>
-          <a:fillRef idx="0">
-            <a:schemeClr val="accent1"/>
-          </a:fillRef>
-          <a:effectRef idx="0">
-            <a:schemeClr val="accent1"/>
-          </a:effectRef>
-          <a:fontRef idx="minor">
-            <a:schemeClr val="tx1"/>
-          </a:fontRef>
-        </p:style>
-      </p:cxnSp>
-      <p:cxnSp>
-        <p:nvCxnSpPr>
-          <p:cNvPr id="130" name="Straight Connector 85">
-            <a:extLst>
-              <a:ext uri="{FF2B5EF4-FFF2-40B4-BE49-F238E27FC236}">
-                <a16:creationId xmlns:a16="http://schemas.microsoft.com/office/drawing/2014/main" id="{693DD9A4-0B20-4CBA-937E-B5ADE5C66EF0}"/>
-              </a:ext>
-            </a:extLst>
-          </p:cNvPr>
-          <p:cNvCxnSpPr>
-            <a:cxnSpLocks/>
-          </p:cNvCxnSpPr>
-          <p:nvPr/>
-        </p:nvCxnSpPr>
-        <p:spPr>
-          <a:xfrm flipH="1">
-            <a:off x="10218453" y="3516160"/>
-            <a:ext cx="31303" cy="145018"/>
-          </a:xfrm>
-          <a:prstGeom prst="line">
-            <a:avLst/>
-          </a:prstGeom>
-          <a:ln w="12700">
-            <a:solidFill>
-              <a:schemeClr val="tx1"/>
-            </a:solidFill>
-          </a:ln>
-        </p:spPr>
-        <p:style>
-          <a:lnRef idx="1">
-            <a:schemeClr val="accent1"/>
-          </a:lnRef>
-          <a:fillRef idx="0">
-            <a:schemeClr val="accent1"/>
-          </a:fillRef>
-          <a:effectRef idx="0">
-            <a:schemeClr val="accent1"/>
-          </a:effectRef>
-          <a:fontRef idx="minor">
-            <a:schemeClr val="tx1"/>
-          </a:fontRef>
-        </p:style>
-      </p:cxnSp>
       <p:grpSp>
         <p:nvGrpSpPr>
           <p:cNvPr id="131" name="Group 86">
@@ -10152,10 +10254,10 @@
       </p:grpSp>
       <p:sp>
         <p:nvSpPr>
-          <p:cNvPr id="146" name="Arc 101">
-            <a:extLst>
-              <a:ext uri="{FF2B5EF4-FFF2-40B4-BE49-F238E27FC236}">
-                <a16:creationId xmlns:a16="http://schemas.microsoft.com/office/drawing/2014/main" id="{72C28C2C-7DA0-4108-B680-C246148E6BB4}"/>
+          <p:cNvPr id="150" name="Oval 71">
+            <a:extLst>
+              <a:ext uri="{FF2B5EF4-FFF2-40B4-BE49-F238E27FC236}">
+                <a16:creationId xmlns:a16="http://schemas.microsoft.com/office/drawing/2014/main" id="{D9096275-B9A9-4287-906D-D7D24526B282}"/>
               </a:ext>
             </a:extLst>
           </p:cNvPr>
@@ -10163,34 +10265,36 @@
           <p:nvPr/>
         </p:nvSpPr>
         <p:spPr>
-          <a:xfrm rot="4339296">
-            <a:off x="9710390" y="2850429"/>
-            <a:ext cx="1050504" cy="812584"/>
-          </a:xfrm>
-          <a:prstGeom prst="arc">
-            <a:avLst>
-              <a:gd name="adj1" fmla="val 16200000"/>
-              <a:gd name="adj2" fmla="val 18571216"/>
-            </a:avLst>
+          <a:xfrm>
+            <a:off x="9680963" y="1805641"/>
+            <a:ext cx="216903" cy="202386"/>
+          </a:xfrm>
+          <a:prstGeom prst="ellipse">
+            <a:avLst/>
           </a:prstGeom>
-          <a:ln w="12700">
+          <a:solidFill>
+            <a:schemeClr val="bg1"/>
+          </a:solidFill>
+          <a:ln>
             <a:solidFill>
-              <a:schemeClr val="tx1"/>
+              <a:schemeClr val="bg1"/>
             </a:solidFill>
           </a:ln>
         </p:spPr>
         <p:style>
-          <a:lnRef idx="1">
-            <a:schemeClr val="accent1"/>
+          <a:lnRef idx="2">
+            <a:schemeClr val="accent1">
+              <a:shade val="50000"/>
+            </a:schemeClr>
           </a:lnRef>
-          <a:fillRef idx="0">
+          <a:fillRef idx="1">
             <a:schemeClr val="accent1"/>
           </a:fillRef>
           <a:effectRef idx="0">
             <a:schemeClr val="accent1"/>
           </a:effectRef>
           <a:fontRef idx="minor">
-            <a:schemeClr val="tx1"/>
+            <a:schemeClr val="lt1"/>
           </a:fontRef>
         </p:style>
         <p:txBody>
@@ -10204,10 +10308,10 @@
       </p:sp>
       <p:sp>
         <p:nvSpPr>
-          <p:cNvPr id="147" name="Arc 4">
-            <a:extLst>
-              <a:ext uri="{FF2B5EF4-FFF2-40B4-BE49-F238E27FC236}">
-                <a16:creationId xmlns:a16="http://schemas.microsoft.com/office/drawing/2014/main" id="{B5641C99-A1FF-4026-A6DD-D711E49C7A1F}"/>
+          <p:cNvPr id="152" name="Oval 71">
+            <a:extLst>
+              <a:ext uri="{FF2B5EF4-FFF2-40B4-BE49-F238E27FC236}">
+                <a16:creationId xmlns:a16="http://schemas.microsoft.com/office/drawing/2014/main" id="{6CDF078D-64C7-4FD2-AED6-B78D27E6E983}"/>
               </a:ext>
             </a:extLst>
           </p:cNvPr>
@@ -10215,34 +10319,36 @@
           <p:nvPr/>
         </p:nvSpPr>
         <p:spPr>
-          <a:xfrm rot="8206540">
-            <a:off x="10225243" y="2238137"/>
-            <a:ext cx="341259" cy="340252"/>
-          </a:xfrm>
-          <a:prstGeom prst="arc">
-            <a:avLst>
-              <a:gd name="adj1" fmla="val 15080649"/>
-              <a:gd name="adj2" fmla="val 1874818"/>
-            </a:avLst>
+          <a:xfrm>
+            <a:off x="10760130" y="1982657"/>
+            <a:ext cx="79037" cy="73309"/>
+          </a:xfrm>
+          <a:prstGeom prst="ellipse">
+            <a:avLst/>
           </a:prstGeom>
-          <a:ln w="19050">
+          <a:solidFill>
+            <a:schemeClr val="bg1"/>
+          </a:solidFill>
+          <a:ln>
             <a:solidFill>
-              <a:schemeClr val="tx1"/>
+              <a:schemeClr val="bg1"/>
             </a:solidFill>
           </a:ln>
         </p:spPr>
         <p:style>
-          <a:lnRef idx="1">
-            <a:schemeClr val="accent1"/>
+          <a:lnRef idx="2">
+            <a:schemeClr val="accent1">
+              <a:shade val="50000"/>
+            </a:schemeClr>
           </a:lnRef>
-          <a:fillRef idx="0">
+          <a:fillRef idx="1">
             <a:schemeClr val="accent1"/>
           </a:fillRef>
           <a:effectRef idx="0">
             <a:schemeClr val="accent1"/>
           </a:effectRef>
           <a:fontRef idx="minor">
-            <a:schemeClr val="tx1"/>
+            <a:schemeClr val="lt1"/>
           </a:fontRef>
         </p:style>
         <p:txBody>
@@ -10256,10 +10362,10 @@
       </p:sp>
       <p:sp>
         <p:nvSpPr>
-          <p:cNvPr id="148" name="Arc 102">
-            <a:extLst>
-              <a:ext uri="{FF2B5EF4-FFF2-40B4-BE49-F238E27FC236}">
-                <a16:creationId xmlns:a16="http://schemas.microsoft.com/office/drawing/2014/main" id="{24A20B75-284A-4529-888C-9F2B1FDCFFA8}"/>
+          <p:cNvPr id="154" name="Oval 71">
+            <a:extLst>
+              <a:ext uri="{FF2B5EF4-FFF2-40B4-BE49-F238E27FC236}">
+                <a16:creationId xmlns:a16="http://schemas.microsoft.com/office/drawing/2014/main" id="{3E6698FC-DDF5-4269-9642-F376C9C24718}"/>
               </a:ext>
             </a:extLst>
           </p:cNvPr>
@@ -10267,34 +10373,36 @@
           <p:nvPr/>
         </p:nvSpPr>
         <p:spPr>
-          <a:xfrm rot="6987695">
-            <a:off x="9889892" y="2244815"/>
-            <a:ext cx="341259" cy="340252"/>
-          </a:xfrm>
-          <a:prstGeom prst="arc">
-            <a:avLst>
-              <a:gd name="adj1" fmla="val 14364527"/>
-              <a:gd name="adj2" fmla="val 1293379"/>
-            </a:avLst>
+          <a:xfrm>
+            <a:off x="9902800" y="1980326"/>
+            <a:ext cx="79037" cy="73309"/>
+          </a:xfrm>
+          <a:prstGeom prst="ellipse">
+            <a:avLst/>
           </a:prstGeom>
-          <a:ln w="19050">
+          <a:solidFill>
+            <a:schemeClr val="bg1"/>
+          </a:solidFill>
+          <a:ln>
             <a:solidFill>
-              <a:schemeClr val="tx1"/>
+              <a:schemeClr val="bg1"/>
             </a:solidFill>
           </a:ln>
         </p:spPr>
         <p:style>
-          <a:lnRef idx="1">
-            <a:schemeClr val="accent1"/>
+          <a:lnRef idx="2">
+            <a:schemeClr val="accent1">
+              <a:shade val="50000"/>
+            </a:schemeClr>
           </a:lnRef>
-          <a:fillRef idx="0">
+          <a:fillRef idx="1">
             <a:schemeClr val="accent1"/>
           </a:fillRef>
           <a:effectRef idx="0">
             <a:schemeClr val="accent1"/>
           </a:effectRef>
           <a:fontRef idx="minor">
-            <a:schemeClr val="tx1"/>
+            <a:schemeClr val="lt1"/>
           </a:fontRef>
         </p:style>
         <p:txBody>

--- a/img/PANDA.pptx
+++ b/img/PANDA.pptx
@@ -10320,7 +10320,7 @@
         </p:nvSpPr>
         <p:spPr>
           <a:xfrm>
-            <a:off x="10760130" y="1982657"/>
+            <a:off x="10722538" y="2000945"/>
             <a:ext cx="79037" cy="73309"/>
           </a:xfrm>
           <a:prstGeom prst="ellipse">

--- a/img/PANDA.pptx
+++ b/img/PANDA.pptx
@@ -197,7 +197,7 @@
           <a:p>
             <a:fld id="{B966D517-34DA-1541-9976-65CE1DA01ED5}" type="datetimeFigureOut">
               <a:rPr lang="en-US" smtClean="0"/>
-              <a:t>4/1/2019</a:t>
+              <a:t>4/10/19</a:t>
             </a:fld>
             <a:endParaRPr lang="en-US"/>
           </a:p>
@@ -695,7 +695,7 @@
           <a:p>
             <a:fld id="{594D2CB0-1BE6-3F47-AD89-DEA7CD3F203F}" type="datetimeFigureOut">
               <a:rPr lang="en-US" smtClean="0"/>
-              <a:t>4/1/2019</a:t>
+              <a:t>4/10/19</a:t>
             </a:fld>
             <a:endParaRPr lang="en-US"/>
           </a:p>
@@ -893,7 +893,7 @@
           <a:p>
             <a:fld id="{594D2CB0-1BE6-3F47-AD89-DEA7CD3F203F}" type="datetimeFigureOut">
               <a:rPr lang="en-US" smtClean="0"/>
-              <a:t>4/1/2019</a:t>
+              <a:t>4/10/19</a:t>
             </a:fld>
             <a:endParaRPr lang="en-US"/>
           </a:p>
@@ -1101,7 +1101,7 @@
           <a:p>
             <a:fld id="{594D2CB0-1BE6-3F47-AD89-DEA7CD3F203F}" type="datetimeFigureOut">
               <a:rPr lang="en-US" smtClean="0"/>
-              <a:t>4/1/2019</a:t>
+              <a:t>4/10/19</a:t>
             </a:fld>
             <a:endParaRPr lang="en-US"/>
           </a:p>
@@ -1299,7 +1299,7 @@
           <a:p>
             <a:fld id="{594D2CB0-1BE6-3F47-AD89-DEA7CD3F203F}" type="datetimeFigureOut">
               <a:rPr lang="en-US" smtClean="0"/>
-              <a:t>4/1/2019</a:t>
+              <a:t>4/10/19</a:t>
             </a:fld>
             <a:endParaRPr lang="en-US"/>
           </a:p>
@@ -1574,7 +1574,7 @@
           <a:p>
             <a:fld id="{594D2CB0-1BE6-3F47-AD89-DEA7CD3F203F}" type="datetimeFigureOut">
               <a:rPr lang="en-US" smtClean="0"/>
-              <a:t>4/1/2019</a:t>
+              <a:t>4/10/19</a:t>
             </a:fld>
             <a:endParaRPr lang="en-US"/>
           </a:p>
@@ -1839,7 +1839,7 @@
           <a:p>
             <a:fld id="{594D2CB0-1BE6-3F47-AD89-DEA7CD3F203F}" type="datetimeFigureOut">
               <a:rPr lang="en-US" smtClean="0"/>
-              <a:t>4/1/2019</a:t>
+              <a:t>4/10/19</a:t>
             </a:fld>
             <a:endParaRPr lang="en-US"/>
           </a:p>
@@ -2251,7 +2251,7 @@
           <a:p>
             <a:fld id="{594D2CB0-1BE6-3F47-AD89-DEA7CD3F203F}" type="datetimeFigureOut">
               <a:rPr lang="en-US" smtClean="0"/>
-              <a:t>4/1/2019</a:t>
+              <a:t>4/10/19</a:t>
             </a:fld>
             <a:endParaRPr lang="en-US"/>
           </a:p>
@@ -2392,7 +2392,7 @@
           <a:p>
             <a:fld id="{594D2CB0-1BE6-3F47-AD89-DEA7CD3F203F}" type="datetimeFigureOut">
               <a:rPr lang="en-US" smtClean="0"/>
-              <a:t>4/1/2019</a:t>
+              <a:t>4/10/19</a:t>
             </a:fld>
             <a:endParaRPr lang="en-US"/>
           </a:p>
@@ -2505,7 +2505,7 @@
           <a:p>
             <a:fld id="{594D2CB0-1BE6-3F47-AD89-DEA7CD3F203F}" type="datetimeFigureOut">
               <a:rPr lang="en-US" smtClean="0"/>
-              <a:t>4/1/2019</a:t>
+              <a:t>4/10/19</a:t>
             </a:fld>
             <a:endParaRPr lang="en-US"/>
           </a:p>
@@ -2816,7 +2816,7 @@
           <a:p>
             <a:fld id="{594D2CB0-1BE6-3F47-AD89-DEA7CD3F203F}" type="datetimeFigureOut">
               <a:rPr lang="en-US" smtClean="0"/>
-              <a:t>4/1/2019</a:t>
+              <a:t>4/10/19</a:t>
             </a:fld>
             <a:endParaRPr lang="en-US"/>
           </a:p>
@@ -3104,7 +3104,7 @@
           <a:p>
             <a:fld id="{594D2CB0-1BE6-3F47-AD89-DEA7CD3F203F}" type="datetimeFigureOut">
               <a:rPr lang="en-US" smtClean="0"/>
-              <a:t>4/1/2019</a:t>
+              <a:t>4/10/19</a:t>
             </a:fld>
             <a:endParaRPr lang="en-US"/>
           </a:p>
@@ -3345,7 +3345,7 @@
           <a:p>
             <a:fld id="{594D2CB0-1BE6-3F47-AD89-DEA7CD3F203F}" type="datetimeFigureOut">
               <a:rPr lang="en-US" smtClean="0"/>
-              <a:t>4/1/2019</a:t>
+              <a:t>4/10/19</a:t>
             </a:fld>
             <a:endParaRPr lang="en-US"/>
           </a:p>
@@ -8360,7 +8360,7 @@
         </p:nvSpPr>
         <p:spPr>
           <a:xfrm>
-            <a:off x="10764247" y="1316850"/>
+            <a:off x="10722043" y="1330918"/>
             <a:ext cx="566792" cy="505146"/>
           </a:xfrm>
           <a:prstGeom prst="ellipse">
@@ -8414,7 +8414,7 @@
         </p:nvSpPr>
         <p:spPr>
           <a:xfrm>
-            <a:off x="9145054" y="1319211"/>
+            <a:off x="9201326" y="1361415"/>
             <a:ext cx="566792" cy="505146"/>
           </a:xfrm>
           <a:prstGeom prst="ellipse">
@@ -8522,7 +8522,7 @@
         </p:nvSpPr>
         <p:spPr>
           <a:xfrm>
-            <a:off x="10155026" y="2305433"/>
+            <a:off x="10155026" y="2254063"/>
             <a:ext cx="154421" cy="133198"/>
           </a:xfrm>
           <a:prstGeom prst="ellipse">
@@ -9386,7 +9386,7 @@
         </p:nvSpPr>
         <p:spPr>
           <a:xfrm rot="8206540">
-            <a:off x="10229694" y="2284012"/>
+            <a:off x="10229694" y="2232642"/>
             <a:ext cx="227104" cy="290224"/>
           </a:xfrm>
           <a:prstGeom prst="arc">
@@ -9438,7 +9438,7 @@
         </p:nvSpPr>
         <p:spPr>
           <a:xfrm rot="6987695">
-            <a:off x="9983702" y="2307406"/>
+            <a:off x="9983702" y="2256036"/>
             <a:ext cx="286210" cy="219566"/>
           </a:xfrm>
           <a:prstGeom prst="arc">
@@ -9490,7 +9490,7 @@
         </p:nvSpPr>
         <p:spPr>
           <a:xfrm rot="2164208">
-            <a:off x="9586415" y="1671145"/>
+            <a:off x="9521684" y="1671145"/>
             <a:ext cx="498084" cy="505146"/>
           </a:xfrm>
           <a:prstGeom prst="ellipse">
@@ -10266,7 +10266,7 @@
         </p:nvSpPr>
         <p:spPr>
           <a:xfrm>
-            <a:off x="9680963" y="1805641"/>
+            <a:off x="9616232" y="1805641"/>
             <a:ext cx="216903" cy="202386"/>
           </a:xfrm>
           <a:prstGeom prst="ellipse">
@@ -10374,7 +10374,7 @@
         </p:nvSpPr>
         <p:spPr>
           <a:xfrm>
-            <a:off x="9902800" y="1980326"/>
+            <a:off x="9838069" y="1980326"/>
             <a:ext cx="79037" cy="73309"/>
           </a:xfrm>
           <a:prstGeom prst="ellipse">
